--- a/Notes/5_Point_Estimation_and_Sampling_Distributions.pptx
+++ b/Notes/5_Point_Estimation_and_Sampling_Distributions.pptx
@@ -131,7 +131,31 @@
       </a:defRPr>
     </a:lvl9pPr>
   </p:defaultTextStyle>
+  <p:extLst>
+    <p:ext uri="{EFAFB233-063F-42B5-8137-9DF3F51BA10A}">
+      <p15:sldGuideLst xmlns:p15="http://schemas.microsoft.com/office/powerpoint/2012/main">
+        <p15:guide id="1" orient="horz" pos="2160">
+          <p15:clr>
+            <a:srgbClr val="A4A3A4"/>
+          </p15:clr>
+        </p15:guide>
+        <p15:guide id="2" pos="2880">
+          <p15:clr>
+            <a:srgbClr val="A4A3A4"/>
+          </p15:clr>
+        </p15:guide>
+      </p15:sldGuideLst>
+    </p:ext>
+  </p:extLst>
 </p:presentation>
+</file>
+
+<file path=ppt/revisionInfo.xml><?xml version="1.0" encoding="utf-8"?>
+<p1510:revInfo xmlns:a="http://schemas.openxmlformats.org/drawingml/2006/main" xmlns:r="http://schemas.openxmlformats.org/officeDocument/2006/relationships" xmlns:p1510="http://schemas.microsoft.com/office/powerpoint/2015/10/main">
+  <p1510:revLst>
+    <p1510:client id="{64643AD2-D747-4E19-A401-6E566A6DB279}" v="17" dt="2020-03-24T18:20:07.941"/>
+  </p1510:revLst>
+</p1510:revInfo>
 </file>
 
 <file path=ppt/slideLayouts/slideLayout1.xml><?xml version="1.0" encoding="utf-8"?>
@@ -172,10 +196,9 @@
           <a:lstStyle/>
           <a:p>
             <a:r>
-              <a:rPr lang="en-US" smtClean="0"/>
+              <a:rPr lang="en-US"/>
               <a:t>Click to edit Master title style</a:t>
             </a:r>
-            <a:endParaRPr lang="en-US"/>
           </a:p>
         </p:txBody>
       </p:sp>
@@ -291,10 +314,9 @@
           </a:lstStyle>
           <a:p>
             <a:r>
-              <a:rPr lang="en-US" smtClean="0"/>
+              <a:rPr lang="en-US"/>
               <a:t>Click to edit Master subtitle style</a:t>
             </a:r>
-            <a:endParaRPr lang="en-US"/>
           </a:p>
         </p:txBody>
       </p:sp>
@@ -315,7 +337,7 @@
           <a:p>
             <a:fld id="{831B80E5-5DC6-7049-9542-9BAC98986299}" type="datetimeFigureOut">
               <a:rPr lang="en-US" smtClean="0"/>
-              <a:t>3/8/18</a:t>
+              <a:t>3/24/2020</a:t>
             </a:fld>
             <a:endParaRPr lang="en-US"/>
           </a:p>
@@ -409,10 +431,9 @@
           <a:lstStyle/>
           <a:p>
             <a:r>
-              <a:rPr lang="en-US" smtClean="0"/>
+              <a:rPr lang="en-US"/>
               <a:t>Click to edit Master title style</a:t>
             </a:r>
-            <a:endParaRPr lang="en-US"/>
           </a:p>
         </p:txBody>
       </p:sp>
@@ -433,38 +454,37 @@
           <a:p>
             <a:pPr lvl="0"/>
             <a:r>
-              <a:rPr lang="en-US" smtClean="0"/>
+              <a:rPr lang="en-US"/>
               <a:t>Click to edit Master text styles</a:t>
             </a:r>
           </a:p>
           <a:p>
             <a:pPr lvl="1"/>
             <a:r>
-              <a:rPr lang="en-US" smtClean="0"/>
+              <a:rPr lang="en-US"/>
               <a:t>Second level</a:t>
             </a:r>
           </a:p>
           <a:p>
             <a:pPr lvl="2"/>
             <a:r>
-              <a:rPr lang="en-US" smtClean="0"/>
+              <a:rPr lang="en-US"/>
               <a:t>Third level</a:t>
             </a:r>
           </a:p>
           <a:p>
             <a:pPr lvl="3"/>
             <a:r>
-              <a:rPr lang="en-US" smtClean="0"/>
+              <a:rPr lang="en-US"/>
               <a:t>Fourth level</a:t>
             </a:r>
           </a:p>
           <a:p>
             <a:pPr lvl="4"/>
             <a:r>
-              <a:rPr lang="en-US" smtClean="0"/>
+              <a:rPr lang="en-US"/>
               <a:t>Fifth level</a:t>
             </a:r>
-            <a:endParaRPr lang="en-US"/>
           </a:p>
         </p:txBody>
       </p:sp>
@@ -485,7 +505,7 @@
           <a:p>
             <a:fld id="{831B80E5-5DC6-7049-9542-9BAC98986299}" type="datetimeFigureOut">
               <a:rPr lang="en-US" smtClean="0"/>
-              <a:t>3/8/18</a:t>
+              <a:t>3/24/2020</a:t>
             </a:fld>
             <a:endParaRPr lang="en-US"/>
           </a:p>
@@ -584,10 +604,9 @@
           <a:lstStyle/>
           <a:p>
             <a:r>
-              <a:rPr lang="en-US" smtClean="0"/>
+              <a:rPr lang="en-US"/>
               <a:t>Click to edit Master title style</a:t>
             </a:r>
-            <a:endParaRPr lang="en-US"/>
           </a:p>
         </p:txBody>
       </p:sp>
@@ -613,38 +632,37 @@
           <a:p>
             <a:pPr lvl="0"/>
             <a:r>
-              <a:rPr lang="en-US" smtClean="0"/>
+              <a:rPr lang="en-US"/>
               <a:t>Click to edit Master text styles</a:t>
             </a:r>
           </a:p>
           <a:p>
             <a:pPr lvl="1"/>
             <a:r>
-              <a:rPr lang="en-US" smtClean="0"/>
+              <a:rPr lang="en-US"/>
               <a:t>Second level</a:t>
             </a:r>
           </a:p>
           <a:p>
             <a:pPr lvl="2"/>
             <a:r>
-              <a:rPr lang="en-US" smtClean="0"/>
+              <a:rPr lang="en-US"/>
               <a:t>Third level</a:t>
             </a:r>
           </a:p>
           <a:p>
             <a:pPr lvl="3"/>
             <a:r>
-              <a:rPr lang="en-US" smtClean="0"/>
+              <a:rPr lang="en-US"/>
               <a:t>Fourth level</a:t>
             </a:r>
           </a:p>
           <a:p>
             <a:pPr lvl="4"/>
             <a:r>
-              <a:rPr lang="en-US" smtClean="0"/>
+              <a:rPr lang="en-US"/>
               <a:t>Fifth level</a:t>
             </a:r>
-            <a:endParaRPr lang="en-US"/>
           </a:p>
         </p:txBody>
       </p:sp>
@@ -665,7 +683,7 @@
           <a:p>
             <a:fld id="{831B80E5-5DC6-7049-9542-9BAC98986299}" type="datetimeFigureOut">
               <a:rPr lang="en-US" smtClean="0"/>
-              <a:t>3/8/18</a:t>
+              <a:t>3/24/2020</a:t>
             </a:fld>
             <a:endParaRPr lang="en-US"/>
           </a:p>
@@ -759,10 +777,9 @@
           <a:lstStyle/>
           <a:p>
             <a:r>
-              <a:rPr lang="en-US" smtClean="0"/>
+              <a:rPr lang="en-US"/>
               <a:t>Click to edit Master title style</a:t>
             </a:r>
-            <a:endParaRPr lang="en-US"/>
           </a:p>
         </p:txBody>
       </p:sp>
@@ -783,38 +800,37 @@
           <a:p>
             <a:pPr lvl="0"/>
             <a:r>
-              <a:rPr lang="en-US" smtClean="0"/>
+              <a:rPr lang="en-US"/>
               <a:t>Click to edit Master text styles</a:t>
             </a:r>
           </a:p>
           <a:p>
             <a:pPr lvl="1"/>
             <a:r>
-              <a:rPr lang="en-US" smtClean="0"/>
+              <a:rPr lang="en-US"/>
               <a:t>Second level</a:t>
             </a:r>
           </a:p>
           <a:p>
             <a:pPr lvl="2"/>
             <a:r>
-              <a:rPr lang="en-US" smtClean="0"/>
+              <a:rPr lang="en-US"/>
               <a:t>Third level</a:t>
             </a:r>
           </a:p>
           <a:p>
             <a:pPr lvl="3"/>
             <a:r>
-              <a:rPr lang="en-US" smtClean="0"/>
+              <a:rPr lang="en-US"/>
               <a:t>Fourth level</a:t>
             </a:r>
           </a:p>
           <a:p>
             <a:pPr lvl="4"/>
             <a:r>
-              <a:rPr lang="en-US" smtClean="0"/>
+              <a:rPr lang="en-US"/>
               <a:t>Fifth level</a:t>
             </a:r>
-            <a:endParaRPr lang="en-US"/>
           </a:p>
         </p:txBody>
       </p:sp>
@@ -835,7 +851,7 @@
           <a:p>
             <a:fld id="{831B80E5-5DC6-7049-9542-9BAC98986299}" type="datetimeFigureOut">
               <a:rPr lang="en-US" smtClean="0"/>
-              <a:t>3/8/18</a:t>
+              <a:t>3/24/2020</a:t>
             </a:fld>
             <a:endParaRPr lang="en-US"/>
           </a:p>
@@ -938,10 +954,9 @@
           </a:lstStyle>
           <a:p>
             <a:r>
-              <a:rPr lang="en-US" smtClean="0"/>
+              <a:rPr lang="en-US"/>
               <a:t>Click to edit Master title style</a:t>
             </a:r>
-            <a:endParaRPr lang="en-US"/>
           </a:p>
         </p:txBody>
       </p:sp>
@@ -1058,7 +1073,7 @@
           <a:p>
             <a:pPr lvl="0"/>
             <a:r>
-              <a:rPr lang="en-US" smtClean="0"/>
+              <a:rPr lang="en-US"/>
               <a:t>Click to edit Master text styles</a:t>
             </a:r>
           </a:p>
@@ -1081,7 +1096,7 @@
           <a:p>
             <a:fld id="{831B80E5-5DC6-7049-9542-9BAC98986299}" type="datetimeFigureOut">
               <a:rPr lang="en-US" smtClean="0"/>
-              <a:t>3/8/18</a:t>
+              <a:t>3/24/2020</a:t>
             </a:fld>
             <a:endParaRPr lang="en-US"/>
           </a:p>
@@ -1175,10 +1190,9 @@
           <a:lstStyle/>
           <a:p>
             <a:r>
-              <a:rPr lang="en-US" smtClean="0"/>
+              <a:rPr lang="en-US"/>
               <a:t>Click to edit Master title style</a:t>
             </a:r>
-            <a:endParaRPr lang="en-US"/>
           </a:p>
         </p:txBody>
       </p:sp>
@@ -1232,38 +1246,37 @@
           <a:p>
             <a:pPr lvl="0"/>
             <a:r>
-              <a:rPr lang="en-US" smtClean="0"/>
+              <a:rPr lang="en-US"/>
               <a:t>Click to edit Master text styles</a:t>
             </a:r>
           </a:p>
           <a:p>
             <a:pPr lvl="1"/>
             <a:r>
-              <a:rPr lang="en-US" smtClean="0"/>
+              <a:rPr lang="en-US"/>
               <a:t>Second level</a:t>
             </a:r>
           </a:p>
           <a:p>
             <a:pPr lvl="2"/>
             <a:r>
-              <a:rPr lang="en-US" smtClean="0"/>
+              <a:rPr lang="en-US"/>
               <a:t>Third level</a:t>
             </a:r>
           </a:p>
           <a:p>
             <a:pPr lvl="3"/>
             <a:r>
-              <a:rPr lang="en-US" smtClean="0"/>
+              <a:rPr lang="en-US"/>
               <a:t>Fourth level</a:t>
             </a:r>
           </a:p>
           <a:p>
             <a:pPr lvl="4"/>
             <a:r>
-              <a:rPr lang="en-US" smtClean="0"/>
+              <a:rPr lang="en-US"/>
               <a:t>Fifth level</a:t>
             </a:r>
-            <a:endParaRPr lang="en-US"/>
           </a:p>
         </p:txBody>
       </p:sp>
@@ -1317,38 +1330,37 @@
           <a:p>
             <a:pPr lvl="0"/>
             <a:r>
-              <a:rPr lang="en-US" smtClean="0"/>
+              <a:rPr lang="en-US"/>
               <a:t>Click to edit Master text styles</a:t>
             </a:r>
           </a:p>
           <a:p>
             <a:pPr lvl="1"/>
             <a:r>
-              <a:rPr lang="en-US" smtClean="0"/>
+              <a:rPr lang="en-US"/>
               <a:t>Second level</a:t>
             </a:r>
           </a:p>
           <a:p>
             <a:pPr lvl="2"/>
             <a:r>
-              <a:rPr lang="en-US" smtClean="0"/>
+              <a:rPr lang="en-US"/>
               <a:t>Third level</a:t>
             </a:r>
           </a:p>
           <a:p>
             <a:pPr lvl="3"/>
             <a:r>
-              <a:rPr lang="en-US" smtClean="0"/>
+              <a:rPr lang="en-US"/>
               <a:t>Fourth level</a:t>
             </a:r>
           </a:p>
           <a:p>
             <a:pPr lvl="4"/>
             <a:r>
-              <a:rPr lang="en-US" smtClean="0"/>
+              <a:rPr lang="en-US"/>
               <a:t>Fifth level</a:t>
             </a:r>
-            <a:endParaRPr lang="en-US"/>
           </a:p>
         </p:txBody>
       </p:sp>
@@ -1369,7 +1381,7 @@
           <a:p>
             <a:fld id="{831B80E5-5DC6-7049-9542-9BAC98986299}" type="datetimeFigureOut">
               <a:rPr lang="en-US" smtClean="0"/>
-              <a:t>3/8/18</a:t>
+              <a:t>3/24/2020</a:t>
             </a:fld>
             <a:endParaRPr lang="en-US"/>
           </a:p>
@@ -1467,10 +1479,9 @@
           </a:lstStyle>
           <a:p>
             <a:r>
-              <a:rPr lang="en-US" smtClean="0"/>
+              <a:rPr lang="en-US"/>
               <a:t>Click to edit Master title style</a:t>
             </a:r>
-            <a:endParaRPr lang="en-US"/>
           </a:p>
         </p:txBody>
       </p:sp>
@@ -1533,7 +1544,7 @@
           <a:p>
             <a:pPr lvl="0"/>
             <a:r>
-              <a:rPr lang="en-US" smtClean="0"/>
+              <a:rPr lang="en-US"/>
               <a:t>Click to edit Master text styles</a:t>
             </a:r>
           </a:p>
@@ -1589,38 +1600,37 @@
           <a:p>
             <a:pPr lvl="0"/>
             <a:r>
-              <a:rPr lang="en-US" smtClean="0"/>
+              <a:rPr lang="en-US"/>
               <a:t>Click to edit Master text styles</a:t>
             </a:r>
           </a:p>
           <a:p>
             <a:pPr lvl="1"/>
             <a:r>
-              <a:rPr lang="en-US" smtClean="0"/>
+              <a:rPr lang="en-US"/>
               <a:t>Second level</a:t>
             </a:r>
           </a:p>
           <a:p>
             <a:pPr lvl="2"/>
             <a:r>
-              <a:rPr lang="en-US" smtClean="0"/>
+              <a:rPr lang="en-US"/>
               <a:t>Third level</a:t>
             </a:r>
           </a:p>
           <a:p>
             <a:pPr lvl="3"/>
             <a:r>
-              <a:rPr lang="en-US" smtClean="0"/>
+              <a:rPr lang="en-US"/>
               <a:t>Fourth level</a:t>
             </a:r>
           </a:p>
           <a:p>
             <a:pPr lvl="4"/>
             <a:r>
-              <a:rPr lang="en-US" smtClean="0"/>
+              <a:rPr lang="en-US"/>
               <a:t>Fifth level</a:t>
             </a:r>
-            <a:endParaRPr lang="en-US"/>
           </a:p>
         </p:txBody>
       </p:sp>
@@ -1683,7 +1693,7 @@
           <a:p>
             <a:pPr lvl="0"/>
             <a:r>
-              <a:rPr lang="en-US" smtClean="0"/>
+              <a:rPr lang="en-US"/>
               <a:t>Click to edit Master text styles</a:t>
             </a:r>
           </a:p>
@@ -1739,38 +1749,37 @@
           <a:p>
             <a:pPr lvl="0"/>
             <a:r>
-              <a:rPr lang="en-US" smtClean="0"/>
+              <a:rPr lang="en-US"/>
               <a:t>Click to edit Master text styles</a:t>
             </a:r>
           </a:p>
           <a:p>
             <a:pPr lvl="1"/>
             <a:r>
-              <a:rPr lang="en-US" smtClean="0"/>
+              <a:rPr lang="en-US"/>
               <a:t>Second level</a:t>
             </a:r>
           </a:p>
           <a:p>
             <a:pPr lvl="2"/>
             <a:r>
-              <a:rPr lang="en-US" smtClean="0"/>
+              <a:rPr lang="en-US"/>
               <a:t>Third level</a:t>
             </a:r>
           </a:p>
           <a:p>
             <a:pPr lvl="3"/>
             <a:r>
-              <a:rPr lang="en-US" smtClean="0"/>
+              <a:rPr lang="en-US"/>
               <a:t>Fourth level</a:t>
             </a:r>
           </a:p>
           <a:p>
             <a:pPr lvl="4"/>
             <a:r>
-              <a:rPr lang="en-US" smtClean="0"/>
+              <a:rPr lang="en-US"/>
               <a:t>Fifth level</a:t>
             </a:r>
-            <a:endParaRPr lang="en-US"/>
           </a:p>
         </p:txBody>
       </p:sp>
@@ -1791,7 +1800,7 @@
           <a:p>
             <a:fld id="{831B80E5-5DC6-7049-9542-9BAC98986299}" type="datetimeFigureOut">
               <a:rPr lang="en-US" smtClean="0"/>
-              <a:t>3/8/18</a:t>
+              <a:t>3/24/2020</a:t>
             </a:fld>
             <a:endParaRPr lang="en-US"/>
           </a:p>
@@ -1885,10 +1894,9 @@
           <a:lstStyle/>
           <a:p>
             <a:r>
-              <a:rPr lang="en-US" smtClean="0"/>
+              <a:rPr lang="en-US"/>
               <a:t>Click to edit Master title style</a:t>
             </a:r>
-            <a:endParaRPr lang="en-US"/>
           </a:p>
         </p:txBody>
       </p:sp>
@@ -1909,7 +1917,7 @@
           <a:p>
             <a:fld id="{831B80E5-5DC6-7049-9542-9BAC98986299}" type="datetimeFigureOut">
               <a:rPr lang="en-US" smtClean="0"/>
-              <a:t>3/8/18</a:t>
+              <a:t>3/24/2020</a:t>
             </a:fld>
             <a:endParaRPr lang="en-US"/>
           </a:p>
@@ -2004,7 +2012,7 @@
           <a:p>
             <a:fld id="{831B80E5-5DC6-7049-9542-9BAC98986299}" type="datetimeFigureOut">
               <a:rPr lang="en-US" smtClean="0"/>
-              <a:t>3/8/18</a:t>
+              <a:t>3/24/2020</a:t>
             </a:fld>
             <a:endParaRPr lang="en-US"/>
           </a:p>
@@ -2107,10 +2115,9 @@
           </a:lstStyle>
           <a:p>
             <a:r>
-              <a:rPr lang="en-US" smtClean="0"/>
+              <a:rPr lang="en-US"/>
               <a:t>Click to edit Master title style</a:t>
             </a:r>
-            <a:endParaRPr lang="en-US"/>
           </a:p>
         </p:txBody>
       </p:sp>
@@ -2164,38 +2171,37 @@
           <a:p>
             <a:pPr lvl="0"/>
             <a:r>
-              <a:rPr lang="en-US" smtClean="0"/>
+              <a:rPr lang="en-US"/>
               <a:t>Click to edit Master text styles</a:t>
             </a:r>
           </a:p>
           <a:p>
             <a:pPr lvl="1"/>
             <a:r>
-              <a:rPr lang="en-US" smtClean="0"/>
+              <a:rPr lang="en-US"/>
               <a:t>Second level</a:t>
             </a:r>
           </a:p>
           <a:p>
             <a:pPr lvl="2"/>
             <a:r>
-              <a:rPr lang="en-US" smtClean="0"/>
+              <a:rPr lang="en-US"/>
               <a:t>Third level</a:t>
             </a:r>
           </a:p>
           <a:p>
             <a:pPr lvl="3"/>
             <a:r>
-              <a:rPr lang="en-US" smtClean="0"/>
+              <a:rPr lang="en-US"/>
               <a:t>Fourth level</a:t>
             </a:r>
           </a:p>
           <a:p>
             <a:pPr lvl="4"/>
             <a:r>
-              <a:rPr lang="en-US" smtClean="0"/>
+              <a:rPr lang="en-US"/>
               <a:t>Fifth level</a:t>
             </a:r>
-            <a:endParaRPr lang="en-US"/>
           </a:p>
         </p:txBody>
       </p:sp>
@@ -2258,7 +2264,7 @@
           <a:p>
             <a:pPr lvl="0"/>
             <a:r>
-              <a:rPr lang="en-US" smtClean="0"/>
+              <a:rPr lang="en-US"/>
               <a:t>Click to edit Master text styles</a:t>
             </a:r>
           </a:p>
@@ -2281,7 +2287,7 @@
           <a:p>
             <a:fld id="{831B80E5-5DC6-7049-9542-9BAC98986299}" type="datetimeFigureOut">
               <a:rPr lang="en-US" smtClean="0"/>
-              <a:t>3/8/18</a:t>
+              <a:t>3/24/2020</a:t>
             </a:fld>
             <a:endParaRPr lang="en-US"/>
           </a:p>
@@ -2384,10 +2390,9 @@
           </a:lstStyle>
           <a:p>
             <a:r>
-              <a:rPr lang="en-US" smtClean="0"/>
+              <a:rPr lang="en-US"/>
               <a:t>Click to edit Master title style</a:t>
             </a:r>
-            <a:endParaRPr lang="en-US"/>
           </a:p>
         </p:txBody>
       </p:sp>
@@ -2511,7 +2516,7 @@
           <a:p>
             <a:pPr lvl="0"/>
             <a:r>
-              <a:rPr lang="en-US" smtClean="0"/>
+              <a:rPr lang="en-US"/>
               <a:t>Click to edit Master text styles</a:t>
             </a:r>
           </a:p>
@@ -2534,7 +2539,7 @@
           <a:p>
             <a:fld id="{831B80E5-5DC6-7049-9542-9BAC98986299}" type="datetimeFigureOut">
               <a:rPr lang="en-US" smtClean="0"/>
-              <a:t>3/8/18</a:t>
+              <a:t>3/24/2020</a:t>
             </a:fld>
             <a:endParaRPr lang="en-US"/>
           </a:p>
@@ -2643,10 +2648,9 @@
           <a:lstStyle/>
           <a:p>
             <a:r>
-              <a:rPr lang="en-US" smtClean="0"/>
+              <a:rPr lang="en-US"/>
               <a:t>Click to edit Master title style</a:t>
             </a:r>
-            <a:endParaRPr lang="en-US"/>
           </a:p>
         </p:txBody>
       </p:sp>
@@ -2677,38 +2681,37 @@
           <a:p>
             <a:pPr lvl="0"/>
             <a:r>
-              <a:rPr lang="en-US" smtClean="0"/>
+              <a:rPr lang="en-US"/>
               <a:t>Click to edit Master text styles</a:t>
             </a:r>
           </a:p>
           <a:p>
             <a:pPr lvl="1"/>
             <a:r>
-              <a:rPr lang="en-US" smtClean="0"/>
+              <a:rPr lang="en-US"/>
               <a:t>Second level</a:t>
             </a:r>
           </a:p>
           <a:p>
             <a:pPr lvl="2"/>
             <a:r>
-              <a:rPr lang="en-US" smtClean="0"/>
+              <a:rPr lang="en-US"/>
               <a:t>Third level</a:t>
             </a:r>
           </a:p>
           <a:p>
             <a:pPr lvl="3"/>
             <a:r>
-              <a:rPr lang="en-US" smtClean="0"/>
+              <a:rPr lang="en-US"/>
               <a:t>Fourth level</a:t>
             </a:r>
           </a:p>
           <a:p>
             <a:pPr lvl="4"/>
             <a:r>
-              <a:rPr lang="en-US" smtClean="0"/>
+              <a:rPr lang="en-US"/>
               <a:t>Fifth level</a:t>
             </a:r>
-            <a:endParaRPr lang="en-US"/>
           </a:p>
         </p:txBody>
       </p:sp>
@@ -2747,7 +2750,7 @@
           <a:p>
             <a:fld id="{831B80E5-5DC6-7049-9542-9BAC98986299}" type="datetimeFigureOut">
               <a:rPr lang="en-US" smtClean="0"/>
-              <a:t>3/8/18</a:t>
+              <a:t>3/24/2020</a:t>
             </a:fld>
             <a:endParaRPr lang="en-US"/>
           </a:p>
@@ -3173,7 +3176,7 @@
               </a:tabLst>
             </a:pPr>
             <a:r>
-              <a:rPr lang="en-US" sz="4800" dirty="0" smtClean="0">
+              <a:rPr lang="en-US" sz="4800" dirty="0">
                 <a:solidFill>
                   <a:schemeClr val="tx1"/>
                 </a:solidFill>
@@ -3282,13 +3285,6 @@
   <p:clrMapOvr>
     <a:masterClrMapping/>
   </p:clrMapOvr>
-  <p:timing>
-    <p:tnLst>
-      <p:par>
-        <p:cTn xmlns:p14="http://schemas.microsoft.com/office/powerpoint/2010/main" id="1" dur="indefinite" restart="never" nodeType="tmRoot"/>
-      </p:par>
-    </p:tnLst>
-  </p:timing>
 </p:sld>
 </file>
 
@@ -3360,7 +3356,7 @@
               </a:tabLst>
             </a:pPr>
             <a:r>
-              <a:rPr lang="en-US" sz="4000" dirty="0" smtClean="0">
+              <a:rPr lang="en-US" sz="4000" dirty="0">
                 <a:solidFill>
                   <a:schemeClr val="tx1"/>
                 </a:solidFill>
@@ -3430,14 +3426,14 @@
               <a:buChar char="•"/>
             </a:pPr>
             <a:r>
-              <a:rPr lang="en-US" sz="2600" b="1" dirty="0" smtClean="0">
+              <a:rPr lang="en-US" sz="2600" b="1" dirty="0">
                 <a:latin typeface="Times New Roman"/>
                 <a:cs typeface="Times New Roman"/>
               </a:rPr>
               <a:t>Uncertainty in the estimate </a:t>
             </a:r>
             <a:r>
-              <a:rPr lang="en-US" sz="2600" dirty="0" smtClean="0">
+              <a:rPr lang="en-US" sz="2600" dirty="0">
                 <a:latin typeface="Times New Roman"/>
                 <a:cs typeface="Times New Roman"/>
               </a:rPr>
@@ -3520,24 +3516,17 @@
                 <a:latin typeface="Times New Roman"/>
                 <a:cs typeface="Times New Roman"/>
               </a:rPr>
-              <a:t>i</a:t>
-            </a:r>
-            <a:r>
-              <a:rPr lang="en-US" sz="2800" dirty="0" smtClean="0">
-                <a:latin typeface="Times New Roman"/>
-                <a:cs typeface="Times New Roman"/>
-              </a:rPr>
-              <a:t>s called the </a:t>
-            </a:r>
-            <a:r>
-              <a:rPr lang="en-US" sz="2800" b="1" dirty="0" smtClean="0">
+              <a:t>is called the </a:t>
+            </a:r>
+            <a:r>
+              <a:rPr lang="en-US" sz="2800" b="1" dirty="0">
                 <a:latin typeface="Times New Roman"/>
                 <a:cs typeface="Times New Roman"/>
               </a:rPr>
               <a:t>standard error </a:t>
             </a:r>
             <a:r>
-              <a:rPr lang="en-US" sz="2800" dirty="0" smtClean="0">
+              <a:rPr lang="en-US" sz="2800" dirty="0">
                 <a:latin typeface="Times New Roman"/>
                 <a:cs typeface="Times New Roman"/>
               </a:rPr>
@@ -3573,63 +3562,63 @@
               <a:buChar char="•"/>
             </a:pPr>
             <a:r>
-              <a:rPr lang="en-US" sz="2600" i="1" u="sng" dirty="0" smtClean="0">
+              <a:rPr lang="en-US" sz="2600" i="1" u="sng" dirty="0">
                 <a:latin typeface="Times New Roman"/>
                 <a:cs typeface="Times New Roman"/>
               </a:rPr>
               <a:t>Important case</a:t>
             </a:r>
             <a:r>
-              <a:rPr lang="en-US" sz="2600" dirty="0" smtClean="0">
+              <a:rPr lang="en-US" sz="2600" dirty="0">
                 <a:latin typeface="Times New Roman"/>
                 <a:cs typeface="Times New Roman"/>
               </a:rPr>
               <a:t>: The are good reasons to believe* that many typical laboratory measurements, </a:t>
             </a:r>
             <a:r>
-              <a:rPr lang="en-US" sz="2600" i="1" dirty="0" smtClean="0">
+              <a:rPr lang="en-US" sz="2600" i="1" dirty="0">
                 <a:latin typeface="Times New Roman"/>
                 <a:cs typeface="Times New Roman"/>
               </a:rPr>
               <a:t>X</a:t>
             </a:r>
             <a:r>
-              <a:rPr lang="en-US" sz="2600" dirty="0" smtClean="0">
+              <a:rPr lang="en-US" sz="2600" dirty="0">
                 <a:latin typeface="Times New Roman"/>
                 <a:cs typeface="Times New Roman"/>
               </a:rPr>
               <a:t> (e.g. mass) are approximately normally distributed with mean </a:t>
             </a:r>
             <a:r>
-              <a:rPr lang="en-US" sz="2600" i="1" dirty="0" smtClean="0">
+              <a:rPr lang="en-US" sz="2600" i="1" dirty="0">
                 <a:latin typeface="Symbol" charset="2"/>
                 <a:cs typeface="Symbol" charset="2"/>
               </a:rPr>
               <a:t>m</a:t>
             </a:r>
             <a:r>
-              <a:rPr lang="en-US" sz="2600" dirty="0" smtClean="0">
+              <a:rPr lang="en-US" sz="2600" dirty="0">
                 <a:latin typeface="Times New Roman"/>
                 <a:cs typeface="Times New Roman"/>
               </a:rPr>
               <a:t> and </a:t>
             </a:r>
             <a:r>
-              <a:rPr lang="en-US" sz="2600" dirty="0" err="1" smtClean="0">
+              <a:rPr lang="en-US" sz="2600" dirty="0" err="1">
                 <a:latin typeface="Times New Roman"/>
                 <a:cs typeface="Times New Roman"/>
               </a:rPr>
               <a:t>s.d.</a:t>
             </a:r>
             <a:r>
-              <a:rPr lang="en-US" sz="2600" dirty="0" smtClean="0">
+              <a:rPr lang="en-US" sz="2600" dirty="0">
                 <a:latin typeface="Times New Roman"/>
                 <a:cs typeface="Times New Roman"/>
               </a:rPr>
               <a:t> </a:t>
             </a:r>
             <a:r>
-              <a:rPr lang="en-US" sz="2600" dirty="0" smtClean="0">
+              <a:rPr lang="en-US" sz="2600" dirty="0">
                 <a:latin typeface="Symbol" charset="2"/>
                 <a:cs typeface="Symbol" charset="2"/>
               </a:rPr>
@@ -3688,48 +3677,48 @@
               <a:buChar char="•"/>
             </a:pPr>
             <a:r>
-              <a:rPr lang="en-US" sz="2400" dirty="0" smtClean="0">
+              <a:rPr lang="en-US" sz="2400" dirty="0">
                 <a:latin typeface="Times New Roman"/>
                 <a:cs typeface="Times New Roman"/>
               </a:rPr>
               <a:t>Then the </a:t>
             </a:r>
             <a:r>
-              <a:rPr lang="en-US" sz="2400" b="1" i="1" u="sng" dirty="0" smtClean="0">
+              <a:rPr lang="en-US" sz="2400" b="1" i="1" u="sng" dirty="0">
                 <a:latin typeface="Times New Roman"/>
                 <a:cs typeface="Times New Roman"/>
               </a:rPr>
               <a:t>average measurement in a sample of size n</a:t>
             </a:r>
             <a:r>
-              <a:rPr lang="en-US" sz="2400" dirty="0" smtClean="0">
+              <a:rPr lang="en-US" sz="2400" dirty="0">
                 <a:latin typeface="Times New Roman"/>
                 <a:cs typeface="Times New Roman"/>
               </a:rPr>
               <a:t>, is also normally distributed, mean </a:t>
             </a:r>
             <a:r>
-              <a:rPr lang="en-US" sz="2400" i="1" dirty="0" smtClean="0">
+              <a:rPr lang="en-US" sz="2400" i="1" dirty="0">
                 <a:latin typeface="Symbol" charset="2"/>
                 <a:cs typeface="Symbol" charset="2"/>
               </a:rPr>
               <a:t>m</a:t>
             </a:r>
             <a:r>
-              <a:rPr lang="en-US" sz="2400" dirty="0" smtClean="0">
+              <a:rPr lang="en-US" sz="2400" dirty="0">
                 <a:latin typeface="Times New Roman"/>
                 <a:cs typeface="Times New Roman"/>
               </a:rPr>
               <a:t> but </a:t>
             </a:r>
             <a:r>
-              <a:rPr lang="en-US" sz="2400" dirty="0" err="1" smtClean="0">
+              <a:rPr lang="en-US" sz="2400" dirty="0" err="1">
                 <a:latin typeface="Times New Roman"/>
                 <a:cs typeface="Times New Roman"/>
               </a:rPr>
               <a:t>s.d.</a:t>
             </a:r>
-            <a:endParaRPr lang="en-US" sz="2400" dirty="0" smtClean="0">
+            <a:endParaRPr lang="en-US" sz="2400" dirty="0">
               <a:latin typeface="Symbol" charset="2"/>
               <a:cs typeface="Symbol" charset="2"/>
             </a:endParaRPr>
@@ -3806,7 +3795,7 @@
           <a:lstStyle/>
           <a:p>
             <a:r>
-              <a:rPr lang="en-US" b="1" dirty="0" smtClean="0">
+              <a:rPr lang="en-US" b="1" dirty="0">
                 <a:latin typeface="Times New Roman"/>
                 <a:cs typeface="Times New Roman"/>
               </a:rPr>
@@ -3862,7 +3851,7 @@
   <p:timing>
     <p:tnLst>
       <p:par>
-        <p:cTn xmlns:p14="http://schemas.microsoft.com/office/powerpoint/2010/main" id="1" dur="indefinite" restart="never" nodeType="tmRoot">
+        <p:cTn id="1" dur="indefinite" restart="never" nodeType="tmRoot">
           <p:childTnLst>
             <p:seq concurrent="1" nextAc="seek">
               <p:cTn id="2" dur="indefinite" nodeType="mainSeq">
@@ -4521,7 +4510,7 @@
               </a:tabLst>
             </a:pPr>
             <a:r>
-              <a:rPr lang="en-US" sz="4000" dirty="0" smtClean="0">
+              <a:rPr lang="en-US" sz="4000" dirty="0">
                 <a:solidFill>
                   <a:schemeClr val="tx1"/>
                 </a:solidFill>
@@ -4591,62 +4580,62 @@
               <a:buChar char="•"/>
             </a:pPr>
             <a:r>
-              <a:rPr lang="en-US" sz="2600" i="1" u="sng" dirty="0" smtClean="0">
+              <a:rPr lang="en-US" sz="2600" i="1" u="sng" dirty="0">
                 <a:latin typeface="Times New Roman"/>
                 <a:cs typeface="Times New Roman"/>
               </a:rPr>
               <a:t>Important case </a:t>
             </a:r>
             <a:r>
-              <a:rPr lang="en-US" sz="2600" dirty="0" smtClean="0">
+              <a:rPr lang="en-US" sz="2600" dirty="0">
                 <a:latin typeface="Times New Roman"/>
                 <a:cs typeface="Times New Roman"/>
               </a:rPr>
               <a:t>(</a:t>
             </a:r>
             <a:r>
-              <a:rPr lang="en-US" sz="2600" dirty="0" err="1" smtClean="0">
+              <a:rPr lang="en-US" sz="2600" dirty="0" err="1">
                 <a:latin typeface="Times New Roman"/>
                 <a:cs typeface="Times New Roman"/>
               </a:rPr>
               <a:t>con’t</a:t>
             </a:r>
             <a:r>
-              <a:rPr lang="en-US" sz="2600" dirty="0" smtClean="0">
+              <a:rPr lang="en-US" sz="2600" dirty="0">
                 <a:latin typeface="Times New Roman"/>
                 <a:cs typeface="Times New Roman"/>
               </a:rPr>
               <a:t>): Thus the uncertainty (</a:t>
             </a:r>
             <a:r>
-              <a:rPr lang="en-US" sz="2600" b="1" dirty="0" smtClean="0">
+              <a:rPr lang="en-US" sz="2600" b="1" dirty="0">
                 <a:latin typeface="Times New Roman"/>
                 <a:cs typeface="Times New Roman"/>
               </a:rPr>
               <a:t>standard error</a:t>
             </a:r>
             <a:r>
-              <a:rPr lang="en-US" sz="2600" dirty="0" smtClean="0">
+              <a:rPr lang="en-US" sz="2600" dirty="0">
                 <a:latin typeface="Times New Roman"/>
                 <a:cs typeface="Times New Roman"/>
               </a:rPr>
               <a:t>) in the </a:t>
             </a:r>
             <a:r>
-              <a:rPr lang="en-US" sz="2600" b="1" dirty="0" smtClean="0">
+              <a:rPr lang="en-US" sz="2600" b="1" dirty="0">
                 <a:latin typeface="Times New Roman"/>
                 <a:cs typeface="Times New Roman"/>
               </a:rPr>
               <a:t>sample average</a:t>
             </a:r>
             <a:r>
-              <a:rPr lang="en-US" sz="2600" dirty="0" smtClean="0">
+              <a:rPr lang="en-US" sz="2600" dirty="0">
                 <a:latin typeface="Times New Roman"/>
                 <a:cs typeface="Times New Roman"/>
               </a:rPr>
               <a:t> is:</a:t>
             </a:r>
-            <a:endParaRPr lang="en-US" sz="2600" dirty="0" smtClean="0">
+            <a:endParaRPr lang="en-US" sz="2600" dirty="0">
               <a:latin typeface="Symbol" charset="2"/>
               <a:cs typeface="Symbol" charset="2"/>
             </a:endParaRPr>
@@ -4679,13 +4668,13 @@
               <a:buChar char="•"/>
             </a:pPr>
             <a:r>
-              <a:rPr lang="en-US" sz="2400" dirty="0" smtClean="0">
+              <a:rPr lang="en-US" sz="2400" dirty="0">
                 <a:latin typeface="Times New Roman"/>
                 <a:cs typeface="Times New Roman"/>
               </a:rPr>
               <a:t>This is important because a lot of what we do in science is take an average of measurements we make in the lab! </a:t>
             </a:r>
-            <a:endParaRPr lang="en-US" sz="2400" dirty="0" smtClean="0">
+            <a:endParaRPr lang="en-US" sz="2400" dirty="0">
               <a:latin typeface="Symbol" charset="2"/>
               <a:cs typeface="Symbol" charset="2"/>
             </a:endParaRPr>
@@ -4742,48 +4731,48 @@
               <a:buChar char="•"/>
             </a:pPr>
             <a:r>
-              <a:rPr lang="en-US" sz="2600" dirty="0" smtClean="0">
+              <a:rPr lang="en-US" sz="2600" dirty="0">
                 <a:latin typeface="Times New Roman"/>
                 <a:cs typeface="Times New Roman"/>
               </a:rPr>
               <a:t>Since we usually don’t know </a:t>
             </a:r>
             <a:r>
-              <a:rPr lang="en-US" sz="2600" i="1" dirty="0" err="1" smtClean="0">
+              <a:rPr lang="en-US" sz="2600" i="1" dirty="0" err="1">
                 <a:latin typeface="Symbol" charset="2"/>
                 <a:cs typeface="Symbol" charset="2"/>
               </a:rPr>
               <a:t>s</a:t>
             </a:r>
             <a:r>
-              <a:rPr lang="en-US" sz="2600" i="1" baseline="-25000" dirty="0" err="1" smtClean="0">
+              <a:rPr lang="en-US" sz="2600" i="1" baseline="-25000" dirty="0" err="1">
                 <a:latin typeface="Times New Roman"/>
                 <a:cs typeface="Times New Roman"/>
               </a:rPr>
               <a:t>X</a:t>
             </a:r>
             <a:r>
-              <a:rPr lang="en-US" sz="2600" dirty="0" smtClean="0">
+              <a:rPr lang="en-US" sz="2600" dirty="0">
                 <a:latin typeface="Times New Roman"/>
                 <a:cs typeface="Times New Roman"/>
               </a:rPr>
               <a:t>, we </a:t>
             </a:r>
             <a:r>
-              <a:rPr lang="en-US" sz="2600" b="1" dirty="0" smtClean="0">
+              <a:rPr lang="en-US" sz="2600" b="1" dirty="0">
                 <a:latin typeface="Times New Roman"/>
                 <a:cs typeface="Times New Roman"/>
               </a:rPr>
               <a:t>estimate the standard error of the sample average</a:t>
             </a:r>
             <a:r>
-              <a:rPr lang="en-US" sz="2600" dirty="0" smtClean="0">
+              <a:rPr lang="en-US" sz="2600" dirty="0">
                 <a:latin typeface="Times New Roman"/>
                 <a:cs typeface="Times New Roman"/>
               </a:rPr>
               <a:t> by plugging in</a:t>
             </a:r>
-            <a:endParaRPr lang="en-US" sz="2600" dirty="0" smtClean="0">
+            <a:endParaRPr lang="en-US" sz="2600" dirty="0">
               <a:latin typeface="Symbol" charset="2"/>
               <a:cs typeface="Symbol" charset="2"/>
             </a:endParaRPr>
@@ -4938,7 +4927,7 @@
   <p:timing>
     <p:tnLst>
       <p:par>
-        <p:cTn xmlns:p14="http://schemas.microsoft.com/office/powerpoint/2010/main" id="1" dur="indefinite" restart="never" nodeType="tmRoot">
+        <p:cTn id="1" dur="indefinite" restart="never" nodeType="tmRoot">
           <p:childTnLst>
             <p:seq concurrent="1" nextAc="seek">
               <p:cTn id="2" dur="indefinite" nodeType="mainSeq">
@@ -5534,7 +5523,7 @@
               </a:tabLst>
             </a:pPr>
             <a:r>
-              <a:rPr lang="en-US" sz="4000" dirty="0" smtClean="0">
+              <a:rPr lang="en-US" sz="4000" dirty="0">
                 <a:solidFill>
                   <a:schemeClr val="tx1"/>
                 </a:solidFill>
@@ -5604,21 +5593,21 @@
               <a:buChar char="•"/>
             </a:pPr>
             <a:r>
-              <a:rPr lang="en-US" sz="2600" dirty="0" smtClean="0">
+              <a:rPr lang="en-US" sz="2600" dirty="0">
                 <a:latin typeface="Times New Roman"/>
                 <a:cs typeface="Times New Roman"/>
               </a:rPr>
               <a:t>So, to recap, estimators for a parameter </a:t>
             </a:r>
             <a:r>
-              <a:rPr lang="en-US" sz="2600" i="1" dirty="0" smtClean="0">
+              <a:rPr lang="en-US" sz="2600" i="1" dirty="0">
                 <a:latin typeface="Symbol" charset="2"/>
                 <a:cs typeface="Symbol" charset="2"/>
               </a:rPr>
               <a:t>q</a:t>
             </a:r>
             <a:r>
-              <a:rPr lang="en-US" sz="2600" dirty="0" smtClean="0">
+              <a:rPr lang="en-US" sz="2600" dirty="0">
                 <a:latin typeface="Times New Roman"/>
                 <a:cs typeface="Times New Roman"/>
               </a:rPr>
@@ -5654,16 +5643,12 @@
               <a:buChar char="•"/>
             </a:pPr>
             <a:r>
-              <a:rPr lang="en-US" sz="2400" dirty="0" smtClean="0">
+              <a:rPr lang="en-US" sz="2400" dirty="0">
                 <a:latin typeface="Times New Roman"/>
                 <a:cs typeface="Times New Roman"/>
               </a:rPr>
               <a:t>A mean:</a:t>
             </a:r>
-            <a:endParaRPr lang="en-US" sz="2400" dirty="0">
-              <a:latin typeface="Times New Roman"/>
-              <a:cs typeface="Times New Roman"/>
-            </a:endParaRPr>
           </a:p>
         </p:txBody>
       </p:sp>
@@ -5694,21 +5679,21 @@
               <a:buChar char="•"/>
             </a:pPr>
             <a:r>
-              <a:rPr lang="en-US" sz="2400" dirty="0" smtClean="0">
+              <a:rPr lang="en-US" sz="2400" dirty="0">
                 <a:latin typeface="Times New Roman"/>
                 <a:cs typeface="Times New Roman"/>
               </a:rPr>
               <a:t>A </a:t>
             </a:r>
             <a:r>
-              <a:rPr lang="en-US" sz="2400" dirty="0" err="1" smtClean="0">
+              <a:rPr lang="en-US" sz="2400" dirty="0" err="1">
                 <a:latin typeface="Times New Roman"/>
                 <a:cs typeface="Times New Roman"/>
               </a:rPr>
               <a:t>s.d.</a:t>
             </a:r>
             <a:r>
-              <a:rPr lang="en-US" sz="2400" dirty="0" smtClean="0">
+              <a:rPr lang="en-US" sz="2400" dirty="0">
                 <a:latin typeface="Times New Roman"/>
                 <a:cs typeface="Times New Roman"/>
               </a:rPr>
@@ -5721,21 +5706,21 @@
               <a:buChar char="•"/>
             </a:pPr>
             <a:r>
-              <a:rPr lang="en-US" sz="2200" dirty="0" smtClean="0">
+              <a:rPr lang="en-US" sz="2200" dirty="0">
                 <a:latin typeface="Times New Roman"/>
                 <a:cs typeface="Times New Roman"/>
               </a:rPr>
               <a:t>Called </a:t>
             </a:r>
             <a:r>
-              <a:rPr lang="en-US" sz="2200" b="1" dirty="0" smtClean="0">
+              <a:rPr lang="en-US" sz="2200" b="1" dirty="0">
                 <a:latin typeface="Times New Roman"/>
                 <a:cs typeface="Times New Roman"/>
               </a:rPr>
               <a:t>standard error</a:t>
             </a:r>
             <a:r>
-              <a:rPr lang="en-US" sz="2200" dirty="0" smtClean="0">
+              <a:rPr lang="en-US" sz="2200" dirty="0">
                 <a:latin typeface="Times New Roman"/>
                 <a:cs typeface="Times New Roman"/>
               </a:rPr>
@@ -5748,16 +5733,12 @@
               <a:buChar char="•"/>
             </a:pPr>
             <a:r>
-              <a:rPr lang="en-US" sz="2200" dirty="0" smtClean="0">
+              <a:rPr lang="en-US" sz="2200" dirty="0">
                 <a:latin typeface="Times New Roman"/>
                 <a:cs typeface="Times New Roman"/>
               </a:rPr>
               <a:t>Ideally we want this to be as small as possible.</a:t>
             </a:r>
-            <a:endParaRPr lang="en-US" sz="2200" dirty="0">
-              <a:latin typeface="Times New Roman"/>
-              <a:cs typeface="Times New Roman"/>
-            </a:endParaRPr>
           </a:p>
         </p:txBody>
       </p:sp>
@@ -5811,7 +5792,7 @@
               <a:buChar char="•"/>
             </a:pPr>
             <a:r>
-              <a:rPr lang="en-US" sz="2600" dirty="0" smtClean="0">
+              <a:rPr lang="en-US" sz="2600" dirty="0">
                 <a:latin typeface="Times New Roman"/>
                 <a:cs typeface="Times New Roman"/>
               </a:rPr>
@@ -5846,40 +5827,29 @@
                 <a:latin typeface="Times New Roman"/>
                 <a:cs typeface="Times New Roman"/>
               </a:rPr>
-              <a:t>i</a:t>
-            </a:r>
-            <a:r>
-              <a:rPr lang="en-US" sz="2600" dirty="0" smtClean="0">
-                <a:latin typeface="Times New Roman"/>
-                <a:cs typeface="Times New Roman"/>
-              </a:rPr>
-              <a:t>s called an </a:t>
-            </a:r>
-            <a:r>
-              <a:rPr lang="en-US" sz="2600" b="1" dirty="0" smtClean="0">
+              <a:t>is called an </a:t>
+            </a:r>
+            <a:r>
+              <a:rPr lang="en-US" sz="2600" b="1" dirty="0">
                 <a:latin typeface="Times New Roman"/>
                 <a:cs typeface="Times New Roman"/>
               </a:rPr>
               <a:t>unbiased estimator</a:t>
             </a:r>
             <a:r>
-              <a:rPr lang="en-US" sz="2600" dirty="0" smtClean="0">
+              <a:rPr lang="en-US" sz="2600" dirty="0">
                 <a:latin typeface="Times New Roman"/>
                 <a:cs typeface="Times New Roman"/>
               </a:rPr>
               <a:t> for </a:t>
             </a:r>
             <a:r>
-              <a:rPr lang="en-US" sz="2600" i="1" dirty="0" smtClean="0">
+              <a:rPr lang="en-US" sz="2600" i="1" dirty="0">
                 <a:latin typeface="Symbol" charset="2"/>
                 <a:cs typeface="Symbol" charset="2"/>
               </a:rPr>
               <a:t>q</a:t>
             </a:r>
-            <a:endParaRPr lang="en-US" sz="2600" i="1" dirty="0">
-              <a:latin typeface="Symbol" charset="2"/>
-              <a:cs typeface="Symbol" charset="2"/>
-            </a:endParaRPr>
           </a:p>
         </p:txBody>
       </p:sp>
@@ -5957,21 +5927,21 @@
               <a:buChar char="•"/>
             </a:pPr>
             <a:r>
-              <a:rPr lang="en-US" sz="2400" dirty="0" smtClean="0">
+              <a:rPr lang="en-US" sz="2400" dirty="0">
                 <a:latin typeface="Times New Roman"/>
                 <a:cs typeface="Times New Roman"/>
               </a:rPr>
               <a:t>The </a:t>
             </a:r>
             <a:r>
-              <a:rPr lang="en-US" sz="2400" b="1" dirty="0" smtClean="0">
+              <a:rPr lang="en-US" sz="2400" b="1" dirty="0">
                 <a:latin typeface="Times New Roman"/>
                 <a:cs typeface="Times New Roman"/>
               </a:rPr>
               <a:t>bias</a:t>
             </a:r>
             <a:r>
-              <a:rPr lang="en-US" sz="2400" dirty="0" smtClean="0">
+              <a:rPr lang="en-US" sz="2400" dirty="0">
                 <a:latin typeface="Times New Roman"/>
                 <a:cs typeface="Times New Roman"/>
               </a:rPr>
@@ -6034,14 +6004,14 @@
               <a:buChar char="•"/>
             </a:pPr>
             <a:r>
-              <a:rPr lang="en-US" sz="2400" u="sng" dirty="0" smtClean="0">
+              <a:rPr lang="en-US" sz="2400" u="sng" dirty="0">
                 <a:latin typeface="Times New Roman"/>
                 <a:cs typeface="Times New Roman"/>
               </a:rPr>
               <a:t>Note</a:t>
             </a:r>
             <a:r>
-              <a:rPr lang="en-US" sz="2400" dirty="0" smtClean="0">
+              <a:rPr lang="en-US" sz="2400" dirty="0">
                 <a:latin typeface="Times New Roman"/>
                 <a:cs typeface="Times New Roman"/>
               </a:rPr>
@@ -6091,7 +6061,7 @@
   <p:timing>
     <p:tnLst>
       <p:par>
-        <p:cTn xmlns:p14="http://schemas.microsoft.com/office/powerpoint/2010/main" id="1" dur="indefinite" restart="never" nodeType="tmRoot">
+        <p:cTn id="1" dur="indefinite" restart="never" nodeType="tmRoot">
           <p:childTnLst>
             <p:seq concurrent="1" nextAc="seek">
               <p:cTn id="2" dur="indefinite" nodeType="mainSeq">
@@ -6925,14 +6895,14 @@
               </a:tabLst>
             </a:pPr>
             <a:r>
-              <a:rPr lang="en-US" sz="4000" dirty="0" smtClean="0">
+              <a:rPr lang="en-US" sz="4000" dirty="0">
                 <a:latin typeface="Times New Roman" pitchFamily="18" charset="0"/>
                 <a:cs typeface="Times New Roman" pitchFamily="18" charset="0"/>
               </a:rPr>
               <a:t>Handy </a:t>
             </a:r>
             <a:r>
-              <a:rPr lang="en-US" sz="4000" dirty="0" smtClean="0">
+              <a:rPr lang="en-US" sz="4000" dirty="0">
                 <a:solidFill>
                   <a:schemeClr val="tx1"/>
                 </a:solidFill>
@@ -7002,41 +6972,41 @@
               <a:buChar char="•"/>
             </a:pPr>
             <a:r>
-              <a:rPr lang="en-US" sz="2600" dirty="0" smtClean="0">
+              <a:rPr lang="en-US" sz="2600" dirty="0">
                 <a:latin typeface="Times New Roman"/>
                 <a:cs typeface="Times New Roman"/>
               </a:rPr>
               <a:t>An </a:t>
             </a:r>
             <a:r>
-              <a:rPr lang="en-US" sz="2600" b="1" dirty="0" smtClean="0">
+              <a:rPr lang="en-US" sz="2600" b="1" dirty="0">
                 <a:latin typeface="Times New Roman"/>
                 <a:cs typeface="Times New Roman"/>
               </a:rPr>
               <a:t>unbiased estimator of the mean</a:t>
             </a:r>
             <a:r>
-              <a:rPr lang="en-US" sz="2600" dirty="0" smtClean="0">
+              <a:rPr lang="en-US" sz="2600" dirty="0">
                 <a:latin typeface="Times New Roman"/>
                 <a:cs typeface="Times New Roman"/>
               </a:rPr>
               <a:t> that </a:t>
             </a:r>
             <a:r>
-              <a:rPr lang="en-US" sz="2600" i="1" u="sng" dirty="0" smtClean="0">
+              <a:rPr lang="en-US" sz="2600" i="1" u="sng" dirty="0">
                 <a:latin typeface="Times New Roman"/>
                 <a:cs typeface="Times New Roman"/>
               </a:rPr>
               <a:t>we always use</a:t>
             </a:r>
             <a:r>
-              <a:rPr lang="en-US" sz="2600" dirty="0" smtClean="0">
+              <a:rPr lang="en-US" sz="2600" dirty="0">
                 <a:latin typeface="Times New Roman"/>
                 <a:cs typeface="Times New Roman"/>
               </a:rPr>
               <a:t> is:</a:t>
             </a:r>
-            <a:endParaRPr lang="en-US" sz="2400" dirty="0" smtClean="0">
+            <a:endParaRPr lang="en-US" sz="2400" dirty="0">
               <a:latin typeface="Times New Roman"/>
               <a:cs typeface="Times New Roman"/>
             </a:endParaRPr>
@@ -7046,7 +7016,7 @@
               <a:buFont typeface="Arial"/>
               <a:buChar char="•"/>
             </a:pPr>
-            <a:endParaRPr lang="en-US" sz="2400" dirty="0" smtClean="0">
+            <a:endParaRPr lang="en-US" sz="2400" dirty="0">
               <a:latin typeface="Times New Roman"/>
               <a:cs typeface="Times New Roman"/>
             </a:endParaRPr>
@@ -7076,16 +7046,12 @@
           <a:lstStyle/>
           <a:p>
             <a:r>
-              <a:rPr lang="en-US" sz="2400" dirty="0" smtClean="0">
+              <a:rPr lang="en-US" sz="2400" dirty="0">
                 <a:latin typeface="Times New Roman"/>
                 <a:cs typeface="Times New Roman"/>
               </a:rPr>
               <a:t>Same as MLE estimate</a:t>
             </a:r>
-            <a:endParaRPr lang="en-US" sz="2400" dirty="0">
-              <a:latin typeface="Times New Roman"/>
-              <a:cs typeface="Times New Roman"/>
-            </a:endParaRPr>
           </a:p>
         </p:txBody>
       </p:sp>
@@ -7159,34 +7125,34 @@
               <a:buChar char="•"/>
             </a:pPr>
             <a:r>
-              <a:rPr lang="en-US" sz="2600" b="1" dirty="0" smtClean="0">
+              <a:rPr lang="en-US" sz="2600" b="1" dirty="0">
                 <a:latin typeface="Times New Roman"/>
                 <a:cs typeface="Times New Roman"/>
               </a:rPr>
               <a:t>An unbiased estimator of the variance</a:t>
             </a:r>
             <a:r>
-              <a:rPr lang="en-US" sz="2600" dirty="0" smtClean="0">
+              <a:rPr lang="en-US" sz="2600" dirty="0">
                 <a:latin typeface="Times New Roman"/>
                 <a:cs typeface="Times New Roman"/>
               </a:rPr>
               <a:t> (which </a:t>
             </a:r>
             <a:r>
-              <a:rPr lang="en-US" sz="2600" i="1" u="sng" dirty="0" smtClean="0">
+              <a:rPr lang="en-US" sz="2600" i="1" u="sng" dirty="0">
                 <a:latin typeface="Times New Roman"/>
                 <a:cs typeface="Times New Roman"/>
               </a:rPr>
               <a:t>we will typically use as a variance estimator)</a:t>
             </a:r>
             <a:r>
-              <a:rPr lang="en-US" sz="2600" dirty="0" smtClean="0">
+              <a:rPr lang="en-US" sz="2600" dirty="0">
                 <a:latin typeface="Times New Roman"/>
                 <a:cs typeface="Times New Roman"/>
               </a:rPr>
               <a:t> is:</a:t>
             </a:r>
-            <a:endParaRPr lang="en-US" sz="2400" dirty="0" smtClean="0">
+            <a:endParaRPr lang="en-US" sz="2400" dirty="0">
               <a:latin typeface="Times New Roman"/>
               <a:cs typeface="Times New Roman"/>
             </a:endParaRPr>
@@ -7196,7 +7162,7 @@
               <a:buFont typeface="Arial"/>
               <a:buChar char="•"/>
             </a:pPr>
-            <a:endParaRPr lang="en-US" sz="2400" dirty="0" smtClean="0">
+            <a:endParaRPr lang="en-US" sz="2400" dirty="0">
               <a:latin typeface="Times New Roman"/>
               <a:cs typeface="Times New Roman"/>
             </a:endParaRPr>
@@ -7318,23 +7284,19 @@
           <a:lstStyle/>
           <a:p>
             <a:r>
-              <a:rPr lang="en-US" sz="2400" i="1" u="sng" dirty="0" smtClean="0">
+              <a:rPr lang="en-US" sz="2400" i="1" u="sng" dirty="0">
                 <a:latin typeface="Times New Roman"/>
                 <a:cs typeface="Times New Roman"/>
               </a:rPr>
               <a:t>Different</a:t>
             </a:r>
             <a:r>
-              <a:rPr lang="en-US" sz="2400" dirty="0" smtClean="0">
+              <a:rPr lang="en-US" sz="2400" dirty="0">
                 <a:latin typeface="Times New Roman"/>
                 <a:cs typeface="Times New Roman"/>
               </a:rPr>
               <a:t> from MLE estimate</a:t>
             </a:r>
-            <a:endParaRPr lang="en-US" sz="2400" dirty="0">
-              <a:latin typeface="Times New Roman"/>
-              <a:cs typeface="Times New Roman"/>
-            </a:endParaRPr>
           </a:p>
         </p:txBody>
       </p:sp>
@@ -7351,7 +7313,7 @@
   <p:timing>
     <p:tnLst>
       <p:par>
-        <p:cTn xmlns:p14="http://schemas.microsoft.com/office/powerpoint/2010/main" id="1" dur="indefinite" restart="never" nodeType="tmRoot">
+        <p:cTn id="1" dur="indefinite" restart="never" nodeType="tmRoot">
           <p:childTnLst>
             <p:seq concurrent="1" nextAc="seek">
               <p:cTn id="2" dur="indefinite" nodeType="mainSeq">
@@ -7783,14 +7745,14 @@
               </a:tabLst>
             </a:pPr>
             <a:r>
-              <a:rPr lang="en-US" sz="4000" dirty="0" smtClean="0">
+              <a:rPr lang="en-US" sz="4000" dirty="0">
                 <a:latin typeface="Times New Roman" pitchFamily="18" charset="0"/>
                 <a:cs typeface="Times New Roman" pitchFamily="18" charset="0"/>
               </a:rPr>
               <a:t>Handy </a:t>
             </a:r>
             <a:r>
-              <a:rPr lang="en-US" sz="4000" dirty="0" smtClean="0">
+              <a:rPr lang="en-US" sz="4000" dirty="0">
                 <a:solidFill>
                   <a:schemeClr val="tx1"/>
                 </a:solidFill>
@@ -7860,27 +7822,27 @@
               <a:buChar char="•"/>
             </a:pPr>
             <a:r>
-              <a:rPr lang="en-US" sz="2600" dirty="0" smtClean="0">
+              <a:rPr lang="en-US" sz="2600" dirty="0">
                 <a:latin typeface="Times New Roman"/>
                 <a:cs typeface="Times New Roman"/>
               </a:rPr>
               <a:t>An unbiased estimator for a </a:t>
             </a:r>
             <a:r>
-              <a:rPr lang="en-US" sz="2600" b="1" dirty="0" smtClean="0">
+              <a:rPr lang="en-US" sz="2600" b="1" dirty="0">
                 <a:latin typeface="Times New Roman"/>
                 <a:cs typeface="Times New Roman"/>
               </a:rPr>
               <a:t>proportion</a:t>
             </a:r>
             <a:r>
-              <a:rPr lang="en-US" sz="2600" dirty="0" smtClean="0">
+              <a:rPr lang="en-US" sz="2600" dirty="0">
                 <a:latin typeface="Times New Roman"/>
                 <a:cs typeface="Times New Roman"/>
               </a:rPr>
               <a:t> is:</a:t>
             </a:r>
-            <a:endParaRPr lang="en-US" sz="2400" dirty="0" smtClean="0">
+            <a:endParaRPr lang="en-US" sz="2400" dirty="0">
               <a:latin typeface="Times New Roman"/>
               <a:cs typeface="Times New Roman"/>
             </a:endParaRPr>
@@ -7890,7 +7852,7 @@
               <a:buFont typeface="Arial"/>
               <a:buChar char="•"/>
             </a:pPr>
-            <a:endParaRPr lang="en-US" sz="2400" dirty="0" smtClean="0">
+            <a:endParaRPr lang="en-US" sz="2400" dirty="0">
               <a:latin typeface="Times New Roman"/>
               <a:cs typeface="Times New Roman"/>
             </a:endParaRPr>
@@ -7967,41 +7929,41 @@
               <a:buChar char="•"/>
             </a:pPr>
             <a:r>
-              <a:rPr lang="en-US" sz="2600" dirty="0" smtClean="0">
+              <a:rPr lang="en-US" sz="2600" dirty="0">
                 <a:latin typeface="Times New Roman"/>
                 <a:cs typeface="Times New Roman"/>
               </a:rPr>
               <a:t>An unbiased estimator of the </a:t>
             </a:r>
             <a:r>
-              <a:rPr lang="en-US" sz="2600" b="1" dirty="0" smtClean="0">
+              <a:rPr lang="en-US" sz="2600" b="1" dirty="0">
                 <a:latin typeface="Times New Roman"/>
                 <a:cs typeface="Times New Roman"/>
               </a:rPr>
               <a:t>standard error of </a:t>
             </a:r>
             <a:r>
-              <a:rPr lang="en-US" sz="2600" b="1" i="1" dirty="0" smtClean="0">
+              <a:rPr lang="en-US" sz="2600" b="1" i="1" dirty="0">
                 <a:latin typeface="Times New Roman"/>
                 <a:cs typeface="Times New Roman"/>
               </a:rPr>
               <a:t>p</a:t>
             </a:r>
             <a:r>
-              <a:rPr lang="en-US" sz="2600" b="1" dirty="0" smtClean="0">
+              <a:rPr lang="en-US" sz="2600" b="1" dirty="0">
                 <a:latin typeface="Times New Roman"/>
                 <a:cs typeface="Times New Roman"/>
               </a:rPr>
               <a:t> </a:t>
             </a:r>
             <a:r>
-              <a:rPr lang="en-US" sz="2600" dirty="0" smtClean="0">
+              <a:rPr lang="en-US" sz="2600" dirty="0">
                 <a:latin typeface="Times New Roman"/>
                 <a:cs typeface="Times New Roman"/>
               </a:rPr>
               <a:t>is:</a:t>
             </a:r>
-            <a:endParaRPr lang="en-US" sz="2400" dirty="0" smtClean="0">
+            <a:endParaRPr lang="en-US" sz="2400" dirty="0">
               <a:latin typeface="Times New Roman"/>
               <a:cs typeface="Times New Roman"/>
             </a:endParaRPr>
@@ -8011,7 +7973,7 @@
               <a:buFont typeface="Arial"/>
               <a:buChar char="•"/>
             </a:pPr>
-            <a:endParaRPr lang="en-US" sz="2400" dirty="0" smtClean="0">
+            <a:endParaRPr lang="en-US" sz="2400" dirty="0">
               <a:latin typeface="Times New Roman"/>
               <a:cs typeface="Times New Roman"/>
             </a:endParaRPr>
@@ -8085,28 +8047,28 @@
           <a:lstStyle/>
           <a:p>
             <a:r>
-              <a:rPr lang="en-US" sz="2800" dirty="0" smtClean="0">
+              <a:rPr lang="en-US" sz="2800" dirty="0">
                 <a:latin typeface="Times New Roman"/>
                 <a:cs typeface="Times New Roman"/>
               </a:rPr>
               <a:t>Heads, Success, </a:t>
             </a:r>
             <a:r>
-              <a:rPr lang="en-US" sz="2800" i="1" dirty="0" err="1" smtClean="0">
+              <a:rPr lang="en-US" sz="2800" i="1" dirty="0" err="1">
                 <a:latin typeface="Times New Roman"/>
                 <a:cs typeface="Times New Roman"/>
               </a:rPr>
               <a:t>etc</a:t>
             </a:r>
             <a:r>
-              <a:rPr lang="en-US" sz="2800" i="1" dirty="0" smtClean="0">
+              <a:rPr lang="en-US" sz="2800" i="1" dirty="0">
                 <a:latin typeface="Times New Roman"/>
                 <a:cs typeface="Times New Roman"/>
               </a:rPr>
               <a:t>,</a:t>
             </a:r>
             <a:r>
-              <a:rPr lang="en-US" sz="2800" dirty="0" smtClean="0">
+              <a:rPr lang="en-US" sz="2800" dirty="0">
                 <a:latin typeface="Times New Roman"/>
                 <a:cs typeface="Times New Roman"/>
               </a:rPr>
@@ -8210,13 +8172,6 @@
   <p:clrMapOvr>
     <a:masterClrMapping/>
   </p:clrMapOvr>
-  <p:timing>
-    <p:tnLst>
-      <p:par>
-        <p:cTn xmlns:p14="http://schemas.microsoft.com/office/powerpoint/2010/main" id="1" dur="indefinite" restart="never" nodeType="tmRoot"/>
-      </p:par>
-    </p:tnLst>
-  </p:timing>
 </p:sld>
 </file>
 
@@ -8263,21 +8218,7 @@
                 <a:latin typeface="Times New Roman"/>
                 <a:cs typeface="Times New Roman"/>
               </a:rPr>
-              <a:t>18.438, 18.440, </a:t>
-            </a:r>
-            <a:r>
-              <a:rPr lang="en-US" sz="3200" dirty="0" smtClean="0">
-                <a:latin typeface="Times New Roman"/>
-                <a:cs typeface="Times New Roman"/>
-              </a:rPr>
-              <a:t>18.468, </a:t>
-            </a:r>
-            <a:r>
-              <a:rPr lang="en-US" sz="3200" dirty="0">
-                <a:latin typeface="Times New Roman"/>
-                <a:cs typeface="Times New Roman"/>
-              </a:rPr>
-              <a:t>18.437</a:t>
+              <a:t>18.438, 18.440, 18.468, 18.437</a:t>
             </a:r>
           </a:p>
         </p:txBody>
@@ -8304,35 +8245,21 @@
           <a:lstStyle/>
           <a:p>
             <a:r>
-              <a:rPr lang="en-US" sz="2400" dirty="0" smtClean="0">
-                <a:latin typeface="Times New Roman"/>
-                <a:cs typeface="Times New Roman"/>
-              </a:rPr>
-              <a:t>The length of a shotgun </a:t>
-            </a:r>
-            <a:r>
               <a:rPr lang="en-US" sz="2400" dirty="0">
                 <a:latin typeface="Times New Roman"/>
                 <a:cs typeface="Times New Roman"/>
               </a:rPr>
-              <a:t>b</a:t>
-            </a:r>
-            <a:r>
-              <a:rPr lang="en-US" sz="2400" dirty="0" smtClean="0">
-                <a:latin typeface="Times New Roman"/>
-                <a:cs typeface="Times New Roman"/>
-              </a:rPr>
-              <a:t>arrel is measured with a ruler four times (units: </a:t>
-            </a:r>
-            <a:r>
-              <a:rPr lang="en-US" sz="2400" i="1" dirty="0" smtClean="0">
+              <a:t>The length of a shotgun barrel is measured with a ruler four times (units: </a:t>
+            </a:r>
+            <a:r>
+              <a:rPr lang="en-US" sz="2400" i="1" dirty="0">
                 <a:latin typeface="Times New Roman"/>
                 <a:cs typeface="Times New Roman"/>
               </a:rPr>
               <a:t>in</a:t>
             </a:r>
             <a:r>
-              <a:rPr lang="en-US" sz="2400" dirty="0" smtClean="0">
+              <a:rPr lang="en-US" sz="2400" dirty="0">
                 <a:latin typeface="Times New Roman"/>
                 <a:cs typeface="Times New Roman"/>
               </a:rPr>
@@ -8363,7 +8290,7 @@
           <a:lstStyle/>
           <a:p>
             <a:r>
-              <a:rPr lang="en-US" sz="2400" dirty="0" smtClean="0">
+              <a:rPr lang="en-US" sz="2400" dirty="0">
                 <a:latin typeface="Times New Roman"/>
                 <a:cs typeface="Times New Roman"/>
               </a:rPr>
@@ -8375,7 +8302,7 @@
               <a:buAutoNum type="alphaLcPeriod"/>
             </a:pPr>
             <a:r>
-              <a:rPr lang="en-US" sz="2000" dirty="0" smtClean="0">
+              <a:rPr lang="en-US" sz="2000" dirty="0">
                 <a:latin typeface="Times New Roman"/>
                 <a:cs typeface="Times New Roman"/>
               </a:rPr>
@@ -8387,7 +8314,7 @@
               <a:buAutoNum type="alphaLcPeriod"/>
             </a:pPr>
             <a:r>
-              <a:rPr lang="en-US" sz="2000" dirty="0" smtClean="0">
+              <a:rPr lang="en-US" sz="2000" dirty="0">
                 <a:latin typeface="Times New Roman"/>
                 <a:cs typeface="Times New Roman"/>
               </a:rPr>
@@ -8399,21 +8326,21 @@
               <a:buAutoNum type="alphaLcPeriod"/>
             </a:pPr>
             <a:r>
-              <a:rPr lang="en-US" sz="2000" dirty="0" smtClean="0">
+              <a:rPr lang="en-US" sz="2000" dirty="0">
                 <a:latin typeface="Times New Roman"/>
                 <a:cs typeface="Times New Roman"/>
               </a:rPr>
               <a:t>The sample </a:t>
             </a:r>
             <a:r>
-              <a:rPr lang="en-US" sz="2000" dirty="0" err="1" smtClean="0">
+              <a:rPr lang="en-US" sz="2000" dirty="0" err="1">
                 <a:latin typeface="Times New Roman"/>
                 <a:cs typeface="Times New Roman"/>
               </a:rPr>
               <a:t>sd</a:t>
             </a:r>
             <a:r>
-              <a:rPr lang="en-US" sz="2000" dirty="0" smtClean="0">
+              <a:rPr lang="en-US" sz="2000" dirty="0">
                 <a:latin typeface="Times New Roman"/>
                 <a:cs typeface="Times New Roman"/>
               </a:rPr>
@@ -8425,7 +8352,7 @@
               <a:buAutoNum type="alphaLcPeriod"/>
             </a:pPr>
             <a:r>
-              <a:rPr lang="en-US" sz="2000" dirty="0" smtClean="0">
+              <a:rPr lang="en-US" sz="2000" dirty="0">
                 <a:latin typeface="Times New Roman"/>
                 <a:cs typeface="Times New Roman"/>
               </a:rPr>
@@ -8441,21 +8368,7 @@
                 <a:latin typeface="Times New Roman"/>
                 <a:cs typeface="Times New Roman"/>
               </a:rPr>
-              <a:t>Estimate the </a:t>
-            </a:r>
-            <a:r>
-              <a:rPr lang="en-US" sz="2000" dirty="0" smtClean="0">
-                <a:latin typeface="Times New Roman"/>
-                <a:cs typeface="Times New Roman"/>
-              </a:rPr>
-              <a:t>%relative </a:t>
-            </a:r>
-            <a:r>
-              <a:rPr lang="en-US" sz="2000" dirty="0">
-                <a:latin typeface="Times New Roman"/>
-                <a:cs typeface="Times New Roman"/>
-              </a:rPr>
-              <a:t>standard measurement </a:t>
+              <a:t>Estimate the %relative standard measurement </a:t>
             </a:r>
             <a:r>
               <a:rPr lang="en-US" sz="2000" dirty="0" err="1">
@@ -8471,7 +8384,7 @@
               </a:rPr>
               <a:t>GUM</a:t>
             </a:r>
-            <a:endParaRPr lang="en-US" sz="2000" dirty="0" smtClean="0">
+            <a:endParaRPr lang="en-US" sz="2000" dirty="0">
               <a:latin typeface="Times New Roman"/>
               <a:cs typeface="Times New Roman"/>
             </a:endParaRPr>
@@ -8481,21 +8394,21 @@
               <a:buAutoNum type="alphaLcPeriod"/>
             </a:pPr>
             <a:r>
-              <a:rPr lang="en-US" sz="2000" dirty="0" smtClean="0">
+              <a:rPr lang="en-US" sz="2000" dirty="0">
                 <a:latin typeface="Times New Roman"/>
                 <a:cs typeface="Times New Roman"/>
               </a:rPr>
               <a:t>Sketch and label the approximate sampling distribution with the with the </a:t>
             </a:r>
             <a:r>
-              <a:rPr lang="en-US" sz="2000" dirty="0" err="1" smtClean="0">
+              <a:rPr lang="en-US" sz="2000" dirty="0" err="1">
                 <a:latin typeface="Times New Roman"/>
                 <a:cs typeface="Times New Roman"/>
               </a:rPr>
               <a:t>measureand’s</a:t>
             </a:r>
             <a:r>
-              <a:rPr lang="en-US" sz="2000" dirty="0" smtClean="0">
+              <a:rPr lang="en-US" sz="2000" dirty="0">
                 <a:latin typeface="Times New Roman"/>
                 <a:cs typeface="Times New Roman"/>
               </a:rPr>
@@ -8625,7 +8538,7 @@
               </a:tabLst>
             </a:pPr>
             <a:r>
-              <a:rPr lang="en-US" sz="4000" dirty="0" smtClean="0">
+              <a:rPr lang="en-US" sz="4000" dirty="0">
                 <a:solidFill>
                   <a:schemeClr val="tx1"/>
                 </a:solidFill>
@@ -8679,13 +8592,6 @@
   <p:clrMapOvr>
     <a:masterClrMapping/>
   </p:clrMapOvr>
-  <p:timing>
-    <p:tnLst>
-      <p:par>
-        <p:cTn xmlns:p14="http://schemas.microsoft.com/office/powerpoint/2010/main" id="1" dur="indefinite" restart="never" nodeType="tmRoot"/>
-      </p:par>
-    </p:tnLst>
-  </p:timing>
 </p:sld>
 </file>
 
@@ -8757,7 +8663,7 @@
               </a:tabLst>
             </a:pPr>
             <a:r>
-              <a:rPr lang="en-US" sz="4000" dirty="0" smtClean="0">
+              <a:rPr lang="en-US" sz="4000" dirty="0">
                 <a:solidFill>
                   <a:schemeClr val="tx1"/>
                 </a:solidFill>
@@ -9259,7 +9165,7 @@
   <p:timing>
     <p:tnLst>
       <p:par>
-        <p:cTn xmlns:p14="http://schemas.microsoft.com/office/powerpoint/2010/main" id="1" dur="indefinite" restart="never" nodeType="tmRoot">
+        <p:cTn id="1" dur="indefinite" restart="never" nodeType="tmRoot">
           <p:childTnLst>
             <p:seq concurrent="1" nextAc="seek">
               <p:cTn id="2" dur="indefinite" nodeType="mainSeq">
@@ -9448,7 +9354,7 @@
               </a:tabLst>
             </a:pPr>
             <a:r>
-              <a:rPr lang="en-US" sz="4000" dirty="0" smtClean="0">
+              <a:rPr lang="en-US" sz="4000" dirty="0">
                 <a:solidFill>
                   <a:schemeClr val="tx1"/>
                 </a:solidFill>
@@ -9538,16 +9444,12 @@
           <a:lstStyle/>
           <a:p>
             <a:r>
-              <a:rPr lang="en-US" sz="3600" dirty="0" smtClean="0">
+              <a:rPr lang="en-US" sz="3600" dirty="0">
                 <a:latin typeface="Times New Roman"/>
                 <a:cs typeface="Times New Roman"/>
               </a:rPr>
               <a:t>f.</a:t>
             </a:r>
-            <a:endParaRPr lang="en-US" sz="3600" dirty="0">
-              <a:latin typeface="Times New Roman"/>
-              <a:cs typeface="Times New Roman"/>
-            </a:endParaRPr>
           </a:p>
         </p:txBody>
       </p:sp>
@@ -9621,23 +9523,19 @@
           <a:lstStyle/>
           <a:p>
             <a:r>
-              <a:rPr lang="en-US" dirty="0" smtClean="0">
+              <a:rPr lang="en-US" dirty="0">
                 <a:latin typeface="Times New Roman"/>
                 <a:cs typeface="Times New Roman"/>
               </a:rPr>
               <a:t>= 18.446 </a:t>
             </a:r>
             <a:r>
-              <a:rPr lang="en-US" i="1" dirty="0" smtClean="0">
+              <a:rPr lang="en-US" i="1" dirty="0">
                 <a:latin typeface="Times New Roman"/>
                 <a:cs typeface="Times New Roman"/>
               </a:rPr>
               <a:t>in</a:t>
             </a:r>
-            <a:endParaRPr lang="en-US" i="1" dirty="0">
-              <a:latin typeface="Times New Roman"/>
-              <a:cs typeface="Times New Roman"/>
-            </a:endParaRPr>
           </a:p>
         </p:txBody>
       </p:sp>
@@ -9735,23 +9633,19 @@
           <a:lstStyle/>
           <a:p>
             <a:r>
-              <a:rPr lang="en-US" dirty="0" smtClean="0">
+              <a:rPr lang="en-US" dirty="0">
                 <a:latin typeface="Times New Roman"/>
                 <a:cs typeface="Times New Roman"/>
               </a:rPr>
               <a:t>= ±0.007 </a:t>
             </a:r>
             <a:r>
-              <a:rPr lang="en-US" i="1" dirty="0" smtClean="0">
+              <a:rPr lang="en-US" i="1" dirty="0">
                 <a:latin typeface="Times New Roman"/>
                 <a:cs typeface="Times New Roman"/>
               </a:rPr>
               <a:t>in</a:t>
             </a:r>
-            <a:endParaRPr lang="en-US" i="1" dirty="0">
-              <a:latin typeface="Times New Roman"/>
-              <a:cs typeface="Times New Roman"/>
-            </a:endParaRPr>
           </a:p>
         </p:txBody>
       </p:sp>
@@ -9778,23 +9672,19 @@
           <a:lstStyle/>
           <a:p>
             <a:r>
-              <a:rPr lang="en-US" sz="1700" b="1" dirty="0" err="1" smtClean="0">
+              <a:rPr lang="en-US" sz="1700" b="1" dirty="0" err="1">
                 <a:latin typeface="Times New Roman"/>
                 <a:cs typeface="Times New Roman"/>
               </a:rPr>
               <a:t>Measurand’s</a:t>
             </a:r>
             <a:r>
-              <a:rPr lang="en-US" sz="1700" b="1" dirty="0" smtClean="0">
+              <a:rPr lang="en-US" sz="1700" b="1" dirty="0">
                 <a:latin typeface="Times New Roman"/>
                 <a:cs typeface="Times New Roman"/>
               </a:rPr>
               <a:t> (barrel length) approximate sampling distribution</a:t>
             </a:r>
-            <a:endParaRPr lang="en-US" sz="1700" b="1" dirty="0">
-              <a:latin typeface="Times New Roman"/>
-              <a:cs typeface="Times New Roman"/>
-            </a:endParaRPr>
           </a:p>
         </p:txBody>
       </p:sp>
@@ -9811,7 +9701,7 @@
   <p:timing>
     <p:tnLst>
       <p:par>
-        <p:cTn xmlns:p14="http://schemas.microsoft.com/office/powerpoint/2010/main" id="1" dur="indefinite" restart="never" nodeType="tmRoot">
+        <p:cTn id="1" dur="indefinite" restart="never" nodeType="tmRoot">
           <p:childTnLst>
             <p:seq concurrent="1" nextAc="seek">
               <p:cTn id="2" dur="indefinite" nodeType="mainSeq">
@@ -10223,7 +10113,7 @@
               </a:tabLst>
             </a:pPr>
             <a:r>
-              <a:rPr lang="en-US" sz="4000" dirty="0" smtClean="0">
+              <a:rPr lang="en-US" sz="4000" dirty="0">
                 <a:solidFill>
                   <a:schemeClr val="tx1"/>
                 </a:solidFill>
@@ -10293,13 +10183,13 @@
               <a:buChar char="•"/>
             </a:pPr>
             <a:r>
-              <a:rPr lang="en-US" sz="2600" dirty="0" smtClean="0">
+              <a:rPr lang="en-US" sz="2600" dirty="0">
                 <a:latin typeface="Times New Roman"/>
                 <a:cs typeface="Times New Roman"/>
               </a:rPr>
               <a:t>Reality in lab work:</a:t>
             </a:r>
-            <a:endParaRPr lang="en-US" sz="2400" dirty="0" smtClean="0">
+            <a:endParaRPr lang="en-US" sz="2400" dirty="0">
               <a:latin typeface="Times New Roman"/>
               <a:cs typeface="Times New Roman"/>
             </a:endParaRPr>
@@ -10333,16 +10223,12 @@
               <a:buChar char="•"/>
             </a:pPr>
             <a:r>
-              <a:rPr lang="en-US" sz="2400" dirty="0" smtClean="0">
+              <a:rPr lang="en-US" sz="2400" dirty="0">
                 <a:latin typeface="Times New Roman"/>
                 <a:cs typeface="Times New Roman"/>
               </a:rPr>
               <a:t>Sample sizes are often small</a:t>
             </a:r>
-            <a:endParaRPr lang="en-US" sz="2400" dirty="0">
-              <a:latin typeface="Times New Roman"/>
-              <a:cs typeface="Times New Roman"/>
-            </a:endParaRPr>
           </a:p>
         </p:txBody>
       </p:sp>
@@ -10373,16 +10259,12 @@
               <a:buChar char="•"/>
             </a:pPr>
             <a:r>
-              <a:rPr lang="en-US" sz="2400" dirty="0" smtClean="0">
+              <a:rPr lang="en-US" sz="2400" dirty="0">
                 <a:latin typeface="Times New Roman"/>
                 <a:cs typeface="Times New Roman"/>
               </a:rPr>
               <a:t>Parameters we may want estimates for don’t have a known or  convenient sampling distribution</a:t>
             </a:r>
-            <a:endParaRPr lang="en-US" sz="2400" dirty="0">
-              <a:latin typeface="Times New Roman"/>
-              <a:cs typeface="Times New Roman"/>
-            </a:endParaRPr>
           </a:p>
         </p:txBody>
       </p:sp>
@@ -10412,27 +10294,27 @@
               <a:buChar char="•"/>
             </a:pPr>
             <a:r>
-              <a:rPr lang="en-US" sz="2600" dirty="0" smtClean="0">
+              <a:rPr lang="en-US" sz="2600" dirty="0">
                 <a:latin typeface="Times New Roman"/>
                 <a:cs typeface="Times New Roman"/>
               </a:rPr>
               <a:t>Reality in the 21</a:t>
             </a:r>
             <a:r>
-              <a:rPr lang="en-US" sz="2600" baseline="30000" dirty="0" smtClean="0">
+              <a:rPr lang="en-US" sz="2600" baseline="30000" dirty="0">
                 <a:latin typeface="Times New Roman"/>
                 <a:cs typeface="Times New Roman"/>
               </a:rPr>
               <a:t>st</a:t>
             </a:r>
             <a:r>
-              <a:rPr lang="en-US" sz="2600" dirty="0" smtClean="0">
+              <a:rPr lang="en-US" sz="2600" dirty="0">
                 <a:latin typeface="Times New Roman"/>
                 <a:cs typeface="Times New Roman"/>
               </a:rPr>
               <a:t> century:</a:t>
             </a:r>
-            <a:endParaRPr lang="en-US" sz="2400" dirty="0" smtClean="0">
+            <a:endParaRPr lang="en-US" sz="2400" dirty="0">
               <a:latin typeface="Times New Roman"/>
               <a:cs typeface="Times New Roman"/>
             </a:endParaRPr>
@@ -10466,16 +10348,12 @@
               <a:buChar char="•"/>
             </a:pPr>
             <a:r>
-              <a:rPr lang="en-US" sz="2400" dirty="0" smtClean="0">
+              <a:rPr lang="en-US" sz="2400" dirty="0">
                 <a:latin typeface="Times New Roman"/>
                 <a:cs typeface="Times New Roman"/>
               </a:rPr>
               <a:t>Computers are powerful, cheap and plentiful!</a:t>
             </a:r>
-            <a:endParaRPr lang="en-US" sz="2400" dirty="0">
-              <a:latin typeface="Times New Roman"/>
-              <a:cs typeface="Times New Roman"/>
-            </a:endParaRPr>
           </a:p>
         </p:txBody>
       </p:sp>
@@ -10505,48 +10383,48 @@
               <a:buChar char="•"/>
             </a:pPr>
             <a:r>
-              <a:rPr lang="en-US" sz="2600" i="1" u="sng" dirty="0" smtClean="0">
+              <a:rPr lang="en-US" sz="2600" i="1" u="sng" dirty="0">
                 <a:latin typeface="Times New Roman"/>
                 <a:cs typeface="Times New Roman"/>
               </a:rPr>
               <a:t>The bootstrap</a:t>
             </a:r>
             <a:r>
-              <a:rPr lang="en-US" sz="2600" dirty="0" smtClean="0">
+              <a:rPr lang="en-US" sz="2600" dirty="0">
                 <a:latin typeface="Times New Roman"/>
                 <a:cs typeface="Times New Roman"/>
               </a:rPr>
               <a:t> is a computer based simulation method that can be used to </a:t>
             </a:r>
             <a:r>
-              <a:rPr lang="en-US" sz="2600" i="1" u="sng" dirty="0" smtClean="0">
+              <a:rPr lang="en-US" sz="2600" i="1" u="sng" dirty="0">
                 <a:latin typeface="Times New Roman"/>
                 <a:cs typeface="Times New Roman"/>
               </a:rPr>
               <a:t>estimate virtually any parameter</a:t>
             </a:r>
             <a:r>
-              <a:rPr lang="en-US" sz="2600" dirty="0" smtClean="0">
+              <a:rPr lang="en-US" sz="2600" dirty="0">
                 <a:latin typeface="Times New Roman"/>
                 <a:cs typeface="Times New Roman"/>
               </a:rPr>
               <a:t> along with a measure of its </a:t>
             </a:r>
             <a:r>
-              <a:rPr lang="en-US" sz="2600" dirty="0" err="1" smtClean="0">
+              <a:rPr lang="en-US" sz="2600" dirty="0" err="1">
                 <a:latin typeface="Times New Roman"/>
                 <a:cs typeface="Times New Roman"/>
               </a:rPr>
               <a:t>accuracy</a:t>
             </a:r>
             <a:r>
-              <a:rPr lang="en-US" sz="2600" baseline="30000" dirty="0" err="1" smtClean="0">
+              <a:rPr lang="en-US" sz="2600" baseline="30000" dirty="0" err="1">
                 <a:latin typeface="Times New Roman"/>
                 <a:cs typeface="Times New Roman"/>
               </a:rPr>
               <a:t>Efron</a:t>
             </a:r>
-            <a:endParaRPr lang="en-US" sz="2400" baseline="30000" dirty="0" smtClean="0">
+            <a:endParaRPr lang="en-US" sz="2400" baseline="30000" dirty="0">
               <a:latin typeface="Times New Roman"/>
               <a:cs typeface="Times New Roman"/>
             </a:endParaRPr>
@@ -10580,16 +10458,12 @@
               <a:buChar char="•"/>
             </a:pPr>
             <a:r>
-              <a:rPr lang="en-US" sz="2400" dirty="0" smtClean="0">
+              <a:rPr lang="en-US" sz="2400" dirty="0">
                 <a:latin typeface="Times New Roman"/>
                 <a:cs typeface="Times New Roman"/>
               </a:rPr>
               <a:t>Assumes nothing about the underlying data except that it is IID</a:t>
             </a:r>
-            <a:endParaRPr lang="en-US" sz="2400" dirty="0">
-              <a:latin typeface="Times New Roman"/>
-              <a:cs typeface="Times New Roman"/>
-            </a:endParaRPr>
           </a:p>
         </p:txBody>
       </p:sp>
@@ -10620,16 +10494,12 @@
               <a:buChar char="•"/>
             </a:pPr>
             <a:r>
-              <a:rPr lang="en-US" sz="2400" dirty="0" smtClean="0">
+              <a:rPr lang="en-US" sz="2400" dirty="0">
                 <a:latin typeface="Times New Roman"/>
                 <a:cs typeface="Times New Roman"/>
               </a:rPr>
               <a:t>Tends to give good estimates even for small sample sizes</a:t>
             </a:r>
-            <a:endParaRPr lang="en-US" sz="2400" dirty="0">
-              <a:latin typeface="Times New Roman"/>
-              <a:cs typeface="Times New Roman"/>
-            </a:endParaRPr>
           </a:p>
         </p:txBody>
       </p:sp>
@@ -10655,7 +10525,7 @@
           <a:lstStyle/>
           <a:p>
             <a:r>
-              <a:rPr lang="en-US" dirty="0" smtClean="0">
+              <a:rPr lang="en-US" dirty="0">
                 <a:latin typeface="Times New Roman"/>
                 <a:cs typeface="Times New Roman"/>
               </a:rPr>
@@ -10678,7 +10548,7 @@
   <p:timing>
     <p:tnLst>
       <p:par>
-        <p:cTn xmlns:p14="http://schemas.microsoft.com/office/powerpoint/2010/main" id="1" dur="indefinite" restart="never" nodeType="tmRoot">
+        <p:cTn id="1" dur="indefinite" restart="never" nodeType="tmRoot">
           <p:childTnLst>
             <p:seq concurrent="1" nextAc="seek">
               <p:cTn id="2" dur="indefinite" nodeType="mainSeq">
@@ -11514,7 +11384,7 @@
               </a:tabLst>
             </a:pPr>
             <a:r>
-              <a:rPr lang="en-US" sz="4000" dirty="0" smtClean="0">
+              <a:rPr lang="en-US" sz="4000" dirty="0">
                 <a:solidFill>
                   <a:schemeClr val="tx1"/>
                 </a:solidFill>
@@ -11584,76 +11454,48 @@
               <a:buChar char="•"/>
             </a:pPr>
             <a:r>
-              <a:rPr lang="en-US" sz="2600" dirty="0" smtClean="0">
-                <a:latin typeface="Times New Roman"/>
-                <a:cs typeface="Times New Roman"/>
-              </a:rPr>
-              <a:t>(</a:t>
-            </a:r>
-            <a:r>
               <a:rPr lang="en-US" sz="2600" dirty="0">
                 <a:latin typeface="Times New Roman"/>
                 <a:cs typeface="Times New Roman"/>
               </a:rPr>
-              <a:t>N</a:t>
-            </a:r>
-            <a:r>
-              <a:rPr lang="en-US" sz="2600" dirty="0" smtClean="0">
-                <a:latin typeface="Times New Roman"/>
-                <a:cs typeface="Times New Roman"/>
-              </a:rPr>
-              <a:t>on-</a:t>
+              <a:t>(Non-parametric) Bootstrapping starts with </a:t>
+            </a:r>
+            <a:r>
+              <a:rPr lang="en-US" sz="2600" i="1" u="sng" dirty="0">
+                <a:latin typeface="Times New Roman"/>
+                <a:cs typeface="Times New Roman"/>
+              </a:rPr>
+              <a:t>a</a:t>
             </a:r>
             <a:r>
               <a:rPr lang="en-US" sz="2600" dirty="0">
                 <a:latin typeface="Times New Roman"/>
                 <a:cs typeface="Times New Roman"/>
               </a:rPr>
-              <a:t>p</a:t>
-            </a:r>
-            <a:r>
-              <a:rPr lang="en-US" sz="2600" dirty="0" smtClean="0">
-                <a:latin typeface="Times New Roman"/>
-                <a:cs typeface="Times New Roman"/>
-              </a:rPr>
-              <a:t>arametric) Bootstrapping starts with </a:t>
-            </a:r>
-            <a:r>
-              <a:rPr lang="en-US" sz="2600" i="1" u="sng" dirty="0" smtClean="0">
-                <a:latin typeface="Times New Roman"/>
-                <a:cs typeface="Times New Roman"/>
-              </a:rPr>
-              <a:t>a</a:t>
-            </a:r>
-            <a:r>
-              <a:rPr lang="en-US" sz="2600" dirty="0" smtClean="0">
-                <a:latin typeface="Times New Roman"/>
-                <a:cs typeface="Times New Roman"/>
-              </a:rPr>
               <a:t> sample of data </a:t>
             </a:r>
             <a:r>
-              <a:rPr lang="en-US" sz="2600" b="1" dirty="0" smtClean="0">
+              <a:rPr lang="en-US" sz="2600" b="1" dirty="0">
                 <a:latin typeface="Times New Roman"/>
                 <a:cs typeface="Times New Roman"/>
               </a:rPr>
               <a:t>x</a:t>
             </a:r>
             <a:r>
-              <a:rPr lang="en-US" sz="2600" dirty="0" smtClean="0">
+              <a:rPr lang="en-US" sz="2600" dirty="0">
                 <a:latin typeface="Times New Roman"/>
                 <a:cs typeface="Times New Roman"/>
               </a:rPr>
               <a:t> of size </a:t>
             </a:r>
             <a:r>
-              <a:rPr lang="en-US" sz="2600" i="1" dirty="0" smtClean="0">
+              <a:rPr lang="en-US" sz="2600" i="1" dirty="0">
                 <a:latin typeface="Times New Roman"/>
                 <a:cs typeface="Times New Roman"/>
               </a:rPr>
               <a:t>n:</a:t>
             </a:r>
-            <a:endParaRPr lang="en-US" sz="2600" dirty="0" smtClean="0">
+            <a:endParaRPr lang="en-US" sz="2600" dirty="0">
               <a:latin typeface="Times New Roman"/>
               <a:cs typeface="Times New Roman"/>
             </a:endParaRPr>
@@ -11710,35 +11552,35 @@
               <a:buChar char="•"/>
             </a:pPr>
             <a:r>
-              <a:rPr lang="en-US" sz="2400" dirty="0" smtClean="0">
+              <a:rPr lang="en-US" sz="2400" dirty="0">
                 <a:latin typeface="Times New Roman"/>
                 <a:cs typeface="Times New Roman"/>
               </a:rPr>
               <a:t>For each “bootstrap sample”, </a:t>
             </a:r>
             <a:r>
-              <a:rPr lang="en-US" sz="2400" b="1" dirty="0" smtClean="0">
+              <a:rPr lang="en-US" sz="2400" b="1" dirty="0">
                 <a:latin typeface="Times New Roman"/>
                 <a:cs typeface="Times New Roman"/>
               </a:rPr>
               <a:t>x</a:t>
             </a:r>
             <a:r>
-              <a:rPr lang="en-US" sz="2400" dirty="0" smtClean="0">
+              <a:rPr lang="en-US" sz="2400" dirty="0">
                 <a:latin typeface="Times New Roman"/>
                 <a:cs typeface="Times New Roman"/>
               </a:rPr>
               <a:t>*, compute your statistic of interest </a:t>
             </a:r>
             <a:r>
-              <a:rPr lang="en-US" sz="2400" i="1" dirty="0" smtClean="0">
+              <a:rPr lang="en-US" sz="2400" i="1" dirty="0">
                 <a:latin typeface="Symbol" charset="2"/>
                 <a:cs typeface="Symbol" charset="2"/>
               </a:rPr>
               <a:t>q</a:t>
             </a:r>
             <a:r>
-              <a:rPr lang="en-US" sz="2400" dirty="0" smtClean="0">
+              <a:rPr lang="en-US" sz="2400" dirty="0">
                 <a:latin typeface="Times New Roman"/>
                 <a:cs typeface="Times New Roman"/>
               </a:rPr>
@@ -11793,14 +11635,14 @@
           <a:lstStyle/>
           <a:p>
             <a:r>
-              <a:rPr lang="en-US" sz="2600" dirty="0" smtClean="0">
+              <a:rPr lang="en-US" sz="2600" dirty="0">
                 <a:latin typeface="Times New Roman"/>
                 <a:cs typeface="Times New Roman"/>
               </a:rPr>
               <a:t>and re-samples (“bootstraps”) it many times, </a:t>
             </a:r>
             <a:r>
-              <a:rPr lang="en-US" sz="2600" i="1" dirty="0" smtClean="0">
+              <a:rPr lang="en-US" sz="2600" i="1" dirty="0">
                 <a:latin typeface="Times New Roman"/>
                 <a:cs typeface="Times New Roman"/>
               </a:rPr>
@@ -11835,39 +11677,25 @@
               <a:buChar char="•"/>
             </a:pPr>
             <a:r>
-              <a:rPr lang="en-US" sz="2400" dirty="0" smtClean="0">
+              <a:rPr lang="en-US" sz="2400" dirty="0">
                 <a:latin typeface="Times New Roman"/>
                 <a:cs typeface="Times New Roman"/>
               </a:rPr>
               <a:t>The collection of </a:t>
             </a:r>
             <a:r>
-              <a:rPr lang="en-US" sz="2400" i="1" dirty="0" smtClean="0">
+              <a:rPr lang="en-US" sz="2400" i="1" dirty="0">
                 <a:latin typeface="Times New Roman"/>
                 <a:cs typeface="Times New Roman"/>
               </a:rPr>
               <a:t>B</a:t>
             </a:r>
             <a:r>
-              <a:rPr lang="en-US" sz="2400" dirty="0" smtClean="0">
+              <a:rPr lang="en-US" sz="2400" dirty="0">
                 <a:latin typeface="Times New Roman"/>
                 <a:cs typeface="Times New Roman"/>
               </a:rPr>
               <a:t> </a:t>
-            </a:r>
-            <a:r>
-              <a:rPr lang="en-US" sz="2400" i="1" dirty="0" smtClean="0">
-                <a:latin typeface="Symbol" charset="2"/>
-                <a:cs typeface="Symbol" charset="2"/>
-              </a:rPr>
-              <a:t>q</a:t>
-            </a:r>
-            <a:r>
-              <a:rPr lang="en-US" sz="2400" dirty="0" smtClean="0">
-                <a:latin typeface="Times New Roman"/>
-                <a:cs typeface="Times New Roman"/>
-              </a:rPr>
-              <a:t>*’s is the “bootstrap approximation” for the sampling distribution of </a:t>
             </a:r>
             <a:r>
               <a:rPr lang="en-US" sz="2400" i="1" dirty="0">
@@ -11877,7 +11705,21 @@
               <a:t>q</a:t>
             </a:r>
             <a:r>
-              <a:rPr lang="en-US" sz="2400" dirty="0" smtClean="0">
+              <a:rPr lang="en-US" sz="2400" dirty="0">
+                <a:latin typeface="Times New Roman"/>
+                <a:cs typeface="Times New Roman"/>
+              </a:rPr>
+              <a:t>*’s is the “bootstrap approximation” for the sampling distribution of </a:t>
+            </a:r>
+            <a:r>
+              <a:rPr lang="en-US" sz="2400" i="1" dirty="0">
+                <a:latin typeface="Symbol" charset="2"/>
+                <a:cs typeface="Symbol" charset="2"/>
+              </a:rPr>
+              <a:t>q</a:t>
+            </a:r>
+            <a:r>
+              <a:rPr lang="en-US" sz="2400" dirty="0">
                 <a:latin typeface="Times New Roman"/>
                 <a:cs typeface="Times New Roman"/>
               </a:rPr>
@@ -11899,7 +11741,7 @@
   <p:timing>
     <p:tnLst>
       <p:par>
-        <p:cTn xmlns:p14="http://schemas.microsoft.com/office/powerpoint/2010/main" id="1" dur="indefinite" restart="never" nodeType="tmRoot">
+        <p:cTn id="1" dur="indefinite" restart="never" nodeType="tmRoot">
           <p:childTnLst>
             <p:seq concurrent="1" nextAc="seek">
               <p:cTn id="2" dur="indefinite" nodeType="mainSeq">
@@ -12448,7 +12290,7 @@
               </a:tabLst>
             </a:pPr>
             <a:r>
-              <a:rPr lang="en-US" sz="4000" dirty="0" smtClean="0">
+              <a:rPr lang="en-US" sz="4000" dirty="0">
                 <a:solidFill>
                   <a:schemeClr val="tx1"/>
                 </a:solidFill>
@@ -12465,7 +12307,7 @@
               <a:t>D</a:t>
             </a:r>
             <a:r>
-              <a:rPr lang="en-US" sz="4000" dirty="0" smtClean="0">
+              <a:rPr lang="en-US" sz="4000" dirty="0">
                 <a:solidFill>
                   <a:schemeClr val="tx1"/>
                 </a:solidFill>
@@ -12482,7 +12324,7 @@
               <a:t>K</a:t>
             </a:r>
             <a:r>
-              <a:rPr lang="en-US" sz="4000" dirty="0" smtClean="0">
+              <a:rPr lang="en-US" sz="4000" dirty="0">
                 <a:solidFill>
                   <a:schemeClr val="tx1"/>
                 </a:solidFill>
@@ -12499,7 +12341,7 @@
               <a:t>A</a:t>
             </a:r>
             <a:r>
-              <a:rPr lang="en-US" sz="4000" i="1" u="sng" dirty="0" smtClean="0">
+              <a:rPr lang="en-US" sz="4000" i="1" u="sng" dirty="0">
                 <a:solidFill>
                   <a:schemeClr val="tx1"/>
                 </a:solidFill>
@@ -12509,7 +12351,7 @@
               <a:t>nything</a:t>
             </a:r>
             <a:r>
-              <a:rPr lang="en-US" sz="4000" dirty="0" smtClean="0">
+              <a:rPr lang="en-US" sz="4000" dirty="0">
                 <a:solidFill>
                   <a:schemeClr val="tx1"/>
                 </a:solidFill>
@@ -12526,7 +12368,7 @@
               <a:t>F</a:t>
             </a:r>
             <a:r>
-              <a:rPr lang="en-US" sz="4000" dirty="0" smtClean="0">
+              <a:rPr lang="en-US" sz="4000" dirty="0">
                 <a:solidFill>
                   <a:schemeClr val="tx1"/>
                 </a:solidFill>
@@ -12543,7 +12385,7 @@
               <a:t>S</a:t>
             </a:r>
             <a:r>
-              <a:rPr lang="en-US" sz="4000" dirty="0" smtClean="0">
+              <a:rPr lang="en-US" sz="4000" dirty="0">
                 <a:solidFill>
                   <a:schemeClr val="tx1"/>
                 </a:solidFill>
@@ -12613,7 +12455,7 @@
               <a:buChar char="•"/>
             </a:pPr>
             <a:r>
-              <a:rPr lang="en-US" sz="2600" dirty="0" smtClean="0">
+              <a:rPr lang="en-US" sz="2600" dirty="0">
                 <a:latin typeface="Times New Roman"/>
                 <a:cs typeface="Times New Roman"/>
               </a:rPr>
@@ -12648,21 +12490,21 @@
               <a:buChar char="•"/>
             </a:pPr>
             <a:r>
-              <a:rPr lang="en-US" sz="2400" dirty="0" smtClean="0">
+              <a:rPr lang="en-US" sz="2400" dirty="0">
                 <a:latin typeface="Times New Roman"/>
                 <a:cs typeface="Times New Roman"/>
               </a:rPr>
               <a:t>PMFs and PDFs depend on parameters that we </a:t>
             </a:r>
             <a:r>
-              <a:rPr lang="en-US" sz="2400" i="1" u="sng" dirty="0" smtClean="0">
+              <a:rPr lang="en-US" sz="2400" i="1" u="sng" dirty="0">
                 <a:latin typeface="Times New Roman"/>
                 <a:cs typeface="Times New Roman"/>
               </a:rPr>
               <a:t>don’t know</a:t>
             </a:r>
             <a:r>
-              <a:rPr lang="en-US" sz="2400" dirty="0" smtClean="0">
+              <a:rPr lang="en-US" sz="2400" dirty="0">
                 <a:latin typeface="Times New Roman"/>
                 <a:cs typeface="Times New Roman"/>
               </a:rPr>
@@ -12675,7 +12517,7 @@
               <a:buChar char="•"/>
             </a:pPr>
             <a:r>
-              <a:rPr lang="en-US" sz="2400" dirty="0" smtClean="0">
+              <a:rPr lang="en-US" sz="2400" dirty="0">
                 <a:latin typeface="Times New Roman"/>
                 <a:cs typeface="Times New Roman"/>
               </a:rPr>
@@ -12710,7 +12552,7 @@
               <a:buChar char="•"/>
             </a:pPr>
             <a:r>
-              <a:rPr lang="en-US" sz="2600" dirty="0" smtClean="0">
+              <a:rPr lang="en-US" sz="2600" dirty="0">
                 <a:latin typeface="Times New Roman"/>
                 <a:cs typeface="Times New Roman"/>
               </a:rPr>
@@ -12765,7 +12607,7 @@
           <a:lstStyle/>
           <a:p>
             <a:r>
-              <a:rPr lang="en-US" sz="2400" dirty="0" smtClean="0">
+              <a:rPr lang="en-US" sz="2400" dirty="0">
                 <a:latin typeface="Times New Roman"/>
                 <a:cs typeface="Times New Roman"/>
               </a:rPr>
@@ -12797,7 +12639,7 @@
           <a:lstStyle/>
           <a:p>
             <a:r>
-              <a:rPr lang="en-US" sz="1200" dirty="0" smtClean="0">
+              <a:rPr lang="en-US" sz="1200" dirty="0">
                 <a:latin typeface="Times New Roman"/>
                 <a:cs typeface="Times New Roman"/>
               </a:rPr>
@@ -12820,7 +12662,7 @@
   <p:timing>
     <p:tnLst>
       <p:par>
-        <p:cTn xmlns:p14="http://schemas.microsoft.com/office/powerpoint/2010/main" id="1" dur="indefinite" restart="never" nodeType="tmRoot">
+        <p:cTn id="1" dur="indefinite" restart="never" nodeType="tmRoot">
           <p:childTnLst>
             <p:seq concurrent="1" nextAc="seek">
               <p:cTn id="2" dur="indefinite" nodeType="mainSeq">
@@ -13346,21 +13188,21 @@
           <a:lstStyle/>
           <a:p>
             <a:r>
-              <a:rPr lang="en-US" sz="2600" dirty="0" smtClean="0">
+              <a:rPr lang="en-US" sz="2600" dirty="0">
                 <a:latin typeface="Times New Roman"/>
                 <a:cs typeface="Times New Roman"/>
               </a:rPr>
               <a:t>Consider the measurements of the length of a gun barrel (</a:t>
             </a:r>
             <a:r>
-              <a:rPr lang="en-US" sz="2600" i="1" dirty="0" smtClean="0">
+              <a:rPr lang="en-US" sz="2600" i="1" dirty="0">
                 <a:latin typeface="Times New Roman"/>
                 <a:cs typeface="Times New Roman"/>
               </a:rPr>
               <a:t>in</a:t>
             </a:r>
             <a:r>
-              <a:rPr lang="en-US" sz="2600" dirty="0" smtClean="0">
+              <a:rPr lang="en-US" sz="2600" dirty="0">
                 <a:latin typeface="Times New Roman"/>
                 <a:cs typeface="Times New Roman"/>
               </a:rPr>
@@ -13420,7 +13262,7 @@
               </a:tabLst>
             </a:pPr>
             <a:r>
-              <a:rPr lang="en-US" sz="4000" dirty="0" smtClean="0">
+              <a:rPr lang="en-US" sz="4000" dirty="0">
                 <a:solidFill>
                   <a:schemeClr val="tx1"/>
                 </a:solidFill>
@@ -13461,40 +13303,15 @@
               </a:rPr>
               <a:t>18.449, 18.468, 18.431, 18.390, 18.450, </a:t>
             </a:r>
-            <a:endParaRPr lang="en-US" sz="2800" dirty="0" smtClean="0">
-              <a:latin typeface="Times"/>
-              <a:cs typeface="Times"/>
-            </a:endParaRPr>
           </a:p>
           <a:p>
             <a:pPr algn="ctr"/>
-            <a:r>
-              <a:rPr lang="en-US" sz="2800" dirty="0" smtClean="0">
-                <a:latin typeface="Times"/>
-                <a:cs typeface="Times"/>
-              </a:rPr>
-              <a:t>18.426</a:t>
-            </a:r>
             <a:r>
               <a:rPr lang="en-US" sz="2800" dirty="0">
                 <a:latin typeface="Times"/>
                 <a:cs typeface="Times"/>
               </a:rPr>
-              <a:t>, </a:t>
-            </a:r>
-            <a:r>
-              <a:rPr lang="en-US" sz="2800" dirty="0" smtClean="0">
-                <a:latin typeface="Times"/>
-                <a:cs typeface="Times"/>
-              </a:rPr>
-              <a:t>18.401, 18.438</a:t>
-            </a:r>
-            <a:r>
-              <a:rPr lang="en-US" sz="2800" dirty="0">
-                <a:latin typeface="Times"/>
-                <a:cs typeface="Times"/>
-              </a:rPr>
-              <a:t>, 18.431, 18.417</a:t>
+              <a:t>18.426, 18.401, 18.438, 18.431, 18.417</a:t>
             </a:r>
           </a:p>
         </p:txBody>
@@ -13524,25 +13341,11 @@
               <a:buAutoNum type="alphaLcPeriod"/>
             </a:pPr>
             <a:r>
-              <a:rPr lang="en-US" sz="2400" dirty="0" smtClean="0">
-                <a:latin typeface="Times New Roman"/>
-                <a:cs typeface="Times New Roman"/>
-              </a:rPr>
-              <a:t>Find a bootstrap</a:t>
-            </a:r>
-            <a:r>
               <a:rPr lang="en-US" sz="2400" dirty="0">
                 <a:latin typeface="Times New Roman"/>
                 <a:cs typeface="Times New Roman"/>
               </a:rPr>
-              <a:t> </a:t>
-            </a:r>
-            <a:r>
-              <a:rPr lang="en-US" sz="2400" dirty="0" smtClean="0">
-                <a:latin typeface="Times New Roman"/>
-                <a:cs typeface="Times New Roman"/>
-              </a:rPr>
-              <a:t>approximation for the sampling distribution of the mean</a:t>
+              <a:t>Find a bootstrap approximation for the sampling distribution of the mean</a:t>
             </a:r>
           </a:p>
           <a:p>
@@ -13555,14 +13358,7 @@
                 <a:latin typeface="Times New Roman"/>
                 <a:cs typeface="Times New Roman"/>
               </a:rPr>
-              <a:t>Find a bootstrap approximation for the sampling distribution of the </a:t>
-            </a:r>
-            <a:r>
-              <a:rPr lang="en-US" sz="2400" dirty="0" smtClean="0">
-                <a:latin typeface="Times New Roman"/>
-                <a:cs typeface="Times New Roman"/>
-              </a:rPr>
-              <a:t>median</a:t>
+              <a:t>Find a bootstrap approximation for the sampling distribution of the median</a:t>
             </a:r>
           </a:p>
           <a:p>
@@ -13575,19 +13371,8 @@
                 <a:latin typeface="Times New Roman"/>
                 <a:cs typeface="Times New Roman"/>
               </a:rPr>
-              <a:t>Find a bootstrap approximation for the sampling distribution of the </a:t>
-            </a:r>
-            <a:r>
-              <a:rPr lang="en-US" sz="2400" dirty="0" smtClean="0">
-                <a:latin typeface="Times New Roman"/>
-                <a:cs typeface="Times New Roman"/>
-              </a:rPr>
-              <a:t>measurement standard deviation</a:t>
-            </a:r>
-            <a:endParaRPr lang="en-US" sz="2400" dirty="0">
-              <a:latin typeface="Times New Roman"/>
-              <a:cs typeface="Times New Roman"/>
-            </a:endParaRPr>
+              <a:t>Find a bootstrap approximation for the sampling distribution of the measurement standard deviation</a:t>
+            </a:r>
           </a:p>
         </p:txBody>
       </p:sp>
@@ -13601,13 +13386,6 @@
   <p:clrMapOvr>
     <a:masterClrMapping/>
   </p:clrMapOvr>
-  <p:timing>
-    <p:tnLst>
-      <p:par>
-        <p:cTn xmlns:p14="http://schemas.microsoft.com/office/powerpoint/2010/main" id="1" dur="indefinite" restart="never" nodeType="tmRoot"/>
-      </p:par>
-    </p:tnLst>
-  </p:timing>
 </p:sld>
 </file>
 
@@ -13660,18 +13438,34 @@
                 <a:latin typeface="Courier"/>
                 <a:cs typeface="Courier"/>
               </a:rPr>
-              <a:t># </a:t>
-            </a:r>
-            <a:r>
-              <a:rPr lang="en-US" sz="1300" dirty="0" smtClean="0">
+              <a:t># Length measurements (in):</a:t>
+            </a:r>
+          </a:p>
+          <a:p>
+            <a:r>
+              <a:rPr lang="en-US" sz="1300" dirty="0">
                 <a:solidFill>
-                  <a:srgbClr val="FFFF00"/>
+                  <a:schemeClr val="bg1"/>
                 </a:solidFill>
                 <a:latin typeface="Courier"/>
                 <a:cs typeface="Courier"/>
               </a:rPr>
-              <a:t>Length measurements (in):</a:t>
-            </a:r>
+              <a:t>x &lt;- c(18.449, 18.468, 18.431, 18.390, 18.450, </a:t>
+            </a:r>
+          </a:p>
+          <a:p>
+            <a:r>
+              <a:rPr lang="en-US" sz="1300" dirty="0">
+                <a:solidFill>
+                  <a:schemeClr val="bg1"/>
+                </a:solidFill>
+                <a:latin typeface="Courier"/>
+                <a:cs typeface="Courier"/>
+              </a:rPr>
+              <a:t>       18.426, 18.401, 18.438, 18.431, 18.417)</a:t>
+            </a:r>
+          </a:p>
+          <a:p>
             <a:endParaRPr lang="en-US" sz="1300" dirty="0">
               <a:solidFill>
                 <a:srgbClr val="FFFF00"/>
@@ -13689,30 +13483,10 @@
                 <a:latin typeface="Courier"/>
                 <a:cs typeface="Courier"/>
               </a:rPr>
-              <a:t>x &lt;- c(</a:t>
-            </a:r>
-            <a:r>
-              <a:rPr lang="en-US" sz="1300" dirty="0" smtClean="0">
-                <a:solidFill>
-                  <a:schemeClr val="bg1"/>
-                </a:solidFill>
-                <a:latin typeface="Courier"/>
-                <a:cs typeface="Courier"/>
-              </a:rPr>
-              <a:t>18.449, 18.468, 18.431, 18.390, 18.450, </a:t>
-            </a:r>
-          </a:p>
-          <a:p>
-            <a:r>
-              <a:rPr lang="en-US" sz="1300" dirty="0" smtClean="0">
-                <a:solidFill>
-                  <a:schemeClr val="bg1"/>
-                </a:solidFill>
-                <a:latin typeface="Courier"/>
-                <a:cs typeface="Courier"/>
-              </a:rPr>
-              <a:t>       18.426, 18.401, 18.438, 18.431, </a:t>
-            </a:r>
+              <a:t>n &lt;- length(x)</a:t>
+            </a:r>
+          </a:p>
+          <a:p>
             <a:r>
               <a:rPr lang="en-US" sz="1300" dirty="0">
                 <a:solidFill>
@@ -13721,49 +13495,6 @@
                 <a:latin typeface="Courier"/>
                 <a:cs typeface="Courier"/>
               </a:rPr>
-              <a:t>18.417</a:t>
-            </a:r>
-            <a:r>
-              <a:rPr lang="en-US" sz="1300" dirty="0" smtClean="0">
-                <a:solidFill>
-                  <a:schemeClr val="bg1"/>
-                </a:solidFill>
-                <a:latin typeface="Courier"/>
-                <a:cs typeface="Courier"/>
-              </a:rPr>
-              <a:t>)</a:t>
-            </a:r>
-          </a:p>
-          <a:p>
-            <a:endParaRPr lang="en-US" sz="1300" dirty="0">
-              <a:solidFill>
-                <a:srgbClr val="FFFF00"/>
-              </a:solidFill>
-              <a:latin typeface="Courier"/>
-              <a:cs typeface="Courier"/>
-            </a:endParaRPr>
-          </a:p>
-          <a:p>
-            <a:r>
-              <a:rPr lang="en-US" sz="1300" dirty="0">
-                <a:solidFill>
-                  <a:schemeClr val="bg1"/>
-                </a:solidFill>
-                <a:latin typeface="Courier"/>
-                <a:cs typeface="Courier"/>
-              </a:rPr>
-              <a:t>n &lt;- length(x)</a:t>
-            </a:r>
-          </a:p>
-          <a:p>
-            <a:r>
-              <a:rPr lang="en-US" sz="1300" dirty="0">
-                <a:solidFill>
-                  <a:schemeClr val="bg1"/>
-                </a:solidFill>
-                <a:latin typeface="Courier"/>
-                <a:cs typeface="Courier"/>
-              </a:rPr>
               <a:t>B &lt;- 2000 </a:t>
             </a:r>
             <a:r>
@@ -13774,25 +13505,8 @@
                 <a:latin typeface="Courier"/>
                 <a:cs typeface="Courier"/>
               </a:rPr>
-              <a:t># Do this many bootstrap </a:t>
-            </a:r>
-            <a:r>
-              <a:rPr lang="en-US" sz="1300" dirty="0" smtClean="0">
-                <a:solidFill>
-                  <a:srgbClr val="FFFF00"/>
-                </a:solidFill>
-                <a:latin typeface="Courier"/>
-                <a:cs typeface="Courier"/>
-              </a:rPr>
-              <a:t>iterations</a:t>
-            </a:r>
-            <a:endParaRPr lang="en-US" sz="1300" dirty="0">
-              <a:solidFill>
-                <a:srgbClr val="FFFF00"/>
-              </a:solidFill>
-              <a:latin typeface="Courier"/>
-              <a:cs typeface="Courier"/>
-            </a:endParaRPr>
+              <a:t># Do this many bootstrap iterations</a:t>
+            </a:r>
           </a:p>
           <a:p>
             <a:endParaRPr lang="en-US" sz="1300" dirty="0">
@@ -14083,7 +13797,7 @@
               <a:t>boot.samp.sd</a:t>
             </a:r>
             <a:r>
-              <a:rPr lang="en-US" sz="1300" dirty="0" smtClean="0">
+              <a:rPr lang="en-US" sz="1300" dirty="0">
                 <a:solidFill>
                   <a:schemeClr val="bg1"/>
                 </a:solidFill>
@@ -14092,13 +13806,6 @@
               </a:rPr>
               <a:t>)</a:t>
             </a:r>
-            <a:endParaRPr lang="en-US" sz="1300" dirty="0">
-              <a:solidFill>
-                <a:schemeClr val="bg1"/>
-              </a:solidFill>
-              <a:latin typeface="Courier"/>
-              <a:cs typeface="Courier"/>
-            </a:endParaRPr>
           </a:p>
         </p:txBody>
       </p:sp>
@@ -14185,7 +13892,7 @@
               </a:tabLst>
             </a:pPr>
             <a:r>
-              <a:rPr lang="en-US" sz="4000" dirty="0" smtClean="0">
+              <a:rPr lang="en-US" sz="4000" dirty="0">
                 <a:solidFill>
                   <a:schemeClr val="tx1"/>
                 </a:solidFill>
@@ -14279,7 +13986,7 @@
   <p:timing>
     <p:tnLst>
       <p:par>
-        <p:cTn xmlns:p14="http://schemas.microsoft.com/office/powerpoint/2010/main" id="1" dur="indefinite" restart="never" nodeType="tmRoot">
+        <p:cTn id="1" dur="indefinite" restart="never" nodeType="tmRoot">
           <p:childTnLst>
             <p:seq concurrent="1" nextAc="seek">
               <p:cTn id="2" dur="indefinite" nodeType="mainSeq">
@@ -14632,7 +14339,7 @@
               </a:tabLst>
             </a:pPr>
             <a:r>
-              <a:rPr lang="en-US" sz="4000" dirty="0" smtClean="0">
+              <a:rPr lang="en-US" sz="4000" dirty="0">
                 <a:solidFill>
                   <a:schemeClr val="tx1"/>
                 </a:solidFill>
@@ -14702,21 +14409,21 @@
               <a:buChar char="•"/>
             </a:pPr>
             <a:r>
-              <a:rPr lang="en-US" sz="2600" dirty="0" smtClean="0">
+              <a:rPr lang="en-US" sz="2600" dirty="0">
                 <a:latin typeface="Times New Roman"/>
                 <a:cs typeface="Times New Roman"/>
               </a:rPr>
               <a:t>The set of </a:t>
             </a:r>
             <a:r>
-              <a:rPr lang="en-US" sz="2600" i="1" dirty="0" smtClean="0">
+              <a:rPr lang="en-US" sz="2600" i="1" dirty="0">
                 <a:latin typeface="Times New Roman"/>
                 <a:cs typeface="Times New Roman"/>
               </a:rPr>
               <a:t>B</a:t>
             </a:r>
             <a:r>
-              <a:rPr lang="en-US" sz="2600" dirty="0" smtClean="0">
+              <a:rPr lang="en-US" sz="2600" dirty="0">
                 <a:latin typeface="Times New Roman"/>
                 <a:cs typeface="Times New Roman"/>
               </a:rPr>
@@ -14729,49 +14436,49 @@
               <a:buChar char="•"/>
             </a:pPr>
             <a:r>
-              <a:rPr lang="en-US" sz="2400" dirty="0" smtClean="0">
+              <a:rPr lang="en-US" sz="2400" dirty="0">
                 <a:latin typeface="Times New Roman"/>
                 <a:cs typeface="Times New Roman"/>
               </a:rPr>
               <a:t>Average all the      together to get the </a:t>
             </a:r>
             <a:r>
-              <a:rPr lang="en-US" sz="2400" b="1" dirty="0" smtClean="0">
+              <a:rPr lang="en-US" sz="2400" b="1" dirty="0">
                 <a:latin typeface="Times New Roman"/>
                 <a:cs typeface="Times New Roman"/>
               </a:rPr>
               <a:t>bootstrap</a:t>
             </a:r>
             <a:r>
-              <a:rPr lang="en-US" sz="2400" dirty="0" smtClean="0">
+              <a:rPr lang="en-US" sz="2400" dirty="0">
                 <a:latin typeface="Times New Roman"/>
                 <a:cs typeface="Times New Roman"/>
               </a:rPr>
               <a:t> based </a:t>
             </a:r>
             <a:r>
-              <a:rPr lang="en-US" sz="2400" b="1" dirty="0" smtClean="0">
+              <a:rPr lang="en-US" sz="2400" b="1" dirty="0">
                 <a:latin typeface="Times New Roman"/>
                 <a:cs typeface="Times New Roman"/>
               </a:rPr>
               <a:t>point estimate</a:t>
             </a:r>
             <a:r>
-              <a:rPr lang="en-US" sz="2400" dirty="0" smtClean="0">
+              <a:rPr lang="en-US" sz="2400" dirty="0">
                 <a:latin typeface="Times New Roman"/>
                 <a:cs typeface="Times New Roman"/>
               </a:rPr>
               <a:t> for </a:t>
             </a:r>
             <a:r>
-              <a:rPr lang="en-US" sz="2400" i="1" dirty="0" smtClean="0">
+              <a:rPr lang="en-US" sz="2400" i="1" dirty="0">
                 <a:latin typeface="Symbol" charset="2"/>
                 <a:cs typeface="Symbol" charset="2"/>
               </a:rPr>
               <a:t>q </a:t>
             </a:r>
             <a:r>
-              <a:rPr lang="en-US" sz="2400" dirty="0" smtClean="0">
+              <a:rPr lang="en-US" sz="2400" dirty="0">
                 <a:latin typeface="Times New Roman"/>
                 <a:cs typeface="Times New Roman"/>
               </a:rPr>
@@ -14878,49 +14585,49 @@
               <a:buChar char="•"/>
             </a:pPr>
             <a:r>
-              <a:rPr lang="en-US" sz="2400" dirty="0" smtClean="0">
+              <a:rPr lang="en-US" sz="2400" dirty="0">
                 <a:latin typeface="Times New Roman"/>
                 <a:cs typeface="Times New Roman"/>
               </a:rPr>
               <a:t>Compute the unbiased </a:t>
             </a:r>
             <a:r>
-              <a:rPr lang="en-US" sz="2400" dirty="0" err="1" smtClean="0">
+              <a:rPr lang="en-US" sz="2400" dirty="0" err="1">
                 <a:latin typeface="Times New Roman"/>
                 <a:cs typeface="Times New Roman"/>
               </a:rPr>
               <a:t>s.d.</a:t>
             </a:r>
             <a:r>
-              <a:rPr lang="en-US" sz="2400" dirty="0" smtClean="0">
+              <a:rPr lang="en-US" sz="2400" dirty="0">
                 <a:latin typeface="Times New Roman"/>
                 <a:cs typeface="Times New Roman"/>
               </a:rPr>
               <a:t> over all the      to get the </a:t>
             </a:r>
             <a:r>
-              <a:rPr lang="en-US" sz="2400" b="1" dirty="0" smtClean="0">
+              <a:rPr lang="en-US" sz="2400" b="1" dirty="0">
                 <a:latin typeface="Times New Roman"/>
                 <a:cs typeface="Times New Roman"/>
               </a:rPr>
               <a:t>bootstrap</a:t>
             </a:r>
             <a:r>
-              <a:rPr lang="en-US" sz="2400" dirty="0" smtClean="0">
+              <a:rPr lang="en-US" sz="2400" dirty="0">
                 <a:latin typeface="Times New Roman"/>
                 <a:cs typeface="Times New Roman"/>
               </a:rPr>
               <a:t> based </a:t>
             </a:r>
             <a:r>
-              <a:rPr lang="en-US" sz="2400" b="1" dirty="0" smtClean="0">
+              <a:rPr lang="en-US" sz="2400" b="1" dirty="0">
                 <a:latin typeface="Times New Roman"/>
                 <a:cs typeface="Times New Roman"/>
               </a:rPr>
               <a:t>standard error estimate</a:t>
             </a:r>
             <a:r>
-              <a:rPr lang="en-US" sz="2400" dirty="0" smtClean="0">
+              <a:rPr lang="en-US" sz="2400" dirty="0">
                 <a:latin typeface="Times New Roman"/>
                 <a:cs typeface="Times New Roman"/>
               </a:rPr>
@@ -14931,26 +14638,15 @@
                 <a:latin typeface="Symbol" charset="2"/>
                 <a:cs typeface="Symbol" charset="2"/>
               </a:rPr>
-              <a:t> </a:t>
-            </a:r>
-            <a:r>
-              <a:rPr lang="en-US" sz="2400" i="1" dirty="0" smtClean="0">
-                <a:latin typeface="Symbol" charset="2"/>
-                <a:cs typeface="Symbol" charset="2"/>
-              </a:rPr>
-              <a:t> </a:t>
-            </a:r>
-            <a:r>
-              <a:rPr lang="en-US" sz="2400" dirty="0" smtClean="0">
+              <a:t>  </a:t>
+            </a:r>
+            <a:r>
+              <a:rPr lang="en-US" sz="2400" dirty="0">
                 <a:latin typeface="Times New Roman"/>
                 <a:cs typeface="Times New Roman"/>
               </a:rPr>
               <a:t> :</a:t>
             </a:r>
-            <a:endParaRPr lang="en-US" sz="2400" dirty="0">
-              <a:latin typeface="Times New Roman"/>
-              <a:cs typeface="Times New Roman"/>
-            </a:endParaRPr>
           </a:p>
         </p:txBody>
       </p:sp>
@@ -15126,7 +14822,7 @@
   <p:timing>
     <p:tnLst>
       <p:par>
-        <p:cTn xmlns:p14="http://schemas.microsoft.com/office/powerpoint/2010/main" id="1" dur="indefinite" restart="never" nodeType="tmRoot">
+        <p:cTn id="1" dur="indefinite" restart="never" nodeType="tmRoot">
           <p:childTnLst>
             <p:seq concurrent="1" nextAc="seek">
               <p:cTn id="2" dur="indefinite" nodeType="mainSeq">
@@ -15366,7 +15062,7 @@
           <a:lstStyle/>
           <a:p>
             <a:r>
-              <a:rPr lang="en-US" dirty="0" smtClean="0">
+              <a:rPr lang="en-US" dirty="0">
                 <a:solidFill>
                   <a:srgbClr val="FFFF00"/>
                 </a:solidFill>
@@ -15375,17 +15071,10 @@
               </a:rPr>
               <a:t># Bootstrap estimate for the mean</a:t>
             </a:r>
-            <a:endParaRPr lang="en-US" dirty="0">
-              <a:solidFill>
-                <a:srgbClr val="FFFF00"/>
-              </a:solidFill>
-              <a:latin typeface="Courier"/>
-              <a:cs typeface="Courier"/>
-            </a:endParaRPr>
-          </a:p>
-          <a:p>
-            <a:r>
-              <a:rPr lang="en-US" dirty="0" smtClean="0">
+          </a:p>
+          <a:p>
+            <a:r>
+              <a:rPr lang="en-US" dirty="0">
                 <a:solidFill>
                   <a:schemeClr val="bg1"/>
                 </a:solidFill>
@@ -15416,35 +15105,6 @@
             </a:r>
           </a:p>
           <a:p>
-            <a:endParaRPr lang="en-US" dirty="0" smtClean="0">
-              <a:solidFill>
-                <a:schemeClr val="bg1"/>
-              </a:solidFill>
-              <a:latin typeface="Courier"/>
-              <a:cs typeface="Courier"/>
-            </a:endParaRPr>
-          </a:p>
-          <a:p>
-            <a:r>
-              <a:rPr lang="en-US" dirty="0">
-                <a:solidFill>
-                  <a:srgbClr val="FFFF00"/>
-                </a:solidFill>
-                <a:latin typeface="Courier"/>
-                <a:cs typeface="Courier"/>
-              </a:rPr>
-              <a:t># Bootstrap estimate for the </a:t>
-            </a:r>
-            <a:r>
-              <a:rPr lang="en-US" dirty="0" smtClean="0">
-                <a:solidFill>
-                  <a:srgbClr val="FFFF00"/>
-                </a:solidFill>
-                <a:latin typeface="Courier"/>
-                <a:cs typeface="Courier"/>
-              </a:rPr>
-              <a:t>median</a:t>
-            </a:r>
             <a:endParaRPr lang="en-US" dirty="0">
               <a:solidFill>
                 <a:schemeClr val="bg1"/>
@@ -15455,47 +15115,6 @@
           </a:p>
           <a:p>
             <a:r>
-              <a:rPr lang="en-US" dirty="0" smtClean="0">
-                <a:solidFill>
-                  <a:schemeClr val="bg1"/>
-                </a:solidFill>
-                <a:latin typeface="Courier"/>
-                <a:cs typeface="Courier"/>
-              </a:rPr>
-              <a:t>mean(</a:t>
-            </a:r>
-            <a:r>
-              <a:rPr lang="en-US" dirty="0" err="1">
-                <a:solidFill>
-                  <a:schemeClr val="bg1"/>
-                </a:solidFill>
-                <a:latin typeface="Courier"/>
-                <a:cs typeface="Courier"/>
-              </a:rPr>
-              <a:t>boot.samp.med</a:t>
-            </a:r>
-            <a:r>
-              <a:rPr lang="en-US" dirty="0">
-                <a:solidFill>
-                  <a:schemeClr val="bg1"/>
-                </a:solidFill>
-                <a:latin typeface="Courier"/>
-                <a:cs typeface="Courier"/>
-              </a:rPr>
-              <a:t>)</a:t>
-            </a:r>
-          </a:p>
-          <a:p>
-            <a:endParaRPr lang="en-US" dirty="0" smtClean="0">
-              <a:solidFill>
-                <a:schemeClr val="bg1"/>
-              </a:solidFill>
-              <a:latin typeface="Courier"/>
-              <a:cs typeface="Courier"/>
-            </a:endParaRPr>
-          </a:p>
-          <a:p>
-            <a:r>
               <a:rPr lang="en-US" dirty="0">
                 <a:solidFill>
                   <a:srgbClr val="FFFF00"/>
@@ -15503,17 +15122,7 @@
                 <a:latin typeface="Courier"/>
                 <a:cs typeface="Courier"/>
               </a:rPr>
-              <a:t># Bootstrap estimate for the </a:t>
-            </a:r>
-            <a:r>
-              <a:rPr lang="en-US" dirty="0" smtClean="0">
-                <a:solidFill>
-                  <a:srgbClr val="FFFF00"/>
-                </a:solidFill>
-                <a:latin typeface="Courier"/>
-                <a:cs typeface="Courier"/>
-              </a:rPr>
-              <a:t>measurement standard deviation</a:t>
+              <a:t># Bootstrap estimate for the median</a:t>
             </a:r>
             <a:endParaRPr lang="en-US" dirty="0">
               <a:solidFill>
@@ -15525,7 +15134,7 @@
           </a:p>
           <a:p>
             <a:r>
-              <a:rPr lang="en-US" dirty="0" smtClean="0">
+              <a:rPr lang="en-US" dirty="0">
                 <a:solidFill>
                   <a:schemeClr val="bg1"/>
                 </a:solidFill>
@@ -15542,10 +15151,10 @@
                 <a:latin typeface="Courier"/>
                 <a:cs typeface="Courier"/>
               </a:rPr>
-              <a:t>boot.samp.sd</a:t>
-            </a:r>
-            <a:r>
-              <a:rPr lang="en-US" dirty="0" smtClean="0">
+              <a:t>boot.samp.med</a:t>
+            </a:r>
+            <a:r>
+              <a:rPr lang="en-US" dirty="0">
                 <a:solidFill>
                   <a:schemeClr val="bg1"/>
                 </a:solidFill>
@@ -15554,6 +15163,8 @@
               </a:rPr>
               <a:t>)</a:t>
             </a:r>
+          </a:p>
+          <a:p>
             <a:endParaRPr lang="en-US" dirty="0">
               <a:solidFill>
                 <a:schemeClr val="bg1"/>
@@ -15561,6 +15172,57 @@
               <a:latin typeface="Courier"/>
               <a:cs typeface="Courier"/>
             </a:endParaRPr>
+          </a:p>
+          <a:p>
+            <a:r>
+              <a:rPr lang="en-US" dirty="0">
+                <a:solidFill>
+                  <a:srgbClr val="FFFF00"/>
+                </a:solidFill>
+                <a:latin typeface="Courier"/>
+                <a:cs typeface="Courier"/>
+              </a:rPr>
+              <a:t># Bootstrap estimate for the measurement standard deviation</a:t>
+            </a:r>
+            <a:endParaRPr lang="en-US" dirty="0">
+              <a:solidFill>
+                <a:schemeClr val="bg1"/>
+              </a:solidFill>
+              <a:latin typeface="Courier"/>
+              <a:cs typeface="Courier"/>
+            </a:endParaRPr>
+          </a:p>
+          <a:p>
+            <a:r>
+              <a:rPr lang="en-US" dirty="0">
+                <a:solidFill>
+                  <a:schemeClr val="bg1"/>
+                </a:solidFill>
+                <a:latin typeface="Courier"/>
+                <a:cs typeface="Courier"/>
+              </a:rPr>
+              <a:t>mean(</a:t>
+            </a:r>
+            <a:r>
+              <a:rPr lang="en-US" dirty="0" err="1">
+                <a:solidFill>
+                  <a:schemeClr val="bg1"/>
+                </a:solidFill>
+                <a:latin typeface="Courier"/>
+                <a:cs typeface="Courier"/>
+              </a:rPr>
+              <a:t>boot.samp.sd</a:t>
+            </a:r>
+            <a:r>
+              <a:rPr lang="en-US" dirty="0">
+                <a:solidFill>
+                  <a:schemeClr val="bg1"/>
+                </a:solidFill>
+                <a:latin typeface="Courier"/>
+                <a:cs typeface="Courier"/>
+              </a:rPr>
+              <a:t>)</a:t>
+            </a:r>
           </a:p>
         </p:txBody>
       </p:sp>
@@ -15671,7 +15333,7 @@
               </a:tabLst>
             </a:pPr>
             <a:r>
-              <a:rPr lang="en-US" sz="4000" dirty="0" smtClean="0">
+              <a:rPr lang="en-US" sz="4000" dirty="0">
                 <a:solidFill>
                   <a:schemeClr val="tx1"/>
                 </a:solidFill>
@@ -15681,7 +15343,7 @@
               <a:t>Example (</a:t>
             </a:r>
             <a:r>
-              <a:rPr lang="en-US" sz="4000" dirty="0" err="1" smtClean="0">
+              <a:rPr lang="en-US" sz="4000" dirty="0" err="1">
                 <a:solidFill>
                   <a:schemeClr val="tx1"/>
                 </a:solidFill>
@@ -15691,7 +15353,7 @@
               <a:t>con’t</a:t>
             </a:r>
             <a:r>
-              <a:rPr lang="en-US" sz="4000" dirty="0" smtClean="0">
+              <a:rPr lang="en-US" sz="4000" dirty="0">
                 <a:solidFill>
                   <a:schemeClr val="tx1"/>
                 </a:solidFill>
@@ -15713,13 +15375,6 @@
   <p:clrMapOvr>
     <a:masterClrMapping/>
   </p:clrMapOvr>
-  <p:timing>
-    <p:tnLst>
-      <p:par>
-        <p:cTn xmlns:p14="http://schemas.microsoft.com/office/powerpoint/2010/main" id="1" dur="indefinite" restart="never" nodeType="tmRoot"/>
-      </p:par>
-    </p:tnLst>
-  </p:timing>
 </p:sld>
 </file>
 
@@ -15791,7 +15446,7 @@
               </a:tabLst>
             </a:pPr>
             <a:r>
-              <a:rPr lang="en-US" sz="3200" dirty="0" smtClean="0">
+              <a:rPr lang="en-US" sz="3200" dirty="0">
                 <a:solidFill>
                   <a:schemeClr val="tx1"/>
                 </a:solidFill>
@@ -15857,13 +15512,13 @@
           <a:lstStyle/>
           <a:p>
             <a:r>
-              <a:rPr lang="en-US" sz="2400" dirty="0" smtClean="0">
+              <a:rPr lang="en-US" sz="2400" dirty="0">
                 <a:latin typeface="Times New Roman"/>
                 <a:cs typeface="Times New Roman"/>
               </a:rPr>
               <a:t>How would our last bootstrap algorithm be different for estimating the standard error of a sample max over a uniform distribution?  </a:t>
             </a:r>
-            <a:endParaRPr lang="en-US" sz="2000" dirty="0" smtClean="0">
+            <a:endParaRPr lang="en-US" sz="2000" dirty="0">
               <a:latin typeface="Times New Roman"/>
               <a:cs typeface="Times New Roman"/>
             </a:endParaRPr>
@@ -15892,27 +15547,27 @@
           <a:lstStyle/>
           <a:p>
             <a:r>
-              <a:rPr lang="en-US" sz="2400" dirty="0" smtClean="0">
+              <a:rPr lang="en-US" sz="2400" dirty="0">
                 <a:latin typeface="Times New Roman"/>
                 <a:cs typeface="Times New Roman"/>
               </a:rPr>
               <a:t>We will simulate some fake data from a uniform distribution with known min = 1 and known max = 3. The sample size will be </a:t>
             </a:r>
             <a:r>
-              <a:rPr lang="en-US" sz="2400" i="1" dirty="0" smtClean="0">
+              <a:rPr lang="en-US" sz="2400" i="1" dirty="0">
                 <a:latin typeface="Times New Roman"/>
                 <a:cs typeface="Times New Roman"/>
               </a:rPr>
               <a:t>n</a:t>
             </a:r>
             <a:r>
-              <a:rPr lang="en-US" sz="2400" dirty="0" smtClean="0">
+              <a:rPr lang="en-US" sz="2400" dirty="0">
                 <a:latin typeface="Times New Roman"/>
                 <a:cs typeface="Times New Roman"/>
               </a:rPr>
               <a:t> = 15.</a:t>
             </a:r>
-            <a:endParaRPr lang="en-US" sz="2000" dirty="0" smtClean="0">
+            <a:endParaRPr lang="en-US" sz="2000" dirty="0">
               <a:latin typeface="Times New Roman"/>
               <a:cs typeface="Times New Roman"/>
             </a:endParaRPr>
@@ -15941,18 +15596,11 @@
           <a:lstStyle/>
           <a:p>
             <a:r>
-              <a:rPr lang="en-US" sz="2400" dirty="0" smtClean="0">
-                <a:latin typeface="Times New Roman"/>
-                <a:cs typeface="Times New Roman"/>
-              </a:rPr>
-              <a:t>1.891304, 2.909405, 1.417487, 1.386373, 1.070313, 1.031299, 2.010315, 2.537558, 1.424424, 2.286100, 1.385528, 1.608154, 1.102906, 2.753568, </a:t>
-            </a:r>
-            <a:r>
               <a:rPr lang="en-US" sz="2400" dirty="0">
                 <a:latin typeface="Times New Roman"/>
                 <a:cs typeface="Times New Roman"/>
               </a:rPr>
-              <a:t>1.010469</a:t>
+              <a:t>1.891304, 2.909405, 1.417487, 1.386373, 1.070313, 1.031299, 2.010315, 2.537558, 1.424424, 2.286100, 1.385528, 1.608154, 1.102906, 2.753568, 1.010469</a:t>
             </a:r>
           </a:p>
         </p:txBody>
@@ -15967,13 +15615,6 @@
   <p:clrMapOvr>
     <a:masterClrMapping/>
   </p:clrMapOvr>
-  <p:timing>
-    <p:tnLst>
-      <p:par>
-        <p:cTn xmlns:p14="http://schemas.microsoft.com/office/powerpoint/2010/main" id="1" dur="indefinite" restart="never" nodeType="tmRoot"/>
-      </p:par>
-    </p:tnLst>
-  </p:timing>
 </p:sld>
 </file>
 
@@ -16045,7 +15686,7 @@
               </a:tabLst>
             </a:pPr>
             <a:r>
-              <a:rPr lang="en-US" sz="3200" dirty="0" smtClean="0">
+              <a:rPr lang="en-US" sz="3200" dirty="0">
                 <a:solidFill>
                   <a:schemeClr val="tx1"/>
                 </a:solidFill>
@@ -16114,7 +15755,7 @@
           <a:lstStyle/>
           <a:p>
             <a:r>
-              <a:rPr lang="en-US" sz="1400" dirty="0" smtClean="0">
+              <a:rPr lang="en-US" sz="1400" dirty="0">
                 <a:solidFill>
                   <a:srgbClr val="FFFF00"/>
                 </a:solidFill>
@@ -16133,17 +15774,7 @@
                 <a:latin typeface="Courier"/>
                 <a:cs typeface="Courier"/>
               </a:rPr>
-              <a:t>x &lt;- c(1.891304, 2.909405, 1.417487, 1.386373, 1.070313, 1.031299, 2.010315, </a:t>
-            </a:r>
-            <a:r>
-              <a:rPr lang="en-US" sz="1400" dirty="0" smtClean="0">
-                <a:solidFill>
-                  <a:schemeClr val="bg1"/>
-                </a:solidFill>
-                <a:latin typeface="Courier"/>
-                <a:cs typeface="Courier"/>
-              </a:rPr>
-              <a:t>  </a:t>
+              <a:t>x &lt;- c(1.891304, 2.909405, 1.417487, 1.386373, 1.070313, 1.031299, 2.010315,   </a:t>
             </a:r>
           </a:p>
           <a:p>
@@ -16155,18 +15786,10 @@
                 <a:latin typeface="Courier"/>
                 <a:cs typeface="Courier"/>
               </a:rPr>
-              <a:t> </a:t>
-            </a:r>
-            <a:r>
-              <a:rPr lang="en-US" sz="1400" dirty="0" smtClean="0">
-                <a:solidFill>
-                  <a:schemeClr val="bg1"/>
-                </a:solidFill>
-                <a:latin typeface="Courier"/>
-                <a:cs typeface="Courier"/>
-              </a:rPr>
-              <a:t>      2.537558</a:t>
-            </a:r>
+              <a:t>       2.537558, 1.424424, 2.286100, 1.385528, 1.608154, 1.102906, 2.753568,    </a:t>
+            </a:r>
+          </a:p>
+          <a:p>
             <a:r>
               <a:rPr lang="en-US" sz="1400" dirty="0">
                 <a:solidFill>
@@ -16175,39 +15798,7 @@
                 <a:latin typeface="Courier"/>
                 <a:cs typeface="Courier"/>
               </a:rPr>
-              <a:t>, 1.424424, 2.286100, 1.385528, 1.608154, 1.102906, 2.753568, </a:t>
-            </a:r>
-            <a:r>
-              <a:rPr lang="en-US" sz="1400" dirty="0" smtClean="0">
-                <a:solidFill>
-                  <a:schemeClr val="bg1"/>
-                </a:solidFill>
-                <a:latin typeface="Courier"/>
-                <a:cs typeface="Courier"/>
-              </a:rPr>
-              <a:t>   </a:t>
-            </a:r>
-          </a:p>
-          <a:p>
-            <a:r>
-              <a:rPr lang="en-US" sz="1400" dirty="0">
-                <a:solidFill>
-                  <a:schemeClr val="bg1"/>
-                </a:solidFill>
-                <a:latin typeface="Courier"/>
-                <a:cs typeface="Courier"/>
-              </a:rPr>
-              <a:t> </a:t>
-            </a:r>
-            <a:r>
-              <a:rPr lang="en-US" sz="1400" dirty="0" smtClean="0">
-                <a:solidFill>
-                  <a:schemeClr val="bg1"/>
-                </a:solidFill>
-                <a:latin typeface="Courier"/>
-                <a:cs typeface="Courier"/>
-              </a:rPr>
-              <a:t>      1.010469)</a:t>
+              <a:t>       1.010469)</a:t>
             </a:r>
           </a:p>
           <a:p>
@@ -16221,7 +15812,7 @@
           </a:p>
           <a:p>
             <a:r>
-              <a:rPr lang="en-US" sz="1400" dirty="0" err="1" smtClean="0">
+              <a:rPr lang="en-US" sz="1400" dirty="0" err="1">
                 <a:solidFill>
                   <a:schemeClr val="bg1"/>
                 </a:solidFill>
@@ -16229,16 +15820,6 @@
                 <a:cs typeface="Courier"/>
               </a:rPr>
               <a:t>boot.samp.max</a:t>
-            </a:r>
-            <a:r>
-              <a:rPr lang="en-US" sz="1400" dirty="0" smtClean="0">
-                <a:solidFill>
-                  <a:schemeClr val="bg1"/>
-                </a:solidFill>
-                <a:latin typeface="Courier"/>
-                <a:cs typeface="Courier"/>
-              </a:rPr>
-              <a:t> </a:t>
             </a:r>
             <a:r>
               <a:rPr lang="en-US" sz="1400" dirty="0">
@@ -16248,7 +15829,7 @@
                 <a:latin typeface="Courier"/>
                 <a:cs typeface="Courier"/>
               </a:rPr>
-              <a:t>&lt;- </a:t>
+              <a:t> &lt;- </a:t>
             </a:r>
             <a:r>
               <a:rPr lang="en-US" sz="1400" dirty="0" err="1">
@@ -16313,7 +15894,7 @@
               <a:t>(</a:t>
             </a:r>
             <a:r>
-              <a:rPr lang="en-US" sz="1400" dirty="0" err="1" smtClean="0">
+              <a:rPr lang="en-US" sz="1400" dirty="0" err="1">
                 <a:solidFill>
                   <a:schemeClr val="bg1"/>
                 </a:solidFill>
@@ -16323,7 +15904,7 @@
               <a:t>boot.samp.max</a:t>
             </a:r>
             <a:r>
-              <a:rPr lang="en-US" sz="1400" dirty="0" smtClean="0">
+              <a:rPr lang="en-US" sz="1400" dirty="0">
                 <a:solidFill>
                   <a:schemeClr val="bg1"/>
                 </a:solidFill>
@@ -16332,13 +15913,6 @@
               </a:rPr>
               <a:t>)</a:t>
             </a:r>
-            <a:endParaRPr lang="en-US" sz="1400" dirty="0">
-              <a:solidFill>
-                <a:schemeClr val="bg1"/>
-              </a:solidFill>
-              <a:latin typeface="Courier"/>
-              <a:cs typeface="Courier"/>
-            </a:endParaRPr>
           </a:p>
         </p:txBody>
       </p:sp>
@@ -16387,55 +15961,55 @@
           <a:lstStyle/>
           <a:p>
             <a:r>
-              <a:rPr lang="en-US" sz="1600" i="1" u="sng" dirty="0" smtClean="0">
+              <a:rPr lang="en-US" sz="1600" i="1" u="sng" dirty="0">
                 <a:latin typeface="Times New Roman"/>
                 <a:cs typeface="Times New Roman"/>
               </a:rPr>
               <a:t>If</a:t>
             </a:r>
             <a:r>
-              <a:rPr lang="en-US" sz="1600" dirty="0" smtClean="0">
+              <a:rPr lang="en-US" sz="1600" dirty="0">
                 <a:latin typeface="Times New Roman"/>
                 <a:cs typeface="Times New Roman"/>
               </a:rPr>
               <a:t> the </a:t>
             </a:r>
             <a:r>
-              <a:rPr lang="en-US" sz="1600" u="sng" dirty="0" smtClean="0">
+              <a:rPr lang="en-US" sz="1600" u="sng" dirty="0">
                 <a:latin typeface="Times New Roman"/>
                 <a:cs typeface="Times New Roman"/>
               </a:rPr>
               <a:t>histogram</a:t>
             </a:r>
             <a:r>
-              <a:rPr lang="en-US" sz="1600" dirty="0" smtClean="0">
+              <a:rPr lang="en-US" sz="1600" dirty="0">
                 <a:latin typeface="Times New Roman"/>
                 <a:cs typeface="Times New Roman"/>
               </a:rPr>
               <a:t> of bootstrap replications </a:t>
             </a:r>
             <a:r>
-              <a:rPr lang="en-US" sz="1600" u="sng" dirty="0" smtClean="0">
+              <a:rPr lang="en-US" sz="1600" u="sng" dirty="0">
                 <a:latin typeface="Times New Roman"/>
                 <a:cs typeface="Times New Roman"/>
               </a:rPr>
               <a:t>looks like this</a:t>
             </a:r>
             <a:r>
-              <a:rPr lang="en-US" sz="1600" dirty="0" smtClean="0">
+              <a:rPr lang="en-US" sz="1600" dirty="0">
                 <a:latin typeface="Times New Roman"/>
                 <a:cs typeface="Times New Roman"/>
               </a:rPr>
               <a:t>, the bootstrap didn’t work! </a:t>
             </a:r>
             <a:r>
-              <a:rPr lang="en-US" sz="1600" u="sng" dirty="0" smtClean="0">
+              <a:rPr lang="en-US" sz="1600" u="sng" dirty="0">
                 <a:latin typeface="Times New Roman"/>
                 <a:cs typeface="Times New Roman"/>
               </a:rPr>
               <a:t>Don’t use it!!</a:t>
             </a:r>
-            <a:endParaRPr lang="en-US" sz="1400" u="sng" dirty="0" smtClean="0">
+            <a:endParaRPr lang="en-US" sz="1400" u="sng" dirty="0">
               <a:latin typeface="Times New Roman"/>
               <a:cs typeface="Times New Roman"/>
             </a:endParaRPr>
@@ -16577,7 +16151,7 @@
   <p:timing>
     <p:tnLst>
       <p:par>
-        <p:cTn xmlns:p14="http://schemas.microsoft.com/office/powerpoint/2010/main" id="1" dur="indefinite" restart="never" nodeType="tmRoot">
+        <p:cTn id="1" dur="indefinite" restart="never" nodeType="tmRoot">
           <p:childTnLst>
             <p:seq concurrent="1" nextAc="seek">
               <p:cTn id="2" dur="indefinite" nodeType="mainSeq">
@@ -17161,7 +16735,7 @@
               </a:tabLst>
             </a:pPr>
             <a:r>
-              <a:rPr lang="en-US" sz="4000" dirty="0" smtClean="0">
+              <a:rPr lang="en-US" sz="4000" dirty="0">
                 <a:solidFill>
                   <a:schemeClr val="tx1"/>
                 </a:solidFill>
@@ -17231,14 +16805,14 @@
               <a:buChar char="•"/>
             </a:pPr>
             <a:r>
-              <a:rPr lang="en-US" sz="2600" b="1" dirty="0" smtClean="0">
+              <a:rPr lang="en-US" sz="2600" b="1" dirty="0">
                 <a:latin typeface="Times New Roman"/>
                 <a:cs typeface="Times New Roman"/>
               </a:rPr>
               <a:t>Bias</a:t>
             </a:r>
             <a:r>
-              <a:rPr lang="en-US" sz="2600" dirty="0" smtClean="0">
+              <a:rPr lang="en-US" sz="2600" dirty="0">
                 <a:latin typeface="Times New Roman"/>
                 <a:cs typeface="Times New Roman"/>
               </a:rPr>
@@ -17327,16 +16901,12 @@
           <a:lstStyle/>
           <a:p>
             <a:r>
-              <a:rPr lang="en-US" dirty="0" smtClean="0">
+              <a:rPr lang="en-US" dirty="0">
                 <a:latin typeface="Times New Roman"/>
                 <a:cs typeface="Times New Roman"/>
               </a:rPr>
               <a:t>If we have a reference standard (i.e. a CRM) we can plug it in here</a:t>
             </a:r>
-            <a:endParaRPr lang="en-US" dirty="0">
-              <a:latin typeface="Times New Roman"/>
-              <a:cs typeface="Times New Roman"/>
-            </a:endParaRPr>
           </a:p>
         </p:txBody>
       </p:sp>
@@ -17396,30 +16966,26 @@
           <a:lstStyle/>
           <a:p>
             <a:r>
-              <a:rPr lang="en-US" dirty="0" smtClean="0">
+              <a:rPr lang="en-US" dirty="0">
                 <a:latin typeface="Times New Roman"/>
                 <a:cs typeface="Times New Roman"/>
               </a:rPr>
               <a:t>Mean of the sampling dist. For the estimator of </a:t>
             </a:r>
             <a:r>
-              <a:rPr lang="en-US" i="1" dirty="0" smtClean="0">
+              <a:rPr lang="en-US" i="1" dirty="0">
                 <a:latin typeface="Symbol" charset="2"/>
                 <a:cs typeface="Symbol" charset="2"/>
               </a:rPr>
               <a:t>q</a:t>
             </a:r>
             <a:r>
-              <a:rPr lang="en-US" dirty="0" smtClean="0">
+              <a:rPr lang="en-US" dirty="0">
                 <a:latin typeface="Times New Roman"/>
                 <a:cs typeface="Times New Roman"/>
               </a:rPr>
               <a:t>.</a:t>
             </a:r>
-            <a:endParaRPr lang="en-US" dirty="0">
-              <a:latin typeface="Times New Roman"/>
-              <a:cs typeface="Times New Roman"/>
-            </a:endParaRPr>
           </a:p>
         </p:txBody>
       </p:sp>
@@ -17449,56 +17015,56 @@
               <a:buChar char="•"/>
             </a:pPr>
             <a:r>
-              <a:rPr lang="en-US" sz="2600" dirty="0" smtClean="0">
+              <a:rPr lang="en-US" sz="2600" dirty="0">
                 <a:latin typeface="Times New Roman"/>
                 <a:cs typeface="Times New Roman"/>
               </a:rPr>
               <a:t>If the bootstrap must be used to estimate </a:t>
             </a:r>
             <a:r>
-              <a:rPr lang="en-US" sz="2600" i="1" dirty="0" smtClean="0">
+              <a:rPr lang="en-US" sz="2600" i="1" dirty="0">
                 <a:latin typeface="Symbol" charset="2"/>
                 <a:cs typeface="Symbol" charset="2"/>
               </a:rPr>
               <a:t>q</a:t>
             </a:r>
             <a:r>
-              <a:rPr lang="en-US" sz="2600" dirty="0" smtClean="0">
+              <a:rPr lang="en-US" sz="2600" dirty="0">
                 <a:latin typeface="Times New Roman"/>
                 <a:cs typeface="Times New Roman"/>
               </a:rPr>
               <a:t> (e.g. the sampling dist. of     is unknown), </a:t>
             </a:r>
             <a:r>
-              <a:rPr lang="en-US" sz="2600" i="1" u="sng" dirty="0" smtClean="0">
+              <a:rPr lang="en-US" sz="2600" i="1" u="sng" dirty="0">
                 <a:latin typeface="Times New Roman"/>
                 <a:cs typeface="Times New Roman"/>
               </a:rPr>
               <a:t>and</a:t>
             </a:r>
             <a:r>
-              <a:rPr lang="en-US" sz="2600" dirty="0" smtClean="0">
+              <a:rPr lang="en-US" sz="2600" dirty="0">
                 <a:latin typeface="Times New Roman"/>
                 <a:cs typeface="Times New Roman"/>
               </a:rPr>
               <a:t> </a:t>
             </a:r>
             <a:r>
-              <a:rPr lang="en-US" sz="2600" i="1" u="sng" dirty="0" smtClean="0">
+              <a:rPr lang="en-US" sz="2600" i="1" u="sng" dirty="0">
                 <a:latin typeface="Symbol" charset="2"/>
                 <a:cs typeface="Symbol" charset="2"/>
               </a:rPr>
               <a:t>q</a:t>
             </a:r>
             <a:r>
-              <a:rPr lang="en-US" sz="2600" i="1" u="sng" dirty="0" smtClean="0">
+              <a:rPr lang="en-US" sz="2600" i="1" u="sng" dirty="0">
                 <a:latin typeface="Times New Roman"/>
                 <a:cs typeface="Times New Roman"/>
               </a:rPr>
               <a:t> is available</a:t>
             </a:r>
             <a:r>
-              <a:rPr lang="en-US" sz="2600" dirty="0" smtClean="0">
+              <a:rPr lang="en-US" sz="2600" dirty="0">
                 <a:latin typeface="Times New Roman"/>
                 <a:cs typeface="Times New Roman"/>
               </a:rPr>
@@ -17656,14 +17222,14 @@
           <a:lstStyle/>
           <a:p>
             <a:r>
-              <a:rPr lang="en-US" i="1" dirty="0" smtClean="0">
+              <a:rPr lang="en-US" i="1" dirty="0">
                 <a:latin typeface="Symbol" charset="2"/>
                 <a:cs typeface="Symbol" charset="2"/>
               </a:rPr>
               <a:t>q</a:t>
             </a:r>
             <a:r>
-              <a:rPr lang="en-US" dirty="0" smtClean="0">
+              <a:rPr lang="en-US" dirty="0">
                 <a:latin typeface="Times New Roman"/>
                 <a:cs typeface="Times New Roman"/>
               </a:rPr>
@@ -17686,7 +17252,7 @@
   <p:timing>
     <p:tnLst>
       <p:par>
-        <p:cTn xmlns:p14="http://schemas.microsoft.com/office/powerpoint/2010/main" id="1" dur="indefinite" restart="never" nodeType="tmRoot">
+        <p:cTn id="1" dur="indefinite" restart="never" nodeType="tmRoot">
           <p:childTnLst>
             <p:seq concurrent="1" nextAc="seek">
               <p:cTn id="2" dur="indefinite" nodeType="mainSeq">
@@ -18638,8 +18204,6 @@
                 <a:spcPct val="98000"/>
               </a:lnSpc>
               <a:buSzPct val="45000"/>
-              <a:buFont typeface="Wingdings" pitchFamily="2" charset="2"/>
-              <a:buNone/>
               <a:tabLst>
                 <a:tab pos="0" algn="l"/>
                 <a:tab pos="914400" algn="l"/>
@@ -18656,34 +18220,11 @@
               </a:tabLst>
             </a:pPr>
             <a:r>
-              <a:rPr lang="en-US" sz="3000" dirty="0" smtClean="0">
-                <a:solidFill>
-                  <a:schemeClr val="tx1"/>
-                </a:solidFill>
-                <a:latin typeface="Times New Roman" pitchFamily="18" charset="0"/>
-                <a:cs typeface="Times New Roman" pitchFamily="18" charset="0"/>
-              </a:rPr>
-              <a:t>Example: Bias with the bootstrap and </a:t>
-            </a:r>
-            <a:r>
-              <a:rPr lang="en-US" sz="3000" i="1" dirty="0" smtClean="0">
-                <a:solidFill>
-                  <a:schemeClr val="tx1"/>
-                </a:solidFill>
-                <a:latin typeface="Symbol" charset="2"/>
-                <a:cs typeface="Symbol" charset="2"/>
-              </a:rPr>
-              <a:t>q</a:t>
-            </a:r>
-            <a:r>
-              <a:rPr lang="en-US" sz="3000" dirty="0" smtClean="0">
-                <a:solidFill>
-                  <a:schemeClr val="tx1"/>
-                </a:solidFill>
-                <a:latin typeface="Times New Roman" pitchFamily="18" charset="0"/>
-                <a:cs typeface="Times New Roman" pitchFamily="18" charset="0"/>
-              </a:rPr>
-              <a:t> known</a:t>
+              <a:rPr lang="en-US" sz="3000" dirty="0">
+                <a:latin typeface="Times New Roman"/>
+                <a:cs typeface="Times New Roman"/>
+              </a:rPr>
+              <a:t>Example: Bias with the bootstrap and    known</a:t>
             </a:r>
           </a:p>
         </p:txBody>
@@ -18742,27 +18283,27 @@
           <a:lstStyle/>
           <a:p>
             <a:r>
-              <a:rPr lang="en-US" sz="2400" dirty="0" smtClean="0">
+              <a:rPr lang="en-US" sz="2400" dirty="0">
                 <a:latin typeface="Times New Roman"/>
                 <a:cs typeface="Times New Roman"/>
               </a:rPr>
               <a:t>A CRM solution of 150ng/mL Oxycodone in blood is used to assess the bias of a Laboratory’s SOP for concentration determination. 15 assay runs are conducted under the same conditions with the following data recorded (</a:t>
             </a:r>
             <a:r>
-              <a:rPr lang="en-US" sz="2400" dirty="0" err="1" smtClean="0">
+              <a:rPr lang="en-US" sz="2400" dirty="0" err="1">
                 <a:latin typeface="Times New Roman"/>
                 <a:cs typeface="Times New Roman"/>
               </a:rPr>
               <a:t>ng</a:t>
             </a:r>
             <a:r>
-              <a:rPr lang="en-US" sz="2400" dirty="0" smtClean="0">
+              <a:rPr lang="en-US" sz="2400" dirty="0">
                 <a:latin typeface="Times New Roman"/>
                 <a:cs typeface="Times New Roman"/>
               </a:rPr>
               <a:t>/mL):</a:t>
             </a:r>
-            <a:endParaRPr lang="en-US" sz="2000" dirty="0" smtClean="0">
+            <a:endParaRPr lang="en-US" sz="2000" dirty="0">
               <a:latin typeface="Times New Roman"/>
               <a:cs typeface="Times New Roman"/>
             </a:endParaRPr>
@@ -18791,16 +18332,12 @@
           <a:lstStyle/>
           <a:p>
             <a:r>
-              <a:rPr lang="en-US" sz="2800" dirty="0" smtClean="0">
+              <a:rPr lang="en-US" sz="2800" dirty="0">
                 <a:latin typeface="Times New Roman"/>
                 <a:cs typeface="Times New Roman"/>
               </a:rPr>
               <a:t>117.7, 97.6, 147.4, 139.6, 135.5, 130.8, 141.0, 137.6, 115.0, 134.0, 122.3, 148.0, 121.6, 132.5, 119.8</a:t>
             </a:r>
-            <a:endParaRPr lang="en-US" sz="2800" dirty="0">
-              <a:latin typeface="Times New Roman"/>
-              <a:cs typeface="Times New Roman"/>
-            </a:endParaRPr>
           </a:p>
         </p:txBody>
       </p:sp>
@@ -18830,28 +18367,7 @@
                 <a:latin typeface="Times New Roman"/>
                 <a:cs typeface="Times New Roman"/>
               </a:rPr>
-              <a:t>Compute </a:t>
-            </a:r>
-            <a:r>
-              <a:rPr lang="en-US" sz="2400" dirty="0" smtClean="0">
-                <a:latin typeface="Times New Roman"/>
-                <a:cs typeface="Times New Roman"/>
-              </a:rPr>
-              <a:t>the </a:t>
-            </a:r>
-            <a:r>
-              <a:rPr lang="en-US" sz="2400" dirty="0">
-                <a:latin typeface="Times New Roman"/>
-                <a:cs typeface="Times New Roman"/>
-              </a:rPr>
-              <a:t>MLE, unbiased and </a:t>
-            </a:r>
-            <a:r>
-              <a:rPr lang="en-US" sz="2400" dirty="0" smtClean="0">
-                <a:latin typeface="Times New Roman"/>
-                <a:cs typeface="Times New Roman"/>
-              </a:rPr>
-              <a:t>bootstrap estimates for:</a:t>
+              <a:t>Compute the MLE, unbiased and bootstrap estimates for:</a:t>
             </a:r>
           </a:p>
           <a:p>
@@ -18859,7 +18375,7 @@
               <a:buAutoNum type="alphaLcPeriod"/>
             </a:pPr>
             <a:r>
-              <a:rPr lang="en-US" sz="2400" dirty="0" smtClean="0">
+              <a:rPr lang="en-US" sz="2400" dirty="0">
                 <a:latin typeface="Times New Roman"/>
                 <a:cs typeface="Times New Roman"/>
               </a:rPr>
@@ -18871,14 +18387,14 @@
               <a:buAutoNum type="alphaLcPeriod"/>
             </a:pPr>
             <a:r>
-              <a:rPr lang="en-US" sz="2400" dirty="0" err="1" smtClean="0">
+              <a:rPr lang="en-US" sz="2400" dirty="0" err="1">
                 <a:latin typeface="Times New Roman"/>
                 <a:cs typeface="Times New Roman"/>
               </a:rPr>
               <a:t>s.d.</a:t>
             </a:r>
             <a:r>
-              <a:rPr lang="en-US" sz="2400" dirty="0" smtClean="0">
+              <a:rPr lang="en-US" sz="2400" dirty="0">
                 <a:latin typeface="Times New Roman"/>
                 <a:cs typeface="Times New Roman"/>
               </a:rPr>
@@ -18890,14 +18406,14 @@
               <a:buAutoNum type="alphaLcPeriod"/>
             </a:pPr>
             <a:r>
-              <a:rPr lang="en-US" sz="2400" dirty="0" err="1" smtClean="0">
+              <a:rPr lang="en-US" sz="2400" dirty="0" err="1">
                 <a:latin typeface="Times New Roman"/>
                 <a:cs typeface="Times New Roman"/>
               </a:rPr>
               <a:t>s.e.</a:t>
             </a:r>
             <a:r>
-              <a:rPr lang="en-US" sz="2400" dirty="0" smtClean="0">
+              <a:rPr lang="en-US" sz="2400" dirty="0">
                 <a:latin typeface="Times New Roman"/>
                 <a:cs typeface="Times New Roman"/>
               </a:rPr>
@@ -18909,19 +18425,49 @@
               <a:buAutoNum type="alphaLcPeriod"/>
             </a:pPr>
             <a:r>
-              <a:rPr lang="en-US" sz="2400" dirty="0" smtClean="0">
+              <a:rPr lang="en-US" sz="2400" dirty="0">
                 <a:latin typeface="Times New Roman"/>
                 <a:cs typeface="Times New Roman"/>
               </a:rPr>
               <a:t>bias</a:t>
             </a:r>
-            <a:endParaRPr lang="en-US" sz="2000" dirty="0" smtClean="0">
+            <a:endParaRPr lang="en-US" sz="2000" dirty="0">
               <a:latin typeface="Times New Roman"/>
               <a:cs typeface="Times New Roman"/>
             </a:endParaRPr>
           </a:p>
         </p:txBody>
       </p:sp>
+      <p:pic>
+        <p:nvPicPr>
+          <p:cNvPr id="3" name="Picture 3">
+            <a:extLst>
+              <a:ext uri="{FF2B5EF4-FFF2-40B4-BE49-F238E27FC236}">
+                <a16:creationId xmlns:a16="http://schemas.microsoft.com/office/drawing/2014/main" id="{749A9ED3-B2F3-4A74-A2B0-9060559692A9}"/>
+              </a:ext>
+            </a:extLst>
+          </p:cNvPr>
+          <p:cNvPicPr>
+            <a:picLocks noChangeAspect="1"/>
+          </p:cNvPicPr>
+          <p:nvPr/>
+        </p:nvPicPr>
+        <p:blipFill>
+          <a:blip r:embed="rId3"/>
+          <a:stretch>
+            <a:fillRect/>
+          </a:stretch>
+        </p:blipFill>
+        <p:spPr>
+          <a:xfrm>
+            <a:off x="6821710" y="357897"/>
+            <a:ext cx="217423" cy="348490"/>
+          </a:xfrm>
+          <a:prstGeom prst="rect">
+            <a:avLst/>
+          </a:prstGeom>
+        </p:spPr>
+      </p:pic>
     </p:spTree>
     <p:extLst>
       <p:ext uri="{BB962C8B-B14F-4D97-AF65-F5344CB8AC3E}">
@@ -18935,7 +18481,7 @@
   <p:timing>
     <p:tnLst>
       <p:par>
-        <p:cTn xmlns:p14="http://schemas.microsoft.com/office/powerpoint/2010/main" id="1" dur="indefinite" restart="never" nodeType="tmRoot">
+        <p:cTn id="1" dur="indefinite" restart="never" nodeType="tmRoot">
           <p:childTnLst>
             <p:seq concurrent="1" nextAc="seek">
               <p:cTn id="2" dur="indefinite" nodeType="mainSeq">
@@ -19109,8 +18655,6 @@
                 <a:spcPct val="98000"/>
               </a:lnSpc>
               <a:buSzPct val="45000"/>
-              <a:buFont typeface="Wingdings" pitchFamily="2" charset="2"/>
-              <a:buNone/>
               <a:tabLst>
                 <a:tab pos="0" algn="l"/>
                 <a:tab pos="914400" algn="l"/>
@@ -19127,34 +18671,11 @@
               </a:tabLst>
             </a:pPr>
             <a:r>
-              <a:rPr lang="en-US" sz="3000" dirty="0" smtClean="0">
-                <a:solidFill>
-                  <a:schemeClr val="tx1"/>
-                </a:solidFill>
-                <a:latin typeface="Times New Roman" pitchFamily="18" charset="0"/>
-                <a:cs typeface="Times New Roman" pitchFamily="18" charset="0"/>
-              </a:rPr>
-              <a:t>Example: Bias with the bootstrap and </a:t>
-            </a:r>
-            <a:r>
-              <a:rPr lang="en-US" sz="3000" i="1" dirty="0" smtClean="0">
-                <a:solidFill>
-                  <a:schemeClr val="tx1"/>
-                </a:solidFill>
-                <a:latin typeface="Symbol" charset="2"/>
-                <a:cs typeface="Symbol" charset="2"/>
-              </a:rPr>
-              <a:t>q</a:t>
-            </a:r>
-            <a:r>
-              <a:rPr lang="en-US" sz="3000" dirty="0" smtClean="0">
-                <a:solidFill>
-                  <a:schemeClr val="tx1"/>
-                </a:solidFill>
-                <a:latin typeface="Times New Roman" pitchFamily="18" charset="0"/>
-                <a:cs typeface="Times New Roman" pitchFamily="18" charset="0"/>
-              </a:rPr>
-              <a:t> known</a:t>
+              <a:rPr lang="en-US" sz="3000" dirty="0">
+                <a:latin typeface="Times New Roman"/>
+                <a:cs typeface="Times New Roman"/>
+              </a:rPr>
+              <a:t>Example: Bias with the bootstrap and     known</a:t>
             </a:r>
           </a:p>
         </p:txBody>
@@ -19225,25 +18746,8 @@
               </a:rPr>
               <a:t>x &lt;- c(117.7, 97.6, 147.4, 139.6, 135.5, 130.8, 141.0, </a:t>
             </a:r>
-            <a:endParaRPr lang="en-US" sz="1400" dirty="0" smtClean="0">
-              <a:solidFill>
-                <a:schemeClr val="bg1"/>
-              </a:solidFill>
-              <a:latin typeface="Courier"/>
-              <a:cs typeface="Courier"/>
-            </a:endParaRPr>
-          </a:p>
-          <a:p>
-            <a:r>
-              <a:rPr lang="en-US" sz="1400" dirty="0" smtClean="0">
-                <a:solidFill>
-                  <a:schemeClr val="bg1"/>
-                </a:solidFill>
-                <a:latin typeface="Courier"/>
-                <a:cs typeface="Courier"/>
-              </a:rPr>
-              <a:t>       137.6</a:t>
-            </a:r>
+          </a:p>
+          <a:p>
             <a:r>
               <a:rPr lang="en-US" sz="1400" dirty="0">
                 <a:solidFill>
@@ -19252,7 +18756,7 @@
                 <a:latin typeface="Courier"/>
                 <a:cs typeface="Courier"/>
               </a:rPr>
-              <a:t>, 115.0, 134.0, 122.3, 148.0, 121.6, 132.5, 119.8)</a:t>
+              <a:t>       137.6, 115.0, 134.0, 122.3, 148.0, 121.6, 132.5, 119.8)</a:t>
             </a:r>
           </a:p>
           <a:p>
@@ -19976,6 +19480,36 @@
           </a:prstGeom>
         </p:spPr>
       </p:pic>
+      <p:pic>
+        <p:nvPicPr>
+          <p:cNvPr id="2" name="Picture 6">
+            <a:extLst>
+              <a:ext uri="{FF2B5EF4-FFF2-40B4-BE49-F238E27FC236}">
+                <a16:creationId xmlns:a16="http://schemas.microsoft.com/office/drawing/2014/main" id="{3F0E12D5-32DB-4DA0-9C3D-3A0D22D8F656}"/>
+              </a:ext>
+            </a:extLst>
+          </p:cNvPr>
+          <p:cNvPicPr>
+            <a:picLocks noChangeAspect="1"/>
+          </p:cNvPicPr>
+          <p:nvPr/>
+        </p:nvPicPr>
+        <p:blipFill>
+          <a:blip r:embed="rId7"/>
+          <a:stretch>
+            <a:fillRect/>
+          </a:stretch>
+        </p:blipFill>
+        <p:spPr>
+          <a:xfrm>
+            <a:off x="6821710" y="313814"/>
+            <a:ext cx="204827" cy="329597"/>
+          </a:xfrm>
+          <a:prstGeom prst="rect">
+            <a:avLst/>
+          </a:prstGeom>
+        </p:spPr>
+      </p:pic>
     </p:spTree>
     <p:extLst>
       <p:ext uri="{BB962C8B-B14F-4D97-AF65-F5344CB8AC3E}">
@@ -19989,7 +19523,7 @@
   <p:timing>
     <p:tnLst>
       <p:par>
-        <p:cTn xmlns:p14="http://schemas.microsoft.com/office/powerpoint/2010/main" id="1" dur="indefinite" restart="never" nodeType="tmRoot">
+        <p:cTn id="1" dur="indefinite" restart="never" nodeType="tmRoot">
           <p:childTnLst>
             <p:seq concurrent="1" nextAc="seek">
               <p:cTn id="2" dur="indefinite" nodeType="mainSeq">
@@ -20451,7 +19985,7 @@
               </a:tabLst>
             </a:pPr>
             <a:r>
-              <a:rPr lang="en-US" sz="4000" dirty="0" smtClean="0">
+              <a:rPr lang="en-US" sz="4000" dirty="0">
                 <a:solidFill>
                   <a:schemeClr val="tx1"/>
                 </a:solidFill>
@@ -20468,7 +20002,7 @@
               <a:t>D</a:t>
             </a:r>
             <a:r>
-              <a:rPr lang="en-US" sz="4000" dirty="0" smtClean="0">
+              <a:rPr lang="en-US" sz="4000" dirty="0">
                 <a:solidFill>
                   <a:schemeClr val="tx1"/>
                 </a:solidFill>
@@ -20485,7 +20019,7 @@
               <a:t>K</a:t>
             </a:r>
             <a:r>
-              <a:rPr lang="en-US" sz="4000" dirty="0" smtClean="0">
+              <a:rPr lang="en-US" sz="4000" dirty="0">
                 <a:solidFill>
                   <a:schemeClr val="tx1"/>
                 </a:solidFill>
@@ -20502,7 +20036,7 @@
               <a:t>A</a:t>
             </a:r>
             <a:r>
-              <a:rPr lang="en-US" sz="4000" i="1" u="sng" dirty="0" smtClean="0">
+              <a:rPr lang="en-US" sz="4000" i="1" u="sng" dirty="0">
                 <a:solidFill>
                   <a:schemeClr val="tx1"/>
                 </a:solidFill>
@@ -20512,7 +20046,7 @@
               <a:t>nything</a:t>
             </a:r>
             <a:r>
-              <a:rPr lang="en-US" sz="4000" dirty="0" smtClean="0">
+              <a:rPr lang="en-US" sz="4000" dirty="0">
                 <a:solidFill>
                   <a:schemeClr val="tx1"/>
                 </a:solidFill>
@@ -20529,7 +20063,7 @@
               <a:t>F</a:t>
             </a:r>
             <a:r>
-              <a:rPr lang="en-US" sz="4000" dirty="0" smtClean="0">
+              <a:rPr lang="en-US" sz="4000" dirty="0">
                 <a:solidFill>
                   <a:schemeClr val="tx1"/>
                 </a:solidFill>
@@ -20546,7 +20080,7 @@
               <a:t>S</a:t>
             </a:r>
             <a:r>
-              <a:rPr lang="en-US" sz="4000" dirty="0" smtClean="0">
+              <a:rPr lang="en-US" sz="4000" dirty="0">
                 <a:solidFill>
                   <a:schemeClr val="tx1"/>
                 </a:solidFill>
@@ -20616,7 +20150,7 @@
               <a:buChar char="•"/>
             </a:pPr>
             <a:r>
-              <a:rPr lang="en-US" sz="2600" dirty="0" smtClean="0">
+              <a:rPr lang="en-US" sz="2600" dirty="0">
                 <a:latin typeface="Times New Roman"/>
                 <a:cs typeface="Times New Roman"/>
               </a:rPr>
@@ -20651,7 +20185,7 @@
               <a:buChar char="•"/>
             </a:pPr>
             <a:r>
-              <a:rPr lang="en-US" sz="2400" dirty="0" smtClean="0">
+              <a:rPr lang="en-US" sz="2400" dirty="0">
                 <a:latin typeface="Times New Roman"/>
                 <a:cs typeface="Times New Roman"/>
               </a:rPr>
@@ -20664,7 +20198,7 @@
               <a:buChar char="•"/>
             </a:pPr>
             <a:r>
-              <a:rPr lang="en-US" sz="2400" dirty="0" smtClean="0">
+              <a:rPr lang="en-US" sz="2400" dirty="0">
                 <a:latin typeface="Times New Roman"/>
                 <a:cs typeface="Times New Roman"/>
               </a:rPr>
@@ -20699,21 +20233,21 @@
               <a:buChar char="•"/>
             </a:pPr>
             <a:r>
-              <a:rPr lang="en-US" sz="2400" dirty="0" smtClean="0">
+              <a:rPr lang="en-US" sz="2400" dirty="0">
                 <a:latin typeface="Times New Roman"/>
                 <a:cs typeface="Times New Roman"/>
               </a:rPr>
               <a:t>This is called </a:t>
             </a:r>
             <a:r>
-              <a:rPr lang="en-US" sz="2400" b="1" dirty="0" smtClean="0">
+              <a:rPr lang="en-US" sz="2400" b="1" dirty="0">
                 <a:latin typeface="Times New Roman"/>
                 <a:cs typeface="Times New Roman"/>
               </a:rPr>
               <a:t>frequentist inference</a:t>
             </a:r>
             <a:r>
-              <a:rPr lang="en-US" sz="2400" dirty="0" smtClean="0">
+              <a:rPr lang="en-US" sz="2400" dirty="0">
                 <a:latin typeface="Times New Roman"/>
                 <a:cs typeface="Times New Roman"/>
               </a:rPr>
@@ -20748,21 +20282,21 @@
               <a:buChar char="•"/>
             </a:pPr>
             <a:r>
-              <a:rPr lang="en-US" sz="2400" dirty="0" smtClean="0">
+              <a:rPr lang="en-US" sz="2400" dirty="0">
                 <a:latin typeface="Times New Roman"/>
                 <a:cs typeface="Times New Roman"/>
               </a:rPr>
               <a:t>Assume the parameters </a:t>
             </a:r>
             <a:r>
-              <a:rPr lang="en-US" sz="2400" dirty="0" err="1" smtClean="0">
+              <a:rPr lang="en-US" sz="2400" dirty="0" err="1">
                 <a:latin typeface="Times New Roman"/>
                 <a:cs typeface="Times New Roman"/>
               </a:rPr>
               <a:t>r.v.s</a:t>
             </a:r>
             <a:r>
-              <a:rPr lang="en-US" sz="2400" dirty="0" smtClean="0">
+              <a:rPr lang="en-US" sz="2400" dirty="0">
                 <a:latin typeface="Times New Roman"/>
                 <a:cs typeface="Times New Roman"/>
               </a:rPr>
@@ -20775,25 +20309,11 @@
               <a:buChar char="•"/>
             </a:pPr>
             <a:r>
-              <a:rPr lang="en-US" sz="2400" dirty="0" smtClean="0">
-                <a:latin typeface="Times New Roman"/>
-                <a:cs typeface="Times New Roman"/>
-              </a:rPr>
-              <a:t>Assume a “prior” dist. </a:t>
-            </a:r>
-            <a:r>
               <a:rPr lang="en-US" sz="2400" dirty="0">
                 <a:latin typeface="Times New Roman"/>
                 <a:cs typeface="Times New Roman"/>
               </a:rPr>
-              <a:t>w</a:t>
-            </a:r>
-            <a:r>
-              <a:rPr lang="en-US" sz="2400" dirty="0" smtClean="0">
-                <a:latin typeface="Times New Roman"/>
-                <a:cs typeface="Times New Roman"/>
-              </a:rPr>
-              <a:t>hich represents your “beliefs” about the parameters before you’ve seen data. Combine that with data to get “updated beliefs” about the parameters.</a:t>
+              <a:t>Assume a “prior” dist. which represents your “beliefs” about the parameters before you’ve seen data. Combine that with data to get “updated beliefs” about the parameters.</a:t>
             </a:r>
           </a:p>
         </p:txBody>
@@ -20824,21 +20344,21 @@
               <a:buChar char="•"/>
             </a:pPr>
             <a:r>
-              <a:rPr lang="en-US" sz="2400" dirty="0" smtClean="0">
+              <a:rPr lang="en-US" sz="2400" dirty="0">
                 <a:latin typeface="Times New Roman"/>
                 <a:cs typeface="Times New Roman"/>
               </a:rPr>
               <a:t>This is called </a:t>
             </a:r>
             <a:r>
-              <a:rPr lang="en-US" sz="2400" b="1" dirty="0" smtClean="0">
+              <a:rPr lang="en-US" sz="2400" b="1" dirty="0">
                 <a:latin typeface="Times New Roman"/>
                 <a:cs typeface="Times New Roman"/>
               </a:rPr>
               <a:t>Bayesian inference</a:t>
             </a:r>
             <a:r>
-              <a:rPr lang="en-US" sz="2400" dirty="0" smtClean="0">
+              <a:rPr lang="en-US" sz="2400" dirty="0">
                 <a:latin typeface="Times New Roman"/>
                 <a:cs typeface="Times New Roman"/>
               </a:rPr>
@@ -20860,7 +20380,7 @@
   <p:timing>
     <p:tnLst>
       <p:par>
-        <p:cTn xmlns:p14="http://schemas.microsoft.com/office/powerpoint/2010/main" id="1" dur="indefinite" restart="never" nodeType="tmRoot">
+        <p:cTn id="1" dur="indefinite" restart="never" nodeType="tmRoot">
           <p:childTnLst>
             <p:seq concurrent="1" nextAc="seek">
               <p:cTn id="2" dur="indefinite" nodeType="mainSeq">
@@ -21328,7 +20848,7 @@
               </a:tabLst>
             </a:pPr>
             <a:r>
-              <a:rPr lang="en-US" sz="4000" dirty="0" smtClean="0">
+              <a:rPr lang="en-US" sz="4000" dirty="0">
                 <a:solidFill>
                   <a:schemeClr val="tx1"/>
                 </a:solidFill>
@@ -21398,35 +20918,35 @@
               <a:buChar char="•"/>
             </a:pPr>
             <a:r>
-              <a:rPr lang="en-US" sz="2600" dirty="0" smtClean="0">
+              <a:rPr lang="en-US" sz="2600" dirty="0">
                 <a:latin typeface="Times New Roman"/>
                 <a:cs typeface="Times New Roman"/>
               </a:rPr>
               <a:t>Estimator are functions of a sample of data, so they are properly called </a:t>
             </a:r>
             <a:r>
-              <a:rPr lang="en-US" sz="2600" b="1" dirty="0" smtClean="0">
+              <a:rPr lang="en-US" sz="2600" b="1" dirty="0">
                 <a:latin typeface="Times New Roman"/>
                 <a:cs typeface="Times New Roman"/>
               </a:rPr>
               <a:t>statistics</a:t>
             </a:r>
             <a:r>
-              <a:rPr lang="en-US" sz="2600" dirty="0" smtClean="0">
+              <a:rPr lang="en-US" sz="2600" dirty="0">
                 <a:latin typeface="Times New Roman"/>
                 <a:cs typeface="Times New Roman"/>
               </a:rPr>
               <a:t>. They are known as </a:t>
             </a:r>
             <a:r>
-              <a:rPr lang="en-US" sz="2600" b="1" dirty="0" smtClean="0">
+              <a:rPr lang="en-US" sz="2600" b="1" dirty="0">
                 <a:latin typeface="Times New Roman"/>
                 <a:cs typeface="Times New Roman"/>
               </a:rPr>
               <a:t>point estimates</a:t>
             </a:r>
             <a:r>
-              <a:rPr lang="en-US" sz="2600" dirty="0" smtClean="0">
+              <a:rPr lang="en-US" sz="2600" dirty="0">
                 <a:latin typeface="Times New Roman"/>
                 <a:cs typeface="Times New Roman"/>
               </a:rPr>
@@ -21507,49 +21027,49 @@
               <a:buChar char="•"/>
             </a:pPr>
             <a:r>
-              <a:rPr lang="en-US" sz="2400" dirty="0" smtClean="0">
+              <a:rPr lang="en-US" sz="2400" dirty="0">
                 <a:latin typeface="Times New Roman"/>
                 <a:cs typeface="Times New Roman"/>
               </a:rPr>
               <a:t>Think of </a:t>
             </a:r>
             <a:r>
-              <a:rPr lang="en-US" sz="2400" i="1" dirty="0" smtClean="0">
+              <a:rPr lang="en-US" sz="2400" i="1" dirty="0">
                 <a:latin typeface="Times New Roman"/>
                 <a:cs typeface="Times New Roman"/>
               </a:rPr>
               <a:t>f</a:t>
             </a:r>
             <a:r>
-              <a:rPr lang="en-US" sz="2400" dirty="0" smtClean="0">
+              <a:rPr lang="en-US" sz="2400" dirty="0">
                 <a:latin typeface="Times New Roman"/>
                 <a:cs typeface="Times New Roman"/>
               </a:rPr>
               <a:t> as an “</a:t>
             </a:r>
             <a:r>
-              <a:rPr lang="en-US" sz="2400" b="1" dirty="0" smtClean="0">
+              <a:rPr lang="en-US" sz="2400" b="1" dirty="0">
                 <a:latin typeface="Times New Roman"/>
                 <a:cs typeface="Times New Roman"/>
               </a:rPr>
               <a:t>algorithm</a:t>
             </a:r>
             <a:r>
-              <a:rPr lang="en-US" sz="2400" dirty="0" smtClean="0">
+              <a:rPr lang="en-US" sz="2400" dirty="0">
                 <a:latin typeface="Times New Roman"/>
                 <a:cs typeface="Times New Roman"/>
               </a:rPr>
               <a:t>” to approximate </a:t>
             </a:r>
             <a:r>
-              <a:rPr lang="en-US" sz="2400" i="1" dirty="0" smtClean="0">
+              <a:rPr lang="en-US" sz="2400" i="1" dirty="0">
                 <a:latin typeface="Symbol" charset="2"/>
                 <a:cs typeface="Symbol" charset="2"/>
               </a:rPr>
               <a:t>q</a:t>
             </a:r>
             <a:r>
-              <a:rPr lang="en-US" sz="2400" dirty="0" smtClean="0">
+              <a:rPr lang="en-US" sz="2400" dirty="0">
                 <a:latin typeface="Times New Roman"/>
                 <a:cs typeface="Times New Roman"/>
               </a:rPr>
@@ -21584,21 +21104,21 @@
               <a:buChar char="•"/>
             </a:pPr>
             <a:r>
-              <a:rPr lang="en-US" sz="2600" dirty="0" smtClean="0">
+              <a:rPr lang="en-US" sz="2600" dirty="0">
                 <a:latin typeface="Times New Roman"/>
                 <a:cs typeface="Times New Roman"/>
               </a:rPr>
               <a:t>What choices of algorithms do we have to estimate </a:t>
             </a:r>
             <a:r>
-              <a:rPr lang="en-US" sz="2600" i="1" dirty="0" smtClean="0">
+              <a:rPr lang="en-US" sz="2600" i="1" dirty="0">
                 <a:latin typeface="Symbol" charset="2"/>
                 <a:cs typeface="Symbol" charset="2"/>
               </a:rPr>
               <a:t>q </a:t>
             </a:r>
             <a:r>
-              <a:rPr lang="en-US" sz="2600" dirty="0" smtClean="0">
+              <a:rPr lang="en-US" sz="2600" dirty="0">
                 <a:latin typeface="Times New Roman"/>
                 <a:cs typeface="Times New Roman"/>
               </a:rPr>
@@ -21630,7 +21150,7 @@
           <a:lstStyle/>
           <a:p>
             <a:r>
-              <a:rPr lang="en-US" sz="2400" dirty="0" smtClean="0">
+              <a:rPr lang="en-US" sz="2400" dirty="0">
                 <a:latin typeface="Times New Roman"/>
                 <a:cs typeface="Times New Roman"/>
               </a:rPr>
@@ -21647,7 +21167,7 @@
               <a:buChar char="•"/>
             </a:pPr>
             <a:r>
-              <a:rPr lang="en-US" sz="2000" dirty="0" smtClean="0">
+              <a:rPr lang="en-US" sz="2000" dirty="0">
                 <a:latin typeface="Times New Roman"/>
                 <a:cs typeface="Times New Roman"/>
               </a:rPr>
@@ -21660,7 +21180,7 @@
               <a:buChar char="•"/>
             </a:pPr>
             <a:r>
-              <a:rPr lang="en-US" sz="2000" dirty="0" smtClean="0">
+              <a:rPr lang="en-US" sz="2000" dirty="0">
                 <a:latin typeface="Times New Roman"/>
                 <a:cs typeface="Times New Roman"/>
               </a:rPr>
@@ -21673,7 +21193,7 @@
               <a:buChar char="•"/>
             </a:pPr>
             <a:r>
-              <a:rPr lang="en-US" sz="2000" dirty="0" smtClean="0">
+              <a:rPr lang="en-US" sz="2000" dirty="0">
                 <a:latin typeface="Times New Roman"/>
                 <a:cs typeface="Times New Roman"/>
               </a:rPr>
@@ -21683,7 +21203,7 @@
           <a:p>
             <a:pPr lvl="2"/>
             <a:r>
-              <a:rPr lang="en-US" sz="2000" dirty="0" smtClean="0">
+              <a:rPr lang="en-US" sz="2000" dirty="0">
                 <a:latin typeface="Times New Roman"/>
                 <a:cs typeface="Times New Roman"/>
               </a:rPr>
@@ -21696,7 +21216,7 @@
               <a:buChar char="•"/>
             </a:pPr>
             <a:r>
-              <a:rPr lang="en-US" sz="2000" dirty="0" smtClean="0">
+              <a:rPr lang="en-US" sz="2000" dirty="0">
                 <a:latin typeface="Times New Roman"/>
                 <a:cs typeface="Times New Roman"/>
               </a:rPr>
@@ -21784,7 +21304,7 @@
   <p:timing>
     <p:tnLst>
       <p:par>
-        <p:cTn xmlns:p14="http://schemas.microsoft.com/office/powerpoint/2010/main" id="1" dur="indefinite" restart="never" nodeType="tmRoot">
+        <p:cTn id="1" dur="indefinite" restart="never" nodeType="tmRoot">
           <p:childTnLst>
             <p:seq concurrent="1" nextAc="seek">
               <p:cTn id="2" dur="indefinite" nodeType="mainSeq">
@@ -22761,7 +22281,7 @@
               </a:tabLst>
             </a:pPr>
             <a:r>
-              <a:rPr lang="en-US" sz="4000" dirty="0" smtClean="0">
+              <a:rPr lang="en-US" sz="4000" dirty="0">
                 <a:solidFill>
                   <a:schemeClr val="tx1"/>
                 </a:solidFill>
@@ -22831,42 +22351,42 @@
               <a:buChar char="•"/>
             </a:pPr>
             <a:r>
-              <a:rPr lang="en-US" sz="2600" dirty="0" smtClean="0">
+              <a:rPr lang="en-US" sz="2600" dirty="0">
                 <a:latin typeface="Times New Roman"/>
                 <a:cs typeface="Times New Roman"/>
               </a:rPr>
               <a:t>Say your data </a:t>
             </a:r>
             <a:r>
-              <a:rPr lang="en-US" sz="2600" i="1" dirty="0" smtClean="0">
+              <a:rPr lang="en-US" sz="2600" i="1" dirty="0">
                 <a:latin typeface="Times New Roman"/>
                 <a:cs typeface="Times New Roman"/>
               </a:rPr>
               <a:t>X</a:t>
             </a:r>
             <a:r>
-              <a:rPr lang="en-US" sz="2600" i="1" baseline="-25000" dirty="0" smtClean="0">
+              <a:rPr lang="en-US" sz="2600" i="1" baseline="-25000" dirty="0">
                 <a:latin typeface="Times New Roman"/>
                 <a:cs typeface="Times New Roman"/>
               </a:rPr>
               <a:t>i</a:t>
             </a:r>
             <a:r>
-              <a:rPr lang="en-US" sz="2600" dirty="0" smtClean="0">
+              <a:rPr lang="en-US" sz="2600" dirty="0">
                 <a:latin typeface="Times New Roman"/>
                 <a:cs typeface="Times New Roman"/>
               </a:rPr>
               <a:t> follows some distribution with parameters </a:t>
             </a:r>
             <a:r>
-              <a:rPr lang="en-US" sz="2600" i="1" dirty="0" smtClean="0">
+              <a:rPr lang="en-US" sz="2600" i="1" dirty="0">
                 <a:latin typeface="Symbol" charset="2"/>
                 <a:cs typeface="Symbol" charset="2"/>
               </a:rPr>
               <a:t>q</a:t>
             </a:r>
             <a:r>
-              <a:rPr lang="en-US" sz="2600" dirty="0" smtClean="0">
+              <a:rPr lang="en-US" sz="2600" dirty="0">
                 <a:latin typeface="Times New Roman"/>
                 <a:cs typeface="Times New Roman"/>
               </a:rPr>
@@ -22925,63 +22445,63 @@
               <a:buChar char="•"/>
             </a:pPr>
             <a:r>
-              <a:rPr lang="en-US" sz="2600" dirty="0" smtClean="0">
+              <a:rPr lang="en-US" sz="2600" dirty="0">
                 <a:latin typeface="Times New Roman"/>
                 <a:cs typeface="Times New Roman"/>
               </a:rPr>
               <a:t>Next say you get an </a:t>
             </a:r>
             <a:r>
-              <a:rPr lang="en-US" sz="2600" i="1" u="sng" dirty="0" smtClean="0">
+              <a:rPr lang="en-US" sz="2600" i="1" u="sng" dirty="0">
                 <a:latin typeface="Times New Roman"/>
                 <a:cs typeface="Times New Roman"/>
               </a:rPr>
               <a:t>independent and identically distributed </a:t>
             </a:r>
             <a:r>
-              <a:rPr lang="en-US" sz="2600" dirty="0" smtClean="0">
+              <a:rPr lang="en-US" sz="2600" dirty="0">
                 <a:latin typeface="Times New Roman"/>
                 <a:cs typeface="Times New Roman"/>
               </a:rPr>
               <a:t>(</a:t>
             </a:r>
             <a:r>
-              <a:rPr lang="en-US" sz="2600" b="1" dirty="0" smtClean="0">
+              <a:rPr lang="en-US" sz="2600" b="1" dirty="0">
                 <a:latin typeface="Times New Roman"/>
                 <a:cs typeface="Times New Roman"/>
               </a:rPr>
               <a:t>IID</a:t>
             </a:r>
             <a:r>
-              <a:rPr lang="en-US" sz="2600" dirty="0" smtClean="0">
+              <a:rPr lang="en-US" sz="2600" dirty="0">
                 <a:latin typeface="Times New Roman"/>
                 <a:cs typeface="Times New Roman"/>
               </a:rPr>
               <a:t>) sample of size </a:t>
             </a:r>
             <a:r>
-              <a:rPr lang="en-US" sz="2600" i="1" dirty="0" smtClean="0">
+              <a:rPr lang="en-US" sz="2600" i="1" dirty="0">
                 <a:latin typeface="Times New Roman"/>
                 <a:cs typeface="Times New Roman"/>
               </a:rPr>
               <a:t>n</a:t>
             </a:r>
             <a:r>
-              <a:rPr lang="en-US" sz="2600" dirty="0" smtClean="0">
+              <a:rPr lang="en-US" sz="2600" dirty="0">
                 <a:latin typeface="Times New Roman"/>
                 <a:cs typeface="Times New Roman"/>
               </a:rPr>
               <a:t>. The </a:t>
             </a:r>
             <a:r>
-              <a:rPr lang="en-US" sz="2600" b="1" dirty="0" smtClean="0">
+              <a:rPr lang="en-US" sz="2600" b="1" dirty="0">
                 <a:latin typeface="Times New Roman"/>
                 <a:cs typeface="Times New Roman"/>
               </a:rPr>
               <a:t>log likelihood </a:t>
             </a:r>
             <a:r>
-              <a:rPr lang="en-US" sz="2600" dirty="0" smtClean="0">
+              <a:rPr lang="en-US" sz="2600" dirty="0">
                 <a:latin typeface="Times New Roman"/>
                 <a:cs typeface="Times New Roman"/>
               </a:rPr>
@@ -23016,56 +22536,56 @@
               <a:buChar char="•"/>
             </a:pPr>
             <a:r>
-              <a:rPr lang="en-US" sz="2800" dirty="0" smtClean="0">
+              <a:rPr lang="en-US" sz="2800" dirty="0">
                 <a:latin typeface="Times New Roman"/>
                 <a:cs typeface="Times New Roman"/>
               </a:rPr>
               <a:t>The </a:t>
             </a:r>
             <a:r>
-              <a:rPr lang="en-US" sz="2800" i="1" dirty="0" smtClean="0">
+              <a:rPr lang="en-US" sz="2800" i="1" dirty="0">
                 <a:latin typeface="Symbol" charset="2"/>
                 <a:cs typeface="Symbol" charset="2"/>
               </a:rPr>
               <a:t>q</a:t>
             </a:r>
             <a:r>
-              <a:rPr lang="en-US" sz="2800" dirty="0" smtClean="0">
+              <a:rPr lang="en-US" sz="2800" dirty="0">
                 <a:latin typeface="Times New Roman"/>
                 <a:cs typeface="Times New Roman"/>
               </a:rPr>
               <a:t> which gives the </a:t>
             </a:r>
             <a:r>
-              <a:rPr lang="en-US" sz="2800" b="1" i="1" u="sng" dirty="0" smtClean="0">
+              <a:rPr lang="en-US" sz="2800" b="1" i="1" u="sng" dirty="0">
                 <a:latin typeface="Times New Roman"/>
                 <a:cs typeface="Times New Roman"/>
               </a:rPr>
               <a:t>maximum</a:t>
             </a:r>
             <a:r>
-              <a:rPr lang="en-US" sz="2800" dirty="0" smtClean="0">
+              <a:rPr lang="en-US" sz="2800" dirty="0">
                 <a:latin typeface="Times New Roman"/>
                 <a:cs typeface="Times New Roman"/>
               </a:rPr>
               <a:t>  </a:t>
             </a:r>
             <a:r>
-              <a:rPr lang="en-US" sz="2800" i="1" u="sng" dirty="0" smtClean="0">
+              <a:rPr lang="en-US" sz="2800" i="1" u="sng" dirty="0">
                 <a:latin typeface="Times New Roman"/>
                 <a:cs typeface="Times New Roman"/>
               </a:rPr>
               <a:t>log likelihood</a:t>
             </a:r>
             <a:r>
-              <a:rPr lang="en-US" sz="2800" i="1" dirty="0" smtClean="0">
+              <a:rPr lang="en-US" sz="2800" i="1" dirty="0">
                 <a:latin typeface="Times New Roman"/>
                 <a:cs typeface="Times New Roman"/>
               </a:rPr>
               <a:t> </a:t>
             </a:r>
             <a:r>
-              <a:rPr lang="en-US" sz="2800" dirty="0" smtClean="0">
+              <a:rPr lang="en-US" sz="2800" dirty="0">
                 <a:latin typeface="Times New Roman"/>
                 <a:cs typeface="Times New Roman"/>
               </a:rPr>
@@ -23135,7 +22655,7 @@
   <p:timing>
     <p:tnLst>
       <p:par>
-        <p:cTn xmlns:p14="http://schemas.microsoft.com/office/powerpoint/2010/main" id="1" dur="indefinite" restart="never" nodeType="tmRoot">
+        <p:cTn id="1" dur="indefinite" restart="never" nodeType="tmRoot">
           <p:childTnLst>
             <p:seq concurrent="1" nextAc="seek">
               <p:cTn id="2" dur="indefinite" nodeType="mainSeq">
@@ -23583,7 +23103,7 @@
               </a:tabLst>
             </a:pPr>
             <a:r>
-              <a:rPr lang="en-US" sz="4000" dirty="0" smtClean="0">
+              <a:rPr lang="en-US" sz="4000" dirty="0">
                 <a:solidFill>
                   <a:schemeClr val="tx1"/>
                 </a:solidFill>
@@ -23653,7 +23173,7 @@
               <a:buChar char="•"/>
             </a:pPr>
             <a:r>
-              <a:rPr lang="en-US" sz="2600" dirty="0" smtClean="0">
+              <a:rPr lang="en-US" sz="2600" dirty="0">
                 <a:latin typeface="Times New Roman"/>
                 <a:cs typeface="Times New Roman"/>
               </a:rPr>
@@ -23688,21 +23208,21 @@
               <a:buChar char="•"/>
             </a:pPr>
             <a:r>
-              <a:rPr lang="en-US" sz="2400" dirty="0" smtClean="0">
+              <a:rPr lang="en-US" sz="2400" dirty="0">
                 <a:latin typeface="Times New Roman"/>
                 <a:cs typeface="Times New Roman"/>
               </a:rPr>
               <a:t>Luckily, one of the few times this happens is for the </a:t>
             </a:r>
             <a:r>
-              <a:rPr lang="en-US" sz="2400" u="sng" dirty="0" smtClean="0">
+              <a:rPr lang="en-US" sz="2400" u="sng" dirty="0">
                 <a:latin typeface="Times New Roman"/>
                 <a:cs typeface="Times New Roman"/>
               </a:rPr>
               <a:t>normal</a:t>
             </a:r>
             <a:r>
-              <a:rPr lang="en-US" sz="2400" dirty="0" smtClean="0">
+              <a:rPr lang="en-US" sz="2400" dirty="0">
                 <a:latin typeface="Times New Roman"/>
                 <a:cs typeface="Times New Roman"/>
               </a:rPr>
@@ -23734,16 +23254,12 @@
           <a:lstStyle/>
           <a:p>
             <a:r>
-              <a:rPr lang="en-US" sz="2400" b="1" dirty="0" smtClean="0">
+              <a:rPr lang="en-US" sz="2400" b="1" dirty="0">
                 <a:latin typeface="Times New Roman"/>
                 <a:cs typeface="Times New Roman"/>
               </a:rPr>
               <a:t>The sample average</a:t>
             </a:r>
-            <a:endParaRPr lang="en-US" sz="2400" b="1" dirty="0">
-              <a:latin typeface="Times New Roman"/>
-              <a:cs typeface="Times New Roman"/>
-            </a:endParaRPr>
           </a:p>
         </p:txBody>
       </p:sp>
@@ -23837,23 +23353,19 @@
           <a:lstStyle/>
           <a:p>
             <a:r>
-              <a:rPr lang="en-US" sz="2400" b="1" dirty="0" smtClean="0">
+              <a:rPr lang="en-US" sz="2400" b="1" dirty="0">
                 <a:latin typeface="Times New Roman"/>
                 <a:cs typeface="Times New Roman"/>
               </a:rPr>
               <a:t>MLE for mean </a:t>
             </a:r>
             <a:r>
-              <a:rPr lang="en-US" sz="2400" dirty="0" smtClean="0">
+              <a:rPr lang="en-US" sz="2400" dirty="0">
                 <a:latin typeface="Times New Roman"/>
                 <a:cs typeface="Times New Roman"/>
               </a:rPr>
               <a:t>of Gaussian data:</a:t>
             </a:r>
-            <a:endParaRPr lang="en-US" sz="2400" dirty="0">
-              <a:latin typeface="Times New Roman"/>
-              <a:cs typeface="Times New Roman"/>
-            </a:endParaRPr>
           </a:p>
         </p:txBody>
       </p:sp>
@@ -23880,37 +23392,33 @@
           <a:lstStyle/>
           <a:p>
             <a:r>
-              <a:rPr lang="en-US" sz="2400" b="1" dirty="0" smtClean="0">
+              <a:rPr lang="en-US" sz="2400" b="1" dirty="0">
                 <a:latin typeface="Times New Roman"/>
                 <a:cs typeface="Times New Roman"/>
               </a:rPr>
               <a:t>MLE for </a:t>
             </a:r>
             <a:r>
-              <a:rPr lang="en-US" sz="2400" b="1" dirty="0" err="1" smtClean="0">
+              <a:rPr lang="en-US" sz="2400" b="1" dirty="0" err="1">
                 <a:latin typeface="Times New Roman"/>
                 <a:cs typeface="Times New Roman"/>
               </a:rPr>
               <a:t>sd</a:t>
             </a:r>
             <a:r>
-              <a:rPr lang="en-US" sz="2400" b="1" dirty="0" smtClean="0">
+              <a:rPr lang="en-US" sz="2400" b="1" dirty="0">
                 <a:latin typeface="Times New Roman"/>
                 <a:cs typeface="Times New Roman"/>
               </a:rPr>
               <a:t> </a:t>
             </a:r>
             <a:r>
-              <a:rPr lang="en-US" sz="2400" dirty="0" smtClean="0">
+              <a:rPr lang="en-US" sz="2400" dirty="0">
                 <a:latin typeface="Times New Roman"/>
                 <a:cs typeface="Times New Roman"/>
               </a:rPr>
               <a:t>of Gaussian data:</a:t>
             </a:r>
-            <a:endParaRPr lang="en-US" sz="2400" dirty="0">
-              <a:latin typeface="Times New Roman"/>
-              <a:cs typeface="Times New Roman"/>
-            </a:endParaRPr>
           </a:p>
         </p:txBody>
       </p:sp>
@@ -23992,13 +23500,6 @@
   <p:clrMapOvr>
     <a:masterClrMapping/>
   </p:clrMapOvr>
-  <p:timing>
-    <p:tnLst>
-      <p:par>
-        <p:cTn xmlns:p14="http://schemas.microsoft.com/office/powerpoint/2010/main" id="1" dur="indefinite" restart="never" nodeType="tmRoot"/>
-      </p:par>
-    </p:tnLst>
-  </p:timing>
 </p:sld>
 </file>
 
@@ -24070,7 +23571,7 @@
               </a:tabLst>
             </a:pPr>
             <a:r>
-              <a:rPr lang="en-US" sz="4000" dirty="0" smtClean="0">
+              <a:rPr lang="en-US" sz="4000" dirty="0">
                 <a:solidFill>
                   <a:schemeClr val="tx1"/>
                 </a:solidFill>
@@ -24140,7 +23641,7 @@
               <a:buChar char="•"/>
             </a:pPr>
             <a:r>
-              <a:rPr lang="en-US" sz="2600" dirty="0" smtClean="0">
+              <a:rPr lang="en-US" sz="2600" dirty="0">
                 <a:latin typeface="Times New Roman"/>
                 <a:cs typeface="Times New Roman"/>
               </a:rPr>
@@ -24175,35 +23676,35 @@
               <a:buChar char="•"/>
             </a:pPr>
             <a:r>
-              <a:rPr lang="en-US" sz="2400" dirty="0" smtClean="0">
+              <a:rPr lang="en-US" sz="2400" dirty="0">
                 <a:latin typeface="Times New Roman"/>
                 <a:cs typeface="Times New Roman"/>
               </a:rPr>
               <a:t>For </a:t>
             </a:r>
             <a:r>
-              <a:rPr lang="en-US" sz="2400" u="sng" dirty="0" smtClean="0">
+              <a:rPr lang="en-US" sz="2400" u="sng" dirty="0">
                 <a:latin typeface="Times New Roman"/>
                 <a:cs typeface="Times New Roman"/>
               </a:rPr>
               <a:t>Bernoulli/Binomial </a:t>
             </a:r>
             <a:r>
-              <a:rPr lang="en-US" sz="2400" dirty="0" smtClean="0">
+              <a:rPr lang="en-US" sz="2400" dirty="0">
                 <a:latin typeface="Times New Roman"/>
                 <a:cs typeface="Times New Roman"/>
               </a:rPr>
               <a:t>distributed data and sample size </a:t>
             </a:r>
             <a:r>
-              <a:rPr lang="en-US" sz="2400" i="1" dirty="0" smtClean="0">
+              <a:rPr lang="en-US" sz="2400" i="1" dirty="0">
                 <a:latin typeface="Times New Roman"/>
                 <a:cs typeface="Times New Roman"/>
               </a:rPr>
               <a:t>n</a:t>
             </a:r>
             <a:r>
-              <a:rPr lang="en-US" sz="2400" dirty="0" smtClean="0">
+              <a:rPr lang="en-US" sz="2400" dirty="0">
                 <a:latin typeface="Times New Roman"/>
                 <a:cs typeface="Times New Roman"/>
               </a:rPr>
@@ -24279,7 +23780,7 @@
           <a:lstStyle/>
           <a:p>
             <a:r>
-              <a:rPr lang="en-US" sz="2400" b="1" dirty="0" smtClean="0">
+              <a:rPr lang="en-US" sz="2400" b="1" dirty="0">
                 <a:latin typeface="Times New Roman"/>
                 <a:cs typeface="Times New Roman"/>
               </a:rPr>
@@ -24342,35 +23843,35 @@
               <a:buChar char="•"/>
             </a:pPr>
             <a:r>
-              <a:rPr lang="en-US" sz="2400" dirty="0" smtClean="0">
+              <a:rPr lang="en-US" sz="2400" dirty="0">
                 <a:latin typeface="Times New Roman"/>
                 <a:cs typeface="Times New Roman"/>
               </a:rPr>
               <a:t>For </a:t>
             </a:r>
             <a:r>
-              <a:rPr lang="en-US" sz="2400" u="sng" dirty="0" smtClean="0">
+              <a:rPr lang="en-US" sz="2400" u="sng" dirty="0">
                 <a:latin typeface="Times New Roman"/>
                 <a:cs typeface="Times New Roman"/>
               </a:rPr>
               <a:t>Poisson</a:t>
             </a:r>
             <a:r>
-              <a:rPr lang="en-US" sz="2400" dirty="0" smtClean="0">
+              <a:rPr lang="en-US" sz="2400" dirty="0">
                 <a:latin typeface="Times New Roman"/>
                 <a:cs typeface="Times New Roman"/>
               </a:rPr>
               <a:t> distributed data of sample size </a:t>
             </a:r>
             <a:r>
-              <a:rPr lang="en-US" sz="2400" i="1" dirty="0" smtClean="0">
+              <a:rPr lang="en-US" sz="2400" i="1" dirty="0">
                 <a:latin typeface="Times New Roman"/>
                 <a:cs typeface="Times New Roman"/>
               </a:rPr>
               <a:t>n</a:t>
             </a:r>
             <a:r>
-              <a:rPr lang="en-US" sz="2400" dirty="0" smtClean="0">
+              <a:rPr lang="en-US" sz="2400" dirty="0">
                 <a:latin typeface="Times New Roman"/>
                 <a:cs typeface="Times New Roman"/>
               </a:rPr>
@@ -24446,7 +23947,7 @@
           <a:lstStyle/>
           <a:p>
             <a:r>
-              <a:rPr lang="en-US" sz="2400" b="1" dirty="0" smtClean="0">
+              <a:rPr lang="en-US" sz="2400" b="1" dirty="0">
                 <a:latin typeface="Times New Roman"/>
                 <a:cs typeface="Times New Roman"/>
               </a:rPr>
@@ -24493,13 +23994,6 @@
   <p:clrMapOvr>
     <a:masterClrMapping/>
   </p:clrMapOvr>
-  <p:timing>
-    <p:tnLst>
-      <p:par>
-        <p:cTn xmlns:p14="http://schemas.microsoft.com/office/powerpoint/2010/main" id="1" dur="indefinite" restart="never" nodeType="tmRoot"/>
-      </p:par>
-    </p:tnLst>
-  </p:timing>
 </p:sld>
 </file>
 
@@ -24571,7 +24065,7 @@
               </a:tabLst>
             </a:pPr>
             <a:r>
-              <a:rPr lang="en-US" sz="4000" dirty="0" smtClean="0">
+              <a:rPr lang="en-US" sz="4000" dirty="0">
                 <a:solidFill>
                   <a:schemeClr val="tx1"/>
                 </a:solidFill>
@@ -24641,21 +24135,21 @@
               <a:buChar char="•"/>
             </a:pPr>
             <a:r>
-              <a:rPr lang="en-US" sz="2600" dirty="0" smtClean="0">
+              <a:rPr lang="en-US" sz="2600" dirty="0">
                 <a:latin typeface="Times New Roman"/>
                 <a:cs typeface="Times New Roman"/>
               </a:rPr>
               <a:t>Because estimators are based on random samples, they are random </a:t>
             </a:r>
             <a:r>
-              <a:rPr lang="en-US" sz="2600" dirty="0" err="1" smtClean="0">
+              <a:rPr lang="en-US" sz="2600" dirty="0" err="1">
                 <a:latin typeface="Times New Roman"/>
                 <a:cs typeface="Times New Roman"/>
               </a:rPr>
               <a:t>variates</a:t>
             </a:r>
             <a:r>
-              <a:rPr lang="en-US" sz="2600" dirty="0" smtClean="0">
+              <a:rPr lang="en-US" sz="2600" dirty="0">
                 <a:latin typeface="Times New Roman"/>
                 <a:cs typeface="Times New Roman"/>
               </a:rPr>
@@ -24690,14 +24184,14 @@
               <a:buChar char="•"/>
             </a:pPr>
             <a:r>
-              <a:rPr lang="en-US" sz="2400" dirty="0" smtClean="0">
+              <a:rPr lang="en-US" sz="2400" dirty="0">
                 <a:latin typeface="Times New Roman"/>
                 <a:cs typeface="Times New Roman"/>
               </a:rPr>
               <a:t>Estimators have distributions called </a:t>
             </a:r>
             <a:r>
-              <a:rPr lang="en-US" sz="2400" b="1" dirty="0" smtClean="0">
+              <a:rPr lang="en-US" sz="2400" b="1" dirty="0">
                 <a:latin typeface="Times New Roman"/>
                 <a:cs typeface="Times New Roman"/>
               </a:rPr>
@@ -24728,21 +24222,21 @@
           <a:lstStyle/>
           <a:p>
             <a:r>
-              <a:rPr lang="en-US" sz="2000" dirty="0" smtClean="0">
+              <a:rPr lang="en-US" sz="2000" dirty="0">
                 <a:latin typeface="Times New Roman"/>
                 <a:cs typeface="Times New Roman"/>
               </a:rPr>
               <a:t>Say are interested in mean </a:t>
             </a:r>
             <a:r>
-              <a:rPr lang="en-US" sz="2000" dirty="0" err="1" smtClean="0">
+              <a:rPr lang="en-US" sz="2000" dirty="0" err="1">
                 <a:latin typeface="Times New Roman"/>
                 <a:cs typeface="Times New Roman"/>
               </a:rPr>
               <a:t>Mn</a:t>
             </a:r>
             <a:r>
-              <a:rPr lang="en-US" sz="2000" dirty="0" smtClean="0">
+              <a:rPr lang="en-US" sz="2000" dirty="0">
                 <a:latin typeface="Times New Roman"/>
                 <a:cs typeface="Times New Roman"/>
               </a:rPr>
@@ -24774,35 +24268,35 @@
           <a:lstStyle/>
           <a:p>
             <a:r>
-              <a:rPr lang="en-US" sz="2000" dirty="0" smtClean="0">
+              <a:rPr lang="en-US" sz="2000" dirty="0">
                 <a:latin typeface="Times New Roman"/>
                 <a:cs typeface="Times New Roman"/>
               </a:rPr>
               <a:t>Lets use the average mass of </a:t>
             </a:r>
             <a:r>
-              <a:rPr lang="en-US" sz="2000" dirty="0" err="1" smtClean="0">
+              <a:rPr lang="en-US" sz="2000" dirty="0" err="1">
                 <a:latin typeface="Times New Roman"/>
                 <a:cs typeface="Times New Roman"/>
               </a:rPr>
               <a:t>Mn</a:t>
             </a:r>
             <a:r>
-              <a:rPr lang="en-US" sz="2000" dirty="0" smtClean="0">
+              <a:rPr lang="en-US" sz="2000" dirty="0">
                 <a:latin typeface="Times New Roman"/>
                 <a:cs typeface="Times New Roman"/>
               </a:rPr>
               <a:t> in a sample (of size </a:t>
             </a:r>
             <a:r>
-              <a:rPr lang="en-US" sz="2000" i="1" dirty="0" smtClean="0">
+              <a:rPr lang="en-US" sz="2000" i="1" dirty="0">
                 <a:latin typeface="Times New Roman"/>
                 <a:cs typeface="Times New Roman"/>
               </a:rPr>
               <a:t>n</a:t>
             </a:r>
             <a:r>
-              <a:rPr lang="en-US" sz="2000" dirty="0" smtClean="0">
+              <a:rPr lang="en-US" sz="2000" dirty="0">
                 <a:latin typeface="Times New Roman"/>
                 <a:cs typeface="Times New Roman"/>
               </a:rPr>
@@ -24872,7 +24366,7 @@
             <a:lstStyle/>
             <a:p>
               <a:r>
-                <a:rPr lang="en-US" sz="2000" dirty="0" smtClean="0">
+                <a:rPr lang="en-US" sz="2000" dirty="0">
                   <a:latin typeface="Times New Roman"/>
                   <a:cs typeface="Times New Roman"/>
                 </a:rPr>
@@ -24908,14 +24402,7 @@
                   <a:latin typeface="Times New Roman"/>
                   <a:cs typeface="Times New Roman"/>
                 </a:rPr>
-                <a:t>l</a:t>
-              </a:r>
-              <a:r>
-                <a:rPr lang="en-US" sz="2000" dirty="0" smtClean="0">
-                  <a:latin typeface="Times New Roman"/>
-                  <a:cs typeface="Times New Roman"/>
-                </a:rPr>
-                <a:t>ook like if we take 1000 samples of</a:t>
+                <a:t>look like if we take 1000 samples of</a:t>
               </a:r>
               <a:endParaRPr lang="en-US" sz="2000" dirty="0"/>
             </a:p>
@@ -24943,7 +24430,7 @@
             <a:lstStyle/>
             <a:p>
               <a:r>
-                <a:rPr lang="en-US" sz="2000" dirty="0" smtClean="0">
+                <a:rPr lang="en-US" sz="2000" dirty="0">
                   <a:latin typeface="Times New Roman"/>
                   <a:cs typeface="Times New Roman"/>
                 </a:rPr>
@@ -24990,7 +24477,7 @@
   <p:timing>
     <p:tnLst>
       <p:par>
-        <p:cTn xmlns:p14="http://schemas.microsoft.com/office/powerpoint/2010/main" id="1" dur="indefinite" restart="never" nodeType="tmRoot">
+        <p:cTn id="1" dur="indefinite" restart="never" nodeType="tmRoot">
           <p:childTnLst>
             <p:seq concurrent="1" nextAc="seek">
               <p:cTn id="2" dur="indefinite" nodeType="mainSeq">
@@ -25637,7 +25124,7 @@
               </a:tabLst>
             </a:pPr>
             <a:r>
-              <a:rPr lang="en-US" sz="4000" dirty="0" smtClean="0">
+              <a:rPr lang="en-US" sz="4000" dirty="0">
                 <a:solidFill>
                   <a:schemeClr val="tx1"/>
                 </a:solidFill>
@@ -25717,7 +25204,7 @@
             <a:lstStyle/>
             <a:p>
               <a:r>
-                <a:rPr lang="en-US" sz="2000" dirty="0" smtClean="0">
+                <a:rPr lang="en-US" sz="2000" dirty="0">
                   <a:latin typeface="Times New Roman"/>
                   <a:cs typeface="Times New Roman"/>
                 </a:rPr>
@@ -25773,21 +25260,21 @@
           <a:lstStyle/>
           <a:p>
             <a:r>
-              <a:rPr lang="en-US" sz="2000" dirty="0" smtClean="0">
+              <a:rPr lang="en-US" sz="2000" dirty="0">
                 <a:latin typeface="Times New Roman"/>
                 <a:cs typeface="Times New Roman"/>
               </a:rPr>
               <a:t>Sample size, </a:t>
             </a:r>
             <a:r>
-              <a:rPr lang="en-US" sz="2000" i="1" dirty="0" smtClean="0">
+              <a:rPr lang="en-US" sz="2000" i="1" dirty="0">
                 <a:latin typeface="Times New Roman"/>
                 <a:cs typeface="Times New Roman"/>
               </a:rPr>
               <a:t>n</a:t>
             </a:r>
             <a:r>
-              <a:rPr lang="en-US" sz="2000" dirty="0" smtClean="0">
+              <a:rPr lang="en-US" sz="2000" dirty="0">
                 <a:latin typeface="Times New Roman"/>
                 <a:cs typeface="Times New Roman"/>
               </a:rPr>
@@ -25819,7 +25306,7 @@
           <a:lstStyle/>
           <a:p>
             <a:r>
-              <a:rPr lang="en-US" sz="2000" dirty="0" smtClean="0">
+              <a:rPr lang="en-US" sz="2000" dirty="0">
                 <a:latin typeface="Times New Roman"/>
                 <a:cs typeface="Times New Roman"/>
               </a:rPr>
@@ -25884,21 +25371,21 @@
           <a:lstStyle/>
           <a:p>
             <a:r>
-              <a:rPr lang="en-US" sz="2000" dirty="0" smtClean="0">
+              <a:rPr lang="en-US" sz="2000" dirty="0">
                 <a:latin typeface="Times New Roman"/>
                 <a:cs typeface="Times New Roman"/>
               </a:rPr>
               <a:t>Sampling </a:t>
             </a:r>
             <a:r>
-              <a:rPr lang="en-US" sz="2000" dirty="0" err="1" smtClean="0">
+              <a:rPr lang="en-US" sz="2000" dirty="0" err="1">
                 <a:latin typeface="Times New Roman"/>
                 <a:cs typeface="Times New Roman"/>
               </a:rPr>
               <a:t>dist</a:t>
             </a:r>
             <a:r>
-              <a:rPr lang="en-US" sz="2000" dirty="0" smtClean="0">
+              <a:rPr lang="en-US" sz="2000" dirty="0">
                 <a:latin typeface="Times New Roman"/>
                 <a:cs typeface="Times New Roman"/>
               </a:rPr>
@@ -25954,7 +25441,7 @@
           <a:lstStyle/>
           <a:p>
             <a:r>
-              <a:rPr lang="en-US" sz="2000" dirty="0" smtClean="0">
+              <a:rPr lang="en-US" sz="2000" dirty="0">
                 <a:latin typeface="Times New Roman"/>
                 <a:cs typeface="Times New Roman"/>
               </a:rPr>
@@ -26024,35 +25511,35 @@
           <a:lstStyle/>
           <a:p>
             <a:r>
-              <a:rPr lang="en-US" sz="2000" dirty="0" smtClean="0">
+              <a:rPr lang="en-US" sz="2000" dirty="0">
                 <a:latin typeface="Times New Roman"/>
                 <a:cs typeface="Times New Roman"/>
               </a:rPr>
               <a:t>Sampling </a:t>
             </a:r>
             <a:r>
-              <a:rPr lang="en-US" sz="2000" dirty="0" err="1" smtClean="0">
+              <a:rPr lang="en-US" sz="2000" dirty="0" err="1">
                 <a:latin typeface="Times New Roman"/>
                 <a:cs typeface="Times New Roman"/>
               </a:rPr>
               <a:t>dist</a:t>
             </a:r>
             <a:r>
-              <a:rPr lang="en-US" sz="2000" dirty="0" smtClean="0">
+              <a:rPr lang="en-US" sz="2000" dirty="0">
                 <a:latin typeface="Times New Roman"/>
                 <a:cs typeface="Times New Roman"/>
               </a:rPr>
               <a:t> </a:t>
             </a:r>
             <a:r>
-              <a:rPr lang="en-US" sz="2000" dirty="0" err="1" smtClean="0">
+              <a:rPr lang="en-US" sz="2000" dirty="0" err="1">
                 <a:latin typeface="Times New Roman"/>
                 <a:cs typeface="Times New Roman"/>
               </a:rPr>
               <a:t>s.d.</a:t>
             </a:r>
             <a:r>
-              <a:rPr lang="en-US" sz="2000" dirty="0" smtClean="0">
+              <a:rPr lang="en-US" sz="2000" dirty="0">
                 <a:latin typeface="Times New Roman"/>
                 <a:cs typeface="Times New Roman"/>
               </a:rPr>
@@ -26099,7 +25586,7 @@
   <p:timing>
     <p:tnLst>
       <p:par>
-        <p:cTn xmlns:p14="http://schemas.microsoft.com/office/powerpoint/2010/main" id="1" dur="indefinite" restart="never" nodeType="tmRoot">
+        <p:cTn id="1" dur="indefinite" restart="never" nodeType="tmRoot">
           <p:childTnLst>
             <p:seq concurrent="1" nextAc="seek">
               <p:cTn id="2" dur="indefinite" nodeType="mainSeq">

--- a/Notes/5_Point_Estimation_and_Sampling_Distributions.pptx
+++ b/Notes/5_Point_Estimation_and_Sampling_Distributions.pptx
@@ -337,7 +337,7 @@
           <a:p>
             <a:fld id="{831B80E5-5DC6-7049-9542-9BAC98986299}" type="datetimeFigureOut">
               <a:rPr lang="en-US" smtClean="0"/>
-              <a:t>3/24/2020</a:t>
+              <a:t>5/6/20</a:t>
             </a:fld>
             <a:endParaRPr lang="en-US"/>
           </a:p>
@@ -505,7 +505,7 @@
           <a:p>
             <a:fld id="{831B80E5-5DC6-7049-9542-9BAC98986299}" type="datetimeFigureOut">
               <a:rPr lang="en-US" smtClean="0"/>
-              <a:t>3/24/2020</a:t>
+              <a:t>5/6/20</a:t>
             </a:fld>
             <a:endParaRPr lang="en-US"/>
           </a:p>
@@ -683,7 +683,7 @@
           <a:p>
             <a:fld id="{831B80E5-5DC6-7049-9542-9BAC98986299}" type="datetimeFigureOut">
               <a:rPr lang="en-US" smtClean="0"/>
-              <a:t>3/24/2020</a:t>
+              <a:t>5/6/20</a:t>
             </a:fld>
             <a:endParaRPr lang="en-US"/>
           </a:p>
@@ -851,7 +851,7 @@
           <a:p>
             <a:fld id="{831B80E5-5DC6-7049-9542-9BAC98986299}" type="datetimeFigureOut">
               <a:rPr lang="en-US" smtClean="0"/>
-              <a:t>3/24/2020</a:t>
+              <a:t>5/6/20</a:t>
             </a:fld>
             <a:endParaRPr lang="en-US"/>
           </a:p>
@@ -1096,7 +1096,7 @@
           <a:p>
             <a:fld id="{831B80E5-5DC6-7049-9542-9BAC98986299}" type="datetimeFigureOut">
               <a:rPr lang="en-US" smtClean="0"/>
-              <a:t>3/24/2020</a:t>
+              <a:t>5/6/20</a:t>
             </a:fld>
             <a:endParaRPr lang="en-US"/>
           </a:p>
@@ -1381,7 +1381,7 @@
           <a:p>
             <a:fld id="{831B80E5-5DC6-7049-9542-9BAC98986299}" type="datetimeFigureOut">
               <a:rPr lang="en-US" smtClean="0"/>
-              <a:t>3/24/2020</a:t>
+              <a:t>5/6/20</a:t>
             </a:fld>
             <a:endParaRPr lang="en-US"/>
           </a:p>
@@ -1800,7 +1800,7 @@
           <a:p>
             <a:fld id="{831B80E5-5DC6-7049-9542-9BAC98986299}" type="datetimeFigureOut">
               <a:rPr lang="en-US" smtClean="0"/>
-              <a:t>3/24/2020</a:t>
+              <a:t>5/6/20</a:t>
             </a:fld>
             <a:endParaRPr lang="en-US"/>
           </a:p>
@@ -1917,7 +1917,7 @@
           <a:p>
             <a:fld id="{831B80E5-5DC6-7049-9542-9BAC98986299}" type="datetimeFigureOut">
               <a:rPr lang="en-US" smtClean="0"/>
-              <a:t>3/24/2020</a:t>
+              <a:t>5/6/20</a:t>
             </a:fld>
             <a:endParaRPr lang="en-US"/>
           </a:p>
@@ -2012,7 +2012,7 @@
           <a:p>
             <a:fld id="{831B80E5-5DC6-7049-9542-9BAC98986299}" type="datetimeFigureOut">
               <a:rPr lang="en-US" smtClean="0"/>
-              <a:t>3/24/2020</a:t>
+              <a:t>5/6/20</a:t>
             </a:fld>
             <a:endParaRPr lang="en-US"/>
           </a:p>
@@ -2287,7 +2287,7 @@
           <a:p>
             <a:fld id="{831B80E5-5DC6-7049-9542-9BAC98986299}" type="datetimeFigureOut">
               <a:rPr lang="en-US" smtClean="0"/>
-              <a:t>3/24/2020</a:t>
+              <a:t>5/6/20</a:t>
             </a:fld>
             <a:endParaRPr lang="en-US"/>
           </a:p>
@@ -2539,7 +2539,7 @@
           <a:p>
             <a:fld id="{831B80E5-5DC6-7049-9542-9BAC98986299}" type="datetimeFigureOut">
               <a:rPr lang="en-US" smtClean="0"/>
-              <a:t>3/24/2020</a:t>
+              <a:t>5/6/20</a:t>
             </a:fld>
             <a:endParaRPr lang="en-US"/>
           </a:p>
@@ -2750,7 +2750,7 @@
           <a:p>
             <a:fld id="{831B80E5-5DC6-7049-9542-9BAC98986299}" type="datetimeFigureOut">
               <a:rPr lang="en-US" smtClean="0"/>
-              <a:t>3/24/2020</a:t>
+              <a:t>5/6/20</a:t>
             </a:fld>
             <a:endParaRPr lang="en-US"/>
           </a:p>
@@ -18721,7 +18721,7 @@
         <p:spPr>
           <a:xfrm>
             <a:off x="112059" y="736514"/>
-            <a:ext cx="8930409" cy="6124752"/>
+            <a:ext cx="8930409" cy="6093976"/>
           </a:xfrm>
           <a:prstGeom prst="rect">
             <a:avLst/>
@@ -18737,7 +18737,7 @@
           <a:lstStyle/>
           <a:p>
             <a:r>
-              <a:rPr lang="en-US" sz="1400" dirty="0">
+              <a:rPr lang="en-US" sz="1300" dirty="0">
                 <a:solidFill>
                   <a:schemeClr val="bg1"/>
                 </a:solidFill>
@@ -18749,7 +18749,7 @@
           </a:p>
           <a:p>
             <a:r>
-              <a:rPr lang="en-US" sz="1400" dirty="0">
+              <a:rPr lang="en-US" sz="1300" dirty="0">
                 <a:solidFill>
                   <a:schemeClr val="bg1"/>
                 </a:solidFill>
@@ -18760,7 +18760,7 @@
             </a:r>
           </a:p>
           <a:p>
-            <a:endParaRPr lang="en-US" sz="1400" dirty="0">
+            <a:endParaRPr lang="en-US" sz="1300" dirty="0">
               <a:solidFill>
                 <a:schemeClr val="bg1"/>
               </a:solidFill>
@@ -18770,7 +18770,31 @@
           </a:p>
           <a:p>
             <a:r>
-              <a:rPr lang="en-US" sz="1400" dirty="0">
+              <a:rPr lang="en-US" sz="1300" dirty="0">
+                <a:solidFill>
+                  <a:schemeClr val="bg1"/>
+                </a:solidFill>
+                <a:latin typeface="Courier"/>
+                <a:cs typeface="Courier"/>
+              </a:rPr>
+              <a:t>n &lt;- length(x)</a:t>
+            </a:r>
+          </a:p>
+          <a:p>
+            <a:r>
+              <a:rPr lang="en-US" sz="1300" dirty="0">
+                <a:solidFill>
+                  <a:schemeClr val="bg1"/>
+                </a:solidFill>
+                <a:latin typeface="Courier"/>
+                <a:cs typeface="Courier"/>
+              </a:rPr>
+              <a:t>B &lt;- 2000</a:t>
+            </a:r>
+          </a:p>
+          <a:p>
+            <a:r>
+              <a:rPr lang="en-US" sz="1300" dirty="0">
                 <a:solidFill>
                   <a:srgbClr val="FFFF00"/>
                 </a:solidFill>
@@ -18782,7 +18806,7 @@
           </a:p>
           <a:p>
             <a:r>
-              <a:rPr lang="en-US" sz="1400" dirty="0">
+              <a:rPr lang="en-US" sz="1300" dirty="0">
                 <a:solidFill>
                   <a:schemeClr val="bg1"/>
                 </a:solidFill>
@@ -18792,7 +18816,7 @@
               <a:t>mean(x) </a:t>
             </a:r>
             <a:r>
-              <a:rPr lang="en-US" sz="1400" dirty="0">
+              <a:rPr lang="en-US" sz="1300" dirty="0">
                 <a:solidFill>
                   <a:srgbClr val="FFFF00"/>
                 </a:solidFill>
@@ -18803,7 +18827,7 @@
             </a:r>
           </a:p>
           <a:p>
-            <a:endParaRPr lang="en-US" sz="1400" dirty="0">
+            <a:endParaRPr lang="en-US" sz="1300" dirty="0">
               <a:solidFill>
                 <a:schemeClr val="bg1"/>
               </a:solidFill>
@@ -18813,7 +18837,7 @@
           </a:p>
           <a:p>
             <a:r>
-              <a:rPr lang="en-US" sz="1400" dirty="0" err="1">
+              <a:rPr lang="en-US" sz="1300" dirty="0" err="1">
                 <a:solidFill>
                   <a:schemeClr val="bg1"/>
                 </a:solidFill>
@@ -18823,7 +18847,7 @@
               <a:t>boot.samp.mean</a:t>
             </a:r>
             <a:r>
-              <a:rPr lang="en-US" sz="1400" dirty="0">
+              <a:rPr lang="en-US" sz="1300" dirty="0">
                 <a:solidFill>
                   <a:schemeClr val="bg1"/>
                 </a:solidFill>
@@ -18833,7 +18857,7 @@
               <a:t> &lt;- </a:t>
             </a:r>
             <a:r>
-              <a:rPr lang="en-US" sz="1400" dirty="0" err="1">
+              <a:rPr lang="en-US" sz="1300" dirty="0" err="1">
                 <a:solidFill>
                   <a:schemeClr val="bg1"/>
                 </a:solidFill>
@@ -18843,7 +18867,7 @@
               <a:t>sapply</a:t>
             </a:r>
             <a:r>
-              <a:rPr lang="en-US" sz="1400" dirty="0">
+              <a:rPr lang="en-US" sz="1300" dirty="0">
                 <a:solidFill>
                   <a:schemeClr val="bg1"/>
                 </a:solidFill>
@@ -18853,7 +18877,7 @@
               <a:t>(1:B, function(</a:t>
             </a:r>
             <a:r>
-              <a:rPr lang="en-US" sz="1400" dirty="0" err="1">
+              <a:rPr lang="en-US" sz="1300" dirty="0" err="1">
                 <a:solidFill>
                   <a:schemeClr val="bg1"/>
                 </a:solidFill>
@@ -18863,7 +18887,7 @@
               <a:t>i</a:t>
             </a:r>
             <a:r>
-              <a:rPr lang="en-US" sz="1400" dirty="0">
+              <a:rPr lang="en-US" sz="1300" dirty="0">
                 <a:solidFill>
                   <a:schemeClr val="bg1"/>
                 </a:solidFill>
@@ -18875,7 +18899,7 @@
           </a:p>
           <a:p>
             <a:r>
-              <a:rPr lang="en-US" sz="1400" dirty="0">
+              <a:rPr lang="en-US" sz="1300" dirty="0">
                 <a:solidFill>
                   <a:schemeClr val="bg1"/>
                 </a:solidFill>
@@ -18885,7 +18909,7 @@
               <a:t>mean(</a:t>
             </a:r>
             <a:r>
-              <a:rPr lang="en-US" sz="1400" dirty="0" err="1">
+              <a:rPr lang="en-US" sz="1300" dirty="0" err="1">
                 <a:solidFill>
                   <a:schemeClr val="bg1"/>
                 </a:solidFill>
@@ -18895,7 +18919,7 @@
               <a:t>boot.samp.mean</a:t>
             </a:r>
             <a:r>
-              <a:rPr lang="en-US" sz="1400" dirty="0">
+              <a:rPr lang="en-US" sz="1300" dirty="0">
                 <a:solidFill>
                   <a:schemeClr val="bg1"/>
                 </a:solidFill>
@@ -18906,7 +18930,7 @@
             </a:r>
           </a:p>
           <a:p>
-            <a:endParaRPr lang="en-US" sz="1400" dirty="0">
+            <a:endParaRPr lang="en-US" sz="1300" dirty="0">
               <a:solidFill>
                 <a:schemeClr val="bg1"/>
               </a:solidFill>
@@ -18916,7 +18940,7 @@
           </a:p>
           <a:p>
             <a:r>
-              <a:rPr lang="en-US" sz="1400" dirty="0">
+              <a:rPr lang="en-US" sz="1300" dirty="0">
                 <a:solidFill>
                   <a:srgbClr val="FFFF00"/>
                 </a:solidFill>
@@ -18926,7 +18950,7 @@
               <a:t>#b. MLE, unbiased and bootstrap estimates for </a:t>
             </a:r>
             <a:r>
-              <a:rPr lang="en-US" sz="1400" dirty="0" err="1">
+              <a:rPr lang="en-US" sz="1300" dirty="0" err="1">
                 <a:solidFill>
                   <a:srgbClr val="FFFF00"/>
                 </a:solidFill>
@@ -18936,7 +18960,7 @@
               <a:t>s.d.</a:t>
             </a:r>
             <a:r>
-              <a:rPr lang="en-US" sz="1400" dirty="0">
+              <a:rPr lang="en-US" sz="1300" dirty="0">
                 <a:solidFill>
                   <a:srgbClr val="FFFF00"/>
                 </a:solidFill>
@@ -18948,7 +18972,7 @@
           </a:p>
           <a:p>
             <a:r>
-              <a:rPr lang="en-US" sz="1400" dirty="0" err="1">
+              <a:rPr lang="en-US" sz="1300" dirty="0" err="1">
                 <a:solidFill>
                   <a:schemeClr val="bg1"/>
                 </a:solidFill>
@@ -18958,7 +18982,7 @@
               <a:t>sqrt</a:t>
             </a:r>
             <a:r>
-              <a:rPr lang="en-US" sz="1400" dirty="0">
+              <a:rPr lang="en-US" sz="1300" dirty="0">
                 <a:solidFill>
                   <a:schemeClr val="bg1"/>
                 </a:solidFill>
@@ -18969,7 +18993,7 @@
             </a:r>
           </a:p>
           <a:p>
-            <a:endParaRPr lang="en-US" sz="1400" dirty="0">
+            <a:endParaRPr lang="en-US" sz="1300" dirty="0">
               <a:solidFill>
                 <a:schemeClr val="bg1"/>
               </a:solidFill>
@@ -18979,7 +19003,7 @@
           </a:p>
           <a:p>
             <a:r>
-              <a:rPr lang="en-US" sz="1400" dirty="0" err="1">
+              <a:rPr lang="en-US" sz="1300" dirty="0" err="1">
                 <a:solidFill>
                   <a:schemeClr val="bg1"/>
                 </a:solidFill>
@@ -18989,7 +19013,7 @@
               <a:t>sd</a:t>
             </a:r>
             <a:r>
-              <a:rPr lang="en-US" sz="1400" dirty="0">
+              <a:rPr lang="en-US" sz="1300" dirty="0">
                 <a:solidFill>
                   <a:schemeClr val="bg1"/>
                 </a:solidFill>
@@ -19000,7 +19024,7 @@
             </a:r>
           </a:p>
           <a:p>
-            <a:endParaRPr lang="en-US" sz="1400" dirty="0">
+            <a:endParaRPr lang="en-US" sz="1300" dirty="0">
               <a:solidFill>
                 <a:schemeClr val="bg1"/>
               </a:solidFill>
@@ -19010,132 +19034,120 @@
           </a:p>
           <a:p>
             <a:r>
-              <a:rPr lang="en-US" sz="1400" dirty="0">
+              <a:rPr lang="en-US" sz="1300" dirty="0" err="1">
                 <a:solidFill>
                   <a:schemeClr val="bg1"/>
                 </a:solidFill>
                 <a:latin typeface="Courier"/>
                 <a:cs typeface="Courier"/>
               </a:rPr>
-              <a:t>B &lt;- 2000</a:t>
-            </a:r>
-          </a:p>
-          <a:p>
-            <a:r>
-              <a:rPr lang="en-US" sz="1400" dirty="0" err="1">
+              <a:t>boot.samp.sd</a:t>
+            </a:r>
+            <a:r>
+              <a:rPr lang="en-US" sz="1300" dirty="0">
                 <a:solidFill>
                   <a:schemeClr val="bg1"/>
                 </a:solidFill>
                 <a:latin typeface="Courier"/>
                 <a:cs typeface="Courier"/>
               </a:rPr>
-              <a:t>boot.samp.sd</a:t>
-            </a:r>
-            <a:r>
-              <a:rPr lang="en-US" sz="1400" dirty="0">
+              <a:t> &lt;- </a:t>
+            </a:r>
+            <a:r>
+              <a:rPr lang="en-US" sz="1300" dirty="0" err="1">
                 <a:solidFill>
                   <a:schemeClr val="bg1"/>
                 </a:solidFill>
                 <a:latin typeface="Courier"/>
                 <a:cs typeface="Courier"/>
               </a:rPr>
-              <a:t> &lt;- </a:t>
-            </a:r>
-            <a:r>
-              <a:rPr lang="en-US" sz="1400" dirty="0" err="1">
+              <a:t>sapply</a:t>
+            </a:r>
+            <a:r>
+              <a:rPr lang="en-US" sz="1300" dirty="0">
                 <a:solidFill>
                   <a:schemeClr val="bg1"/>
                 </a:solidFill>
                 <a:latin typeface="Courier"/>
                 <a:cs typeface="Courier"/>
               </a:rPr>
-              <a:t>sapply</a:t>
-            </a:r>
-            <a:r>
-              <a:rPr lang="en-US" sz="1400" dirty="0">
+              <a:t>(1:B, function(</a:t>
+            </a:r>
+            <a:r>
+              <a:rPr lang="en-US" sz="1300" dirty="0" err="1">
                 <a:solidFill>
                   <a:schemeClr val="bg1"/>
                 </a:solidFill>
                 <a:latin typeface="Courier"/>
                 <a:cs typeface="Courier"/>
               </a:rPr>
-              <a:t>(1:B, function(</a:t>
-            </a:r>
-            <a:r>
-              <a:rPr lang="en-US" sz="1400" dirty="0" err="1">
+              <a:t>i</a:t>
+            </a:r>
+            <a:r>
+              <a:rPr lang="en-US" sz="1300" dirty="0">
                 <a:solidFill>
                   <a:schemeClr val="bg1"/>
                 </a:solidFill>
                 <a:latin typeface="Courier"/>
                 <a:cs typeface="Courier"/>
               </a:rPr>
-              <a:t>i</a:t>
-            </a:r>
-            <a:r>
-              <a:rPr lang="en-US" sz="1400" dirty="0">
+              <a:t>){</a:t>
+            </a:r>
+            <a:r>
+              <a:rPr lang="en-US" sz="1300" dirty="0" err="1">
                 <a:solidFill>
                   <a:schemeClr val="bg1"/>
                 </a:solidFill>
                 <a:latin typeface="Courier"/>
                 <a:cs typeface="Courier"/>
               </a:rPr>
-              <a:t>){</a:t>
-            </a:r>
-            <a:r>
-              <a:rPr lang="en-US" sz="1400" dirty="0" err="1">
+              <a:t>sd</a:t>
+            </a:r>
+            <a:r>
+              <a:rPr lang="en-US" sz="1300" dirty="0">
                 <a:solidFill>
                   <a:schemeClr val="bg1"/>
                 </a:solidFill>
                 <a:latin typeface="Courier"/>
                 <a:cs typeface="Courier"/>
               </a:rPr>
-              <a:t>sd</a:t>
-            </a:r>
-            <a:r>
-              <a:rPr lang="en-US" sz="1400" dirty="0">
+              <a:t>(sample(x, size = n, replace = T))})</a:t>
+            </a:r>
+          </a:p>
+          <a:p>
+            <a:r>
+              <a:rPr lang="en-US" sz="1300" dirty="0">
                 <a:solidFill>
                   <a:schemeClr val="bg1"/>
                 </a:solidFill>
                 <a:latin typeface="Courier"/>
                 <a:cs typeface="Courier"/>
               </a:rPr>
-              <a:t>(sample(x, size = n, replace = T))})</a:t>
-            </a:r>
-          </a:p>
-          <a:p>
-            <a:r>
-              <a:rPr lang="en-US" sz="1400" dirty="0">
+              <a:t>mean(</a:t>
+            </a:r>
+            <a:r>
+              <a:rPr lang="en-US" sz="1300" dirty="0" err="1">
                 <a:solidFill>
                   <a:schemeClr val="bg1"/>
                 </a:solidFill>
                 <a:latin typeface="Courier"/>
                 <a:cs typeface="Courier"/>
               </a:rPr>
-              <a:t>mean(</a:t>
-            </a:r>
-            <a:r>
-              <a:rPr lang="en-US" sz="1400" dirty="0" err="1">
+              <a:t>boot.samp.sd</a:t>
+            </a:r>
+            <a:r>
+              <a:rPr lang="en-US" sz="1300" dirty="0">
                 <a:solidFill>
                   <a:schemeClr val="bg1"/>
                 </a:solidFill>
                 <a:latin typeface="Courier"/>
                 <a:cs typeface="Courier"/>
               </a:rPr>
-              <a:t>boot.samp.sd</a:t>
-            </a:r>
-            <a:r>
-              <a:rPr lang="en-US" sz="1400" dirty="0">
-                <a:solidFill>
-                  <a:schemeClr val="bg1"/>
-                </a:solidFill>
-                <a:latin typeface="Courier"/>
-                <a:cs typeface="Courier"/>
-              </a:rPr>
               <a:t>)</a:t>
             </a:r>
           </a:p>
           <a:p>
-            <a:endParaRPr lang="en-US" sz="1400" dirty="0">
+            <a:endParaRPr lang="en-US" sz="1300" dirty="0">
               <a:solidFill>
                 <a:schemeClr val="bg1"/>
               </a:solidFill>
@@ -19145,7 +19157,7 @@
           </a:p>
           <a:p>
             <a:r>
-              <a:rPr lang="en-US" sz="1400" dirty="0">
+              <a:rPr lang="en-US" sz="1300" dirty="0">
                 <a:solidFill>
                   <a:srgbClr val="FFFF00"/>
                 </a:solidFill>
@@ -19155,7 +19167,7 @@
               <a:t>#c. MLE, unbiased and bootstrap estimates for </a:t>
             </a:r>
             <a:r>
-              <a:rPr lang="en-US" sz="1400" dirty="0" err="1">
+              <a:rPr lang="en-US" sz="1300" dirty="0" err="1">
                 <a:solidFill>
                   <a:srgbClr val="FFFF00"/>
                 </a:solidFill>
@@ -19165,7 +19177,7 @@
               <a:t>s.e.</a:t>
             </a:r>
             <a:r>
-              <a:rPr lang="en-US" sz="1400" dirty="0">
+              <a:rPr lang="en-US" sz="1300" dirty="0">
                 <a:solidFill>
                   <a:srgbClr val="FFFF00"/>
                 </a:solidFill>
@@ -19177,7 +19189,39 @@
           </a:p>
           <a:p>
             <a:r>
-              <a:rPr lang="en-US" sz="1400" dirty="0" err="1">
+              <a:rPr lang="en-US" sz="1300" dirty="0">
+                <a:solidFill>
+                  <a:srgbClr val="FFFF00"/>
+                </a:solidFill>
+                <a:latin typeface="Courier"/>
+                <a:cs typeface="Courier"/>
+              </a:rPr>
+              <a:t># Thanks for the fix </a:t>
+            </a:r>
+            <a:r>
+              <a:rPr lang="en-US" sz="1300" dirty="0" err="1">
+                <a:solidFill>
+                  <a:srgbClr val="FFFF00"/>
+                </a:solidFill>
+                <a:latin typeface="Courier"/>
+                <a:cs typeface="Courier"/>
+              </a:rPr>
+              <a:t>HelenJ</a:t>
+            </a:r>
+            <a:r>
+              <a:rPr lang="en-US" sz="1300" dirty="0">
+                <a:solidFill>
+                  <a:srgbClr val="FFFF00"/>
+                </a:solidFill>
+                <a:latin typeface="Courier"/>
+                <a:cs typeface="Courier"/>
+              </a:rPr>
+              <a:t>!</a:t>
+            </a:r>
+          </a:p>
+          <a:p>
+            <a:r>
+              <a:rPr lang="en-US" sz="1300" dirty="0" err="1">
                 <a:solidFill>
                   <a:schemeClr val="bg1"/>
                 </a:solidFill>
@@ -19187,7 +19231,7 @@
               <a:t>sqrt</a:t>
             </a:r>
             <a:r>
-              <a:rPr lang="en-US" sz="1400" dirty="0">
+              <a:rPr lang="en-US" sz="1300" dirty="0">
                 <a:solidFill>
                   <a:schemeClr val="bg1"/>
                 </a:solidFill>
@@ -19197,7 +19241,7 @@
               <a:t>(1/length(x) * sum((x - mean(x))^2))/</a:t>
             </a:r>
             <a:r>
-              <a:rPr lang="en-US" sz="1400" dirty="0" err="1">
+              <a:rPr lang="en-US" sz="1300" dirty="0" err="1">
                 <a:solidFill>
                   <a:schemeClr val="bg1"/>
                 </a:solidFill>
@@ -19207,7 +19251,7 @@
               <a:t>sqrt</a:t>
             </a:r>
             <a:r>
-              <a:rPr lang="en-US" sz="1400" dirty="0">
+              <a:rPr lang="en-US" sz="1300" dirty="0">
                 <a:solidFill>
                   <a:schemeClr val="bg1"/>
                 </a:solidFill>
@@ -19218,7 +19262,7 @@
             </a:r>
           </a:p>
           <a:p>
-            <a:endParaRPr lang="en-US" sz="1400" dirty="0">
+            <a:endParaRPr lang="en-US" sz="1300" dirty="0">
               <a:solidFill>
                 <a:schemeClr val="bg1"/>
               </a:solidFill>
@@ -19228,7 +19272,7 @@
           </a:p>
           <a:p>
             <a:r>
-              <a:rPr lang="en-US" sz="1400" dirty="0" err="1">
+              <a:rPr lang="en-US" sz="1300" dirty="0" err="1">
                 <a:solidFill>
                   <a:schemeClr val="bg1"/>
                 </a:solidFill>
@@ -19238,7 +19282,7 @@
               <a:t>sd</a:t>
             </a:r>
             <a:r>
-              <a:rPr lang="en-US" sz="1400" dirty="0">
+              <a:rPr lang="en-US" sz="1300" dirty="0">
                 <a:solidFill>
                   <a:schemeClr val="bg1"/>
                 </a:solidFill>
@@ -19248,7 +19292,7 @@
               <a:t>(x)/</a:t>
             </a:r>
             <a:r>
-              <a:rPr lang="en-US" sz="1400" dirty="0" err="1">
+              <a:rPr lang="en-US" sz="1300" dirty="0" err="1">
                 <a:solidFill>
                   <a:schemeClr val="bg1"/>
                 </a:solidFill>
@@ -19258,7 +19302,7 @@
               <a:t>sqrt</a:t>
             </a:r>
             <a:r>
-              <a:rPr lang="en-US" sz="1400" dirty="0">
+              <a:rPr lang="en-US" sz="1300" dirty="0">
                 <a:solidFill>
                   <a:schemeClr val="bg1"/>
                 </a:solidFill>
@@ -19269,7 +19313,7 @@
             </a:r>
           </a:p>
           <a:p>
-            <a:endParaRPr lang="en-US" sz="1400" dirty="0">
+            <a:endParaRPr lang="en-US" sz="1300" dirty="0">
               <a:solidFill>
                 <a:schemeClr val="bg1"/>
               </a:solidFill>
@@ -19279,58 +19323,48 @@
           </a:p>
           <a:p>
             <a:r>
-              <a:rPr lang="en-US" sz="1400" dirty="0">
+              <a:rPr lang="en-US" sz="1300" dirty="0" err="1">
                 <a:solidFill>
                   <a:schemeClr val="bg1"/>
                 </a:solidFill>
                 <a:latin typeface="Courier"/>
                 <a:cs typeface="Courier"/>
               </a:rPr>
-              <a:t>mean(</a:t>
-            </a:r>
-            <a:r>
-              <a:rPr lang="en-US" sz="1400" dirty="0" err="1">
+              <a:t>sd</a:t>
+            </a:r>
+            <a:r>
+              <a:rPr lang="en-US" sz="1300" dirty="0">
                 <a:solidFill>
                   <a:schemeClr val="bg1"/>
                 </a:solidFill>
                 <a:latin typeface="Courier"/>
                 <a:cs typeface="Courier"/>
               </a:rPr>
-              <a:t>boot.samp.sd</a:t>
-            </a:r>
-            <a:r>
-              <a:rPr lang="en-US" sz="1400" dirty="0">
+              <a:t>(</a:t>
+            </a:r>
+            <a:r>
+              <a:rPr lang="en-US" sz="1300" dirty="0" err="1">
                 <a:solidFill>
                   <a:schemeClr val="bg1"/>
                 </a:solidFill>
                 <a:latin typeface="Courier"/>
                 <a:cs typeface="Courier"/>
               </a:rPr>
-              <a:t>)/</a:t>
-            </a:r>
-            <a:r>
-              <a:rPr lang="en-US" sz="1400" dirty="0" err="1">
+              <a:t>boot.samp.mean</a:t>
+            </a:r>
+            <a:r>
+              <a:rPr lang="en-US" sz="1300" dirty="0">
                 <a:solidFill>
                   <a:schemeClr val="bg1"/>
                 </a:solidFill>
                 <a:latin typeface="Courier"/>
                 <a:cs typeface="Courier"/>
               </a:rPr>
-              <a:t>sqrt</a:t>
-            </a:r>
-            <a:r>
-              <a:rPr lang="en-US" sz="1400" dirty="0">
-                <a:solidFill>
-                  <a:schemeClr val="bg1"/>
-                </a:solidFill>
-                <a:latin typeface="Courier"/>
-                <a:cs typeface="Courier"/>
-              </a:rPr>
-              <a:t>(length(x))</a:t>
-            </a:r>
-          </a:p>
-          <a:p>
-            <a:endParaRPr lang="en-US" sz="1400" dirty="0">
+              <a:t>)</a:t>
+            </a:r>
+          </a:p>
+          <a:p>
+            <a:endParaRPr lang="en-US" sz="1300" dirty="0">
               <a:solidFill>
                 <a:schemeClr val="bg1"/>
               </a:solidFill>
@@ -19340,7 +19374,7 @@
           </a:p>
           <a:p>
             <a:r>
-              <a:rPr lang="en-US" sz="1400" dirty="0">
+              <a:rPr lang="en-US" sz="1300" dirty="0">
                 <a:solidFill>
                   <a:srgbClr val="FFFF00"/>
                 </a:solidFill>
@@ -19352,7 +19386,7 @@
           </a:p>
           <a:p>
             <a:r>
-              <a:rPr lang="en-US" sz="1400" dirty="0">
+              <a:rPr lang="en-US" sz="1300" dirty="0">
                 <a:solidFill>
                   <a:schemeClr val="bg1"/>
                 </a:solidFill>
@@ -19362,7 +19396,7 @@
               <a:t>mean(</a:t>
             </a:r>
             <a:r>
-              <a:rPr lang="en-US" sz="1400" dirty="0" err="1">
+              <a:rPr lang="en-US" sz="1300" dirty="0" err="1">
                 <a:solidFill>
                   <a:schemeClr val="bg1"/>
                 </a:solidFill>
@@ -19372,7 +19406,7 @@
               <a:t>boot.samp.mean</a:t>
             </a:r>
             <a:r>
-              <a:rPr lang="en-US" sz="1400" dirty="0">
+              <a:rPr lang="en-US" sz="1300" dirty="0">
                 <a:solidFill>
                   <a:schemeClr val="bg1"/>
                 </a:solidFill>
@@ -19400,7 +19434,7 @@
         </p:blipFill>
         <p:spPr>
           <a:xfrm>
-            <a:off x="3981077" y="1679622"/>
+            <a:off x="3990041" y="1825500"/>
             <a:ext cx="5041900" cy="1054100"/>
           </a:xfrm>
           <a:prstGeom prst="rect">
@@ -19434,7 +19468,7 @@
       </p:pic>
       <p:pic>
         <p:nvPicPr>
-          <p:cNvPr id="9" name="Picture 8"/>
+          <p:cNvPr id="10" name="Picture 9"/>
           <p:cNvPicPr>
             <a:picLocks noChangeAspect="1"/>
           </p:cNvPicPr>
@@ -19442,30 +19476,6 @@
         </p:nvPicPr>
         <p:blipFill>
           <a:blip r:embed="rId5"/>
-          <a:stretch>
-            <a:fillRect/>
-          </a:stretch>
-        </p:blipFill>
-        <p:spPr>
-          <a:xfrm>
-            <a:off x="3981076" y="4907637"/>
-            <a:ext cx="4899001" cy="1232084"/>
-          </a:xfrm>
-          <a:prstGeom prst="rect">
-            <a:avLst/>
-          </a:prstGeom>
-        </p:spPr>
-      </p:pic>
-      <p:pic>
-        <p:nvPicPr>
-          <p:cNvPr id="10" name="Picture 9"/>
-          <p:cNvPicPr>
-            <a:picLocks noChangeAspect="1"/>
-          </p:cNvPicPr>
-          <p:nvPr/>
-        </p:nvPicPr>
-        <p:blipFill>
-          <a:blip r:embed="rId6"/>
           <a:stretch>
             <a:fillRect/>
           </a:stretch>
@@ -19495,7 +19505,7 @@
           <p:nvPr/>
         </p:nvPicPr>
         <p:blipFill>
-          <a:blip r:embed="rId7"/>
+          <a:blip r:embed="rId6"/>
           <a:stretch>
             <a:fillRect/>
           </a:stretch>
@@ -19504,6 +19514,36 @@
           <a:xfrm>
             <a:off x="6821710" y="313814"/>
             <a:ext cx="204827" cy="329597"/>
+          </a:xfrm>
+          <a:prstGeom prst="rect">
+            <a:avLst/>
+          </a:prstGeom>
+        </p:spPr>
+      </p:pic>
+      <p:pic>
+        <p:nvPicPr>
+          <p:cNvPr id="7" name="Picture 6">
+            <a:extLst>
+              <a:ext uri="{FF2B5EF4-FFF2-40B4-BE49-F238E27FC236}">
+                <a16:creationId xmlns:a16="http://schemas.microsoft.com/office/drawing/2014/main" id="{AE6140A4-78E0-9B48-A209-82F105B7A27D}"/>
+              </a:ext>
+            </a:extLst>
+          </p:cNvPr>
+          <p:cNvPicPr>
+            <a:picLocks noChangeAspect="1"/>
+          </p:cNvPicPr>
+          <p:nvPr/>
+        </p:nvPicPr>
+        <p:blipFill>
+          <a:blip r:embed="rId7"/>
+          <a:stretch>
+            <a:fillRect/>
+          </a:stretch>
+        </p:blipFill>
+        <p:spPr>
+          <a:xfrm>
+            <a:off x="4013947" y="4831032"/>
+            <a:ext cx="4915564" cy="1228891"/>
           </a:xfrm>
           <a:prstGeom prst="rect">
             <a:avLst/>
@@ -19736,7 +19776,7 @@
                                           </p:stCondLst>
                                         </p:cTn>
                                         <p:tgtEl>
-                                          <p:spTgt spid="9"/>
+                                          <p:spTgt spid="7"/>
                                         </p:tgtEl>
                                         <p:attrNameLst>
                                           <p:attrName>style.visibility</p:attrName>
@@ -19750,7 +19790,7 @@
                                       <p:cBhvr additive="base">
                                         <p:cTn id="19" dur="500" fill="hold"/>
                                         <p:tgtEl>
-                                          <p:spTgt spid="9"/>
+                                          <p:spTgt spid="7"/>
                                         </p:tgtEl>
                                         <p:attrNameLst>
                                           <p:attrName>ppt_x</p:attrName>
@@ -19773,7 +19813,7 @@
                                       <p:cBhvr additive="base">
                                         <p:cTn id="20" dur="500" fill="hold"/>
                                         <p:tgtEl>
-                                          <p:spTgt spid="9"/>
+                                          <p:spTgt spid="7"/>
                                         </p:tgtEl>
                                         <p:attrNameLst>
                                           <p:attrName>ppt_y</p:attrName>
